--- a/presentation/IoT_project_final_presentation.pptx
+++ b/presentation/IoT_project_final_presentation.pptx
@@ -10,7 +10,8 @@
     <p:sldId id="259" r:id="rId4"/>
     <p:sldId id="260" r:id="rId5"/>
     <p:sldId id="261" r:id="rId6"/>
-    <p:sldId id="262" r:id="rId7"/>
+    <p:sldId id="263" r:id="rId7"/>
+    <p:sldId id="262" r:id="rId8"/>
   </p:sldIdLst>
   <p:sldSz cx="9144000" cy="6858000" type="screen4x3"/>
   <p:notesSz cx="6858000" cy="9144000"/>
@@ -4381,8 +4382,12 @@
           <a:lstStyle/>
           <a:p>
             <a:r>
+              <a:rPr lang="ja-JP" altLang="en-US"/>
+              <a:t>システム</a:t>
+            </a:r>
+            <a:r>
               <a:rPr lang="ja-JP" altLang="en-US" dirty="0"/>
-              <a:t>企画：　システムの概要</a:t>
+              <a:t>の概要</a:t>
             </a:r>
             <a:endParaRPr lang="en-US" dirty="0"/>
           </a:p>
@@ -5884,15 +5889,51 @@
               <a:t>LED</a:t>
             </a:r>
             <a:r>
+              <a:rPr lang="ja-JP" altLang="en-US"/>
+              <a:t>の点灯パターン</a:t>
+            </a:r>
+            <a:r>
+              <a:rPr lang="en-US" altLang="ja-JP" dirty="0"/>
+              <a:t>(</a:t>
+            </a:r>
+            <a:r>
+              <a:rPr lang="ja-JP" altLang="en-US"/>
+              <a:t>時刻と</a:t>
+            </a:r>
+            <a:r>
+              <a:rPr lang="en-US" altLang="ja-JP" dirty="0"/>
+              <a:t>LED</a:t>
+            </a:r>
+            <a:r>
+              <a:rPr lang="ja-JP" altLang="en-US"/>
+              <a:t>の指定</a:t>
+            </a:r>
+            <a:r>
+              <a:rPr lang="en-US" altLang="ja-JP" dirty="0"/>
+              <a:t>)</a:t>
+            </a:r>
+            <a:r>
+              <a:rPr lang="ja-JP" altLang="en-US"/>
+              <a:t>をハードに書き込む</a:t>
+            </a:r>
+            <a:endParaRPr lang="en-US" altLang="ja-JP" dirty="0"/>
+          </a:p>
+          <a:p>
+            <a:r>
               <a:rPr lang="ja-JP" altLang="en-US" dirty="0"/>
-              <a:t>を光らせるパターンをハードに教える</a:t>
-            </a:r>
-            <a:endParaRPr lang="en-US" altLang="ja-JP" dirty="0"/>
-          </a:p>
-          <a:p>
-            <a:r>
-              <a:rPr lang="ja-JP" altLang="en-US" dirty="0"/>
-              <a:t>キーボードの入力をリアルタイムで送信</a:t>
+              <a:t>キーボード</a:t>
+            </a:r>
+            <a:r>
+              <a:rPr lang="ja-JP" altLang="en-US"/>
+              <a:t>の入力情報を</a:t>
+            </a:r>
+            <a:r>
+              <a:rPr lang="en-US" altLang="ja-JP" dirty="0"/>
+              <a:t>100ms</a:t>
+            </a:r>
+            <a:r>
+              <a:rPr lang="ja-JP" altLang="en-US"/>
+              <a:t>おきにハードに書き込む</a:t>
             </a:r>
             <a:endParaRPr lang="en-US" dirty="0"/>
           </a:p>
@@ -6049,8 +6090,8 @@
           <a:lstStyle/>
           <a:p>
             <a:r>
-              <a:rPr lang="ja-JP" altLang="en-US" dirty="0"/>
-              <a:t>ソフトウェアの詳細</a:t>
+              <a:rPr lang="ja-JP" altLang="en-US"/>
+              <a:t>ソフトウェアの実装詳細</a:t>
             </a:r>
             <a:endParaRPr lang="en-US" dirty="0"/>
           </a:p>
@@ -6082,32 +6123,8 @@
               <a:buAutoNum type="arabicPeriod"/>
             </a:pPr>
             <a:r>
-              <a:rPr lang="ja-JP" altLang="en-US" dirty="0"/>
-              <a:t>パターン</a:t>
-            </a:r>
-            <a:r>
-              <a:rPr lang="en-US" altLang="ja-JP" dirty="0"/>
-              <a:t>(&lt;</a:t>
-            </a:r>
-            <a:r>
-              <a:rPr lang="ja-JP" altLang="en-US" dirty="0"/>
-              <a:t>時刻</a:t>
-            </a:r>
-            <a:r>
-              <a:rPr lang="en-US" altLang="ja-JP" dirty="0"/>
-              <a:t>, LED</a:t>
-            </a:r>
-            <a:r>
-              <a:rPr lang="ja-JP" altLang="en-US" dirty="0"/>
-              <a:t>に対応した</a:t>
-            </a:r>
-            <a:r>
-              <a:rPr lang="en-US" altLang="ja-JP" dirty="0"/>
-              <a:t>8bit&gt;)</a:t>
-            </a:r>
-            <a:r>
-              <a:rPr lang="ja-JP" altLang="en-US" dirty="0"/>
-              <a:t>を</a:t>
+              <a:rPr lang="ja-JP" altLang="en-US"/>
+              <a:t>点灯パターンを</a:t>
             </a:r>
             <a:r>
               <a:rPr lang="en-US" altLang="ja-JP" dirty="0"/>
@@ -6123,7 +6140,70 @@
             <a:pPr lvl="1"/>
             <a:r>
               <a:rPr lang="ja-JP" altLang="en-US" dirty="0"/>
-              <a:t>初期化時に行う予定</a:t>
+              <a:t>初期化時</a:t>
+            </a:r>
+            <a:r>
+              <a:rPr lang="ja-JP" altLang="en-US"/>
+              <a:t>に行う</a:t>
+            </a:r>
+            <a:endParaRPr lang="en-US" altLang="ja-JP" dirty="0"/>
+          </a:p>
+          <a:p>
+            <a:pPr lvl="1"/>
+            <a:r>
+              <a:rPr lang="ja-JP" altLang="en-US"/>
+              <a:t>書き込むデータ</a:t>
+            </a:r>
+            <a:r>
+              <a:rPr lang="en-US" altLang="ja-JP" dirty="0"/>
+              <a:t>: </a:t>
+            </a:r>
+            <a:r>
+              <a:rPr lang="ja-JP" altLang="en-US"/>
+              <a:t>時刻</a:t>
+            </a:r>
+            <a:r>
+              <a:rPr lang="en-US" altLang="ja-JP" dirty="0"/>
+              <a:t>10bit, LED</a:t>
+            </a:r>
+            <a:r>
+              <a:rPr lang="ja-JP" altLang="en-US"/>
+              <a:t>指定</a:t>
+            </a:r>
+            <a:r>
+              <a:rPr lang="en-US" altLang="ja-JP" dirty="0"/>
+              <a:t> 8bit</a:t>
+            </a:r>
+            <a:r>
+              <a:rPr lang="ja-JP" altLang="en-US"/>
+              <a:t>の</a:t>
+            </a:r>
+            <a:r>
+              <a:rPr lang="en-US" altLang="ja-JP" dirty="0"/>
+              <a:t>18bit </a:t>
+            </a:r>
+          </a:p>
+          <a:p>
+            <a:pPr lvl="1"/>
+            <a:r>
+              <a:rPr lang="ja-JP" altLang="en-US"/>
+              <a:t>メモリの</a:t>
+            </a:r>
+            <a:r>
+              <a:rPr lang="en-US" altLang="ja-JP" dirty="0"/>
+              <a:t>map</a:t>
+            </a:r>
+            <a:r>
+              <a:rPr lang="ja-JP" altLang="en-US"/>
+              <a:t>は講義時の</a:t>
+            </a:r>
+            <a:r>
+              <a:rPr lang="en-US" altLang="ja-JP" dirty="0" err="1"/>
+              <a:t>mmap</a:t>
+            </a:r>
+            <a:r>
+              <a:rPr lang="ja-JP" altLang="en-US"/>
+              <a:t>を活用</a:t>
             </a:r>
             <a:endParaRPr lang="en-US" altLang="ja-JP" dirty="0"/>
           </a:p>
@@ -6132,13 +6212,6 @@
               <a:buFont typeface="+mj-lt"/>
               <a:buAutoNum type="arabicPeriod"/>
             </a:pPr>
-            <a:endParaRPr lang="en-US" altLang="ja-JP" dirty="0"/>
-          </a:p>
-          <a:p>
-            <a:pPr marL="514350" indent="-514350">
-              <a:buFont typeface="+mj-lt"/>
-              <a:buAutoNum type="arabicPeriod"/>
-            </a:pPr>
             <a:r>
               <a:rPr lang="en-US" altLang="ja-JP" dirty="0"/>
               <a:t>LED</a:t>
@@ -6184,36 +6257,78 @@
           <a:p>
             <a:pPr lvl="1"/>
             <a:r>
-              <a:rPr lang="ja-JP" altLang="en-US" dirty="0"/>
-              <a:t>リアルタイムだと、</a:t>
+              <a:rPr lang="ja-JP" altLang="en-US"/>
+              <a:t>書き込むデータ</a:t>
+            </a:r>
+            <a:r>
+              <a:rPr lang="en-US" altLang="ja-JP" dirty="0"/>
+              <a:t>: 8bit(</a:t>
+            </a:r>
+            <a:r>
+              <a:rPr lang="ja-JP" altLang="en-US"/>
+              <a:t>各キーを</a:t>
+            </a:r>
+            <a:r>
+              <a:rPr lang="en-US" altLang="ja-JP"/>
+              <a:t>1: </a:t>
+            </a:r>
+            <a:r>
+              <a:rPr lang="ja-JP" altLang="en-US"/>
+              <a:t>押したか</a:t>
+            </a:r>
+            <a:r>
+              <a:rPr lang="en-US" altLang="ja-JP" dirty="0"/>
+              <a:t>/0: </a:t>
+            </a:r>
+            <a:r>
+              <a:rPr lang="ja-JP" altLang="en-US"/>
+              <a:t>押してないか</a:t>
+            </a:r>
+            <a:r>
+              <a:rPr lang="en-US" altLang="ja-JP" dirty="0"/>
+              <a:t>)</a:t>
+            </a:r>
+          </a:p>
+          <a:p>
+            <a:pPr lvl="1"/>
+            <a:r>
+              <a:rPr lang="en-US" altLang="ja-JP" dirty="0" err="1"/>
+              <a:t>fcntl</a:t>
+            </a:r>
+            <a:r>
+              <a:rPr lang="ja-JP" altLang="en-US"/>
+              <a:t>を使用</a:t>
+            </a:r>
+            <a:r>
+              <a:rPr lang="en-US" altLang="ja-JP" dirty="0"/>
+              <a:t>(</a:t>
             </a:r>
             <a:r>
               <a:rPr lang="en-US" altLang="ja-JP" dirty="0" err="1"/>
               <a:t>non_blocking</a:t>
             </a:r>
             <a:r>
-              <a:rPr lang="ja-JP" altLang="en-US" dirty="0"/>
-              <a:t>にするための工夫が必要</a:t>
-            </a:r>
-            <a:endParaRPr lang="en-US" altLang="ja-JP" dirty="0"/>
+              <a:rPr lang="ja-JP" altLang="en-US"/>
+              <a:t>になるよう工夫</a:t>
+            </a:r>
+            <a:r>
+              <a:rPr lang="en-US" altLang="ja-JP" dirty="0"/>
+              <a:t>)</a:t>
+            </a:r>
           </a:p>
           <a:p>
             <a:pPr lvl="1"/>
             <a:r>
+              <a:rPr lang="en-US" altLang="ja-JP" dirty="0"/>
+              <a:t>100 </a:t>
+            </a:r>
+            <a:r>
               <a:rPr lang="en-US" altLang="ja-JP" dirty="0" err="1"/>
-              <a:t>ioctl</a:t>
-            </a:r>
-            <a:r>
-              <a:rPr lang="ja-JP" altLang="en-US" dirty="0"/>
-              <a:t>や</a:t>
-            </a:r>
-            <a:r>
-              <a:rPr lang="en-US" altLang="ja-JP" dirty="0" err="1"/>
-              <a:t>fcntl</a:t>
-            </a:r>
-            <a:r>
-              <a:rPr lang="ja-JP" altLang="en-US" dirty="0"/>
-              <a:t>等を駆使する必要があるはず</a:t>
+              <a:t>ms</a:t>
+            </a:r>
+            <a:r>
+              <a:rPr lang="ja-JP" altLang="en-US"/>
+              <a:t>ごとにキーを読みメモリに書込。</a:t>
             </a:r>
             <a:endParaRPr lang="en-US" altLang="ja-JP" dirty="0"/>
           </a:p>
@@ -6271,8 +6386,8 @@
           <a:lstStyle/>
           <a:p>
             <a:r>
-              <a:rPr lang="ja-JP" altLang="en-US" dirty="0"/>
-              <a:t>ハードウェアの詳細</a:t>
+              <a:rPr lang="ja-JP" altLang="en-US"/>
+              <a:t>ハードウェアの実装詳細</a:t>
             </a:r>
             <a:endParaRPr lang="en-US" dirty="0"/>
           </a:p>
@@ -7346,6 +7461,64 @@
 </file>
 
 <file path=ppt/slides/slide6.xml><?xml version="1.0" encoding="utf-8"?>
+<p:sld xmlns:a="http://schemas.openxmlformats.org/drawingml/2006/main" xmlns:r="http://schemas.openxmlformats.org/officeDocument/2006/relationships" xmlns:p="http://schemas.openxmlformats.org/presentationml/2006/main">
+  <p:cSld>
+    <p:spTree>
+      <p:nvGrpSpPr>
+        <p:cNvPr id="1" name=""/>
+        <p:cNvGrpSpPr/>
+        <p:nvPr/>
+      </p:nvGrpSpPr>
+      <p:grpSpPr>
+        <a:xfrm>
+          <a:off x="0" y="0"/>
+          <a:ext cx="0" cy="0"/>
+          <a:chOff x="0" y="0"/>
+          <a:chExt cx="0" cy="0"/>
+        </a:xfrm>
+      </p:grpSpPr>
+      <p:sp>
+        <p:nvSpPr>
+          <p:cNvPr id="4" name="タイトル 3">
+            <a:extLst>
+              <a:ext uri="{FF2B5EF4-FFF2-40B4-BE49-F238E27FC236}">
+                <a16:creationId xmlns:a16="http://schemas.microsoft.com/office/drawing/2014/main" id="{2B4A595B-F80A-9A4D-89FB-BE466475F360}"/>
+              </a:ext>
+            </a:extLst>
+          </p:cNvPr>
+          <p:cNvSpPr>
+            <a:spLocks noGrp="1"/>
+          </p:cNvSpPr>
+          <p:nvPr>
+            <p:ph type="ctrTitle"/>
+          </p:nvPr>
+        </p:nvSpPr>
+        <p:spPr/>
+        <p:txBody>
+          <a:bodyPr/>
+          <a:lstStyle/>
+          <a:p>
+            <a:r>
+              <a:rPr kumimoji="1" lang="ja-JP" altLang="en-US"/>
+              <a:t>実機デモ</a:t>
+            </a:r>
+          </a:p>
+        </p:txBody>
+      </p:sp>
+    </p:spTree>
+    <p:extLst>
+      <p:ext uri="{BB962C8B-B14F-4D97-AF65-F5344CB8AC3E}">
+        <p14:creationId xmlns:p14="http://schemas.microsoft.com/office/powerpoint/2010/main" val="4125491544"/>
+      </p:ext>
+    </p:extLst>
+  </p:cSld>
+  <p:clrMapOvr>
+    <a:masterClrMapping/>
+  </p:clrMapOvr>
+</p:sld>
+</file>
+
+<file path=ppt/slides/slide7.xml><?xml version="1.0" encoding="utf-8"?>
 <p:sld xmlns:a="http://schemas.openxmlformats.org/drawingml/2006/main" xmlns:r="http://schemas.openxmlformats.org/officeDocument/2006/relationships" xmlns:p="http://schemas.openxmlformats.org/presentationml/2006/main">
   <p:cSld>
     <p:spTree>

--- a/presentation/IoT_project_final_presentation.pptx
+++ b/presentation/IoT_project_final_presentation.pptx
@@ -4,14 +4,20 @@
   <p:sldMasterIdLst>
     <p:sldMasterId id="2147483648" r:id="rId1"/>
   </p:sldMasterIdLst>
+  <p:notesMasterIdLst>
+    <p:notesMasterId r:id="rId12"/>
+  </p:notesMasterIdLst>
   <p:sldIdLst>
     <p:sldId id="256" r:id="rId2"/>
     <p:sldId id="257" r:id="rId3"/>
     <p:sldId id="259" r:id="rId4"/>
     <p:sldId id="260" r:id="rId5"/>
     <p:sldId id="261" r:id="rId6"/>
-    <p:sldId id="263" r:id="rId7"/>
-    <p:sldId id="262" r:id="rId8"/>
+    <p:sldId id="264" r:id="rId7"/>
+    <p:sldId id="265" r:id="rId8"/>
+    <p:sldId id="263" r:id="rId9"/>
+    <p:sldId id="262" r:id="rId10"/>
+    <p:sldId id="266" r:id="rId11"/>
   </p:sldIdLst>
   <p:sldSz cx="9144000" cy="6858000" type="screen4x3"/>
   <p:notesSz cx="6858000" cy="9144000"/>
@@ -118,6 +124,644 @@
 </p:presentation>
 </file>
 
+<file path=ppt/revisionInfo.xml><?xml version="1.0" encoding="utf-8"?>
+<p1510:revInfo xmlns:a="http://schemas.openxmlformats.org/drawingml/2006/main" xmlns:r="http://schemas.openxmlformats.org/officeDocument/2006/relationships" xmlns:p1510="http://schemas.microsoft.com/office/powerpoint/2015/10/main"/>
+</file>
+
+<file path=ppt/notesMasters/notesMaster1.xml><?xml version="1.0" encoding="utf-8"?>
+<p:notesMaster xmlns:a="http://schemas.openxmlformats.org/drawingml/2006/main" xmlns:r="http://schemas.openxmlformats.org/officeDocument/2006/relationships" xmlns:p="http://schemas.openxmlformats.org/presentationml/2006/main">
+  <p:cSld>
+    <p:bg>
+      <p:bgRef idx="1001">
+        <a:schemeClr val="bg1"/>
+      </p:bgRef>
+    </p:bg>
+    <p:spTree>
+      <p:nvGrpSpPr>
+        <p:cNvPr id="1" name=""/>
+        <p:cNvGrpSpPr/>
+        <p:nvPr/>
+      </p:nvGrpSpPr>
+      <p:grpSpPr>
+        <a:xfrm>
+          <a:off x="0" y="0"/>
+          <a:ext cx="0" cy="0"/>
+          <a:chOff x="0" y="0"/>
+          <a:chExt cx="0" cy="0"/>
+        </a:xfrm>
+      </p:grpSpPr>
+      <p:sp>
+        <p:nvSpPr>
+          <p:cNvPr id="2" name="ヘッダー プレースホルダー 1"/>
+          <p:cNvSpPr>
+            <a:spLocks noGrp="1"/>
+          </p:cNvSpPr>
+          <p:nvPr>
+            <p:ph type="hdr" sz="quarter"/>
+          </p:nvPr>
+        </p:nvSpPr>
+        <p:spPr>
+          <a:xfrm>
+            <a:off x="0" y="0"/>
+            <a:ext cx="2971800" cy="458788"/>
+          </a:xfrm>
+          <a:prstGeom prst="rect">
+            <a:avLst/>
+          </a:prstGeom>
+        </p:spPr>
+        <p:txBody>
+          <a:bodyPr vert="horz" lIns="91440" tIns="45720" rIns="91440" bIns="45720" rtlCol="0"/>
+          <a:lstStyle>
+            <a:lvl1pPr algn="l">
+              <a:defRPr sz="1200"/>
+            </a:lvl1pPr>
+          </a:lstStyle>
+          <a:p>
+            <a:endParaRPr lang="en-US"/>
+          </a:p>
+        </p:txBody>
+      </p:sp>
+      <p:sp>
+        <p:nvSpPr>
+          <p:cNvPr id="3" name="日付プレースホルダー 2"/>
+          <p:cNvSpPr>
+            <a:spLocks noGrp="1"/>
+          </p:cNvSpPr>
+          <p:nvPr>
+            <p:ph type="dt" idx="1"/>
+          </p:nvPr>
+        </p:nvSpPr>
+        <p:spPr>
+          <a:xfrm>
+            <a:off x="3884613" y="0"/>
+            <a:ext cx="2971800" cy="458788"/>
+          </a:xfrm>
+          <a:prstGeom prst="rect">
+            <a:avLst/>
+          </a:prstGeom>
+        </p:spPr>
+        <p:txBody>
+          <a:bodyPr vert="horz" lIns="91440" tIns="45720" rIns="91440" bIns="45720" rtlCol="0"/>
+          <a:lstStyle>
+            <a:lvl1pPr algn="r">
+              <a:defRPr sz="1200"/>
+            </a:lvl1pPr>
+          </a:lstStyle>
+          <a:p>
+            <a:fld id="{EBC9A871-EAD0-432E-BB9A-F7FCBB97E937}" type="datetimeFigureOut">
+              <a:rPr lang="en-US" smtClean="0"/>
+              <a:t>7/19/2018</a:t>
+            </a:fld>
+            <a:endParaRPr lang="en-US"/>
+          </a:p>
+        </p:txBody>
+      </p:sp>
+      <p:sp>
+        <p:nvSpPr>
+          <p:cNvPr id="4" name="スライド イメージ プレースホルダー 3"/>
+          <p:cNvSpPr>
+            <a:spLocks noGrp="1" noRot="1" noChangeAspect="1"/>
+          </p:cNvSpPr>
+          <p:nvPr>
+            <p:ph type="sldImg" idx="2"/>
+          </p:nvPr>
+        </p:nvSpPr>
+        <p:spPr>
+          <a:xfrm>
+            <a:off x="1371600" y="1143000"/>
+            <a:ext cx="4114800" cy="3086100"/>
+          </a:xfrm>
+          <a:prstGeom prst="rect">
+            <a:avLst/>
+          </a:prstGeom>
+          <a:noFill/>
+          <a:ln w="12700">
+            <a:solidFill>
+              <a:prstClr val="black"/>
+            </a:solidFill>
+          </a:ln>
+        </p:spPr>
+        <p:txBody>
+          <a:bodyPr vert="horz" lIns="91440" tIns="45720" rIns="91440" bIns="45720" rtlCol="0" anchor="ctr"/>
+          <a:lstStyle/>
+          <a:p>
+            <a:endParaRPr lang="en-US"/>
+          </a:p>
+        </p:txBody>
+      </p:sp>
+      <p:sp>
+        <p:nvSpPr>
+          <p:cNvPr id="5" name="ノート プレースホルダー 4"/>
+          <p:cNvSpPr>
+            <a:spLocks noGrp="1"/>
+          </p:cNvSpPr>
+          <p:nvPr>
+            <p:ph type="body" sz="quarter" idx="3"/>
+          </p:nvPr>
+        </p:nvSpPr>
+        <p:spPr>
+          <a:xfrm>
+            <a:off x="685800" y="4400550"/>
+            <a:ext cx="5486400" cy="3600450"/>
+          </a:xfrm>
+          <a:prstGeom prst="rect">
+            <a:avLst/>
+          </a:prstGeom>
+        </p:spPr>
+        <p:txBody>
+          <a:bodyPr vert="horz" lIns="91440" tIns="45720" rIns="91440" bIns="45720" rtlCol="0"/>
+          <a:lstStyle/>
+          <a:p>
+            <a:pPr lvl="0"/>
+            <a:r>
+              <a:rPr lang="ja-JP" altLang="en-US"/>
+              <a:t>マスター テキストの書式設定</a:t>
+            </a:r>
+          </a:p>
+          <a:p>
+            <a:pPr lvl="1"/>
+            <a:r>
+              <a:rPr lang="ja-JP" altLang="en-US"/>
+              <a:t>第 </a:t>
+            </a:r>
+            <a:r>
+              <a:rPr lang="en-US" altLang="ja-JP"/>
+              <a:t>2 </a:t>
+            </a:r>
+            <a:r>
+              <a:rPr lang="ja-JP" altLang="en-US"/>
+              <a:t>レベル</a:t>
+            </a:r>
+          </a:p>
+          <a:p>
+            <a:pPr lvl="2"/>
+            <a:r>
+              <a:rPr lang="ja-JP" altLang="en-US"/>
+              <a:t>第 </a:t>
+            </a:r>
+            <a:r>
+              <a:rPr lang="en-US" altLang="ja-JP"/>
+              <a:t>3 </a:t>
+            </a:r>
+            <a:r>
+              <a:rPr lang="ja-JP" altLang="en-US"/>
+              <a:t>レベル</a:t>
+            </a:r>
+          </a:p>
+          <a:p>
+            <a:pPr lvl="3"/>
+            <a:r>
+              <a:rPr lang="ja-JP" altLang="en-US"/>
+              <a:t>第 </a:t>
+            </a:r>
+            <a:r>
+              <a:rPr lang="en-US" altLang="ja-JP"/>
+              <a:t>4 </a:t>
+            </a:r>
+            <a:r>
+              <a:rPr lang="ja-JP" altLang="en-US"/>
+              <a:t>レベル</a:t>
+            </a:r>
+          </a:p>
+          <a:p>
+            <a:pPr lvl="4"/>
+            <a:r>
+              <a:rPr lang="ja-JP" altLang="en-US"/>
+              <a:t>第 </a:t>
+            </a:r>
+            <a:r>
+              <a:rPr lang="en-US" altLang="ja-JP"/>
+              <a:t>5 </a:t>
+            </a:r>
+            <a:r>
+              <a:rPr lang="ja-JP" altLang="en-US"/>
+              <a:t>レベル</a:t>
+            </a:r>
+            <a:endParaRPr lang="en-US"/>
+          </a:p>
+        </p:txBody>
+      </p:sp>
+      <p:sp>
+        <p:nvSpPr>
+          <p:cNvPr id="6" name="フッター プレースホルダー 5"/>
+          <p:cNvSpPr>
+            <a:spLocks noGrp="1"/>
+          </p:cNvSpPr>
+          <p:nvPr>
+            <p:ph type="ftr" sz="quarter" idx="4"/>
+          </p:nvPr>
+        </p:nvSpPr>
+        <p:spPr>
+          <a:xfrm>
+            <a:off x="0" y="8685213"/>
+            <a:ext cx="2971800" cy="458787"/>
+          </a:xfrm>
+          <a:prstGeom prst="rect">
+            <a:avLst/>
+          </a:prstGeom>
+        </p:spPr>
+        <p:txBody>
+          <a:bodyPr vert="horz" lIns="91440" tIns="45720" rIns="91440" bIns="45720" rtlCol="0" anchor="b"/>
+          <a:lstStyle>
+            <a:lvl1pPr algn="l">
+              <a:defRPr sz="1200"/>
+            </a:lvl1pPr>
+          </a:lstStyle>
+          <a:p>
+            <a:endParaRPr lang="en-US"/>
+          </a:p>
+        </p:txBody>
+      </p:sp>
+      <p:sp>
+        <p:nvSpPr>
+          <p:cNvPr id="7" name="スライド番号プレースホルダー 6"/>
+          <p:cNvSpPr>
+            <a:spLocks noGrp="1"/>
+          </p:cNvSpPr>
+          <p:nvPr>
+            <p:ph type="sldNum" sz="quarter" idx="5"/>
+          </p:nvPr>
+        </p:nvSpPr>
+        <p:spPr>
+          <a:xfrm>
+            <a:off x="3884613" y="8685213"/>
+            <a:ext cx="2971800" cy="458787"/>
+          </a:xfrm>
+          <a:prstGeom prst="rect">
+            <a:avLst/>
+          </a:prstGeom>
+        </p:spPr>
+        <p:txBody>
+          <a:bodyPr vert="horz" lIns="91440" tIns="45720" rIns="91440" bIns="45720" rtlCol="0" anchor="b"/>
+          <a:lstStyle>
+            <a:lvl1pPr algn="r">
+              <a:defRPr sz="1200"/>
+            </a:lvl1pPr>
+          </a:lstStyle>
+          <a:p>
+            <a:fld id="{2FC894A0-6342-41BE-B869-E647164FEE28}" type="slidenum">
+              <a:rPr lang="en-US" smtClean="0"/>
+              <a:t>‹#›</a:t>
+            </a:fld>
+            <a:endParaRPr lang="en-US"/>
+          </a:p>
+        </p:txBody>
+      </p:sp>
+    </p:spTree>
+    <p:extLst>
+      <p:ext uri="{BB962C8B-B14F-4D97-AF65-F5344CB8AC3E}">
+        <p14:creationId xmlns:p14="http://schemas.microsoft.com/office/powerpoint/2010/main" val="1200250001"/>
+      </p:ext>
+    </p:extLst>
+  </p:cSld>
+  <p:clrMap bg1="lt1" tx1="dk1" bg2="lt2" tx2="dk2" accent1="accent1" accent2="accent2" accent3="accent3" accent4="accent4" accent5="accent5" accent6="accent6" hlink="hlink" folHlink="folHlink"/>
+  <p:notesStyle>
+    <a:lvl1pPr marL="0" algn="l" defTabSz="914400" rtl="0" eaLnBrk="1" latinLnBrk="0" hangingPunct="1">
+      <a:defRPr sz="1200" kern="1200">
+        <a:solidFill>
+          <a:schemeClr val="tx1"/>
+        </a:solidFill>
+        <a:latin typeface="+mn-lt"/>
+        <a:ea typeface="+mn-ea"/>
+        <a:cs typeface="+mn-cs"/>
+      </a:defRPr>
+    </a:lvl1pPr>
+    <a:lvl2pPr marL="457200" algn="l" defTabSz="914400" rtl="0" eaLnBrk="1" latinLnBrk="0" hangingPunct="1">
+      <a:defRPr sz="1200" kern="1200">
+        <a:solidFill>
+          <a:schemeClr val="tx1"/>
+        </a:solidFill>
+        <a:latin typeface="+mn-lt"/>
+        <a:ea typeface="+mn-ea"/>
+        <a:cs typeface="+mn-cs"/>
+      </a:defRPr>
+    </a:lvl2pPr>
+    <a:lvl3pPr marL="914400" algn="l" defTabSz="914400" rtl="0" eaLnBrk="1" latinLnBrk="0" hangingPunct="1">
+      <a:defRPr sz="1200" kern="1200">
+        <a:solidFill>
+          <a:schemeClr val="tx1"/>
+        </a:solidFill>
+        <a:latin typeface="+mn-lt"/>
+        <a:ea typeface="+mn-ea"/>
+        <a:cs typeface="+mn-cs"/>
+      </a:defRPr>
+    </a:lvl3pPr>
+    <a:lvl4pPr marL="1371600" algn="l" defTabSz="914400" rtl="0" eaLnBrk="1" latinLnBrk="0" hangingPunct="1">
+      <a:defRPr sz="1200" kern="1200">
+        <a:solidFill>
+          <a:schemeClr val="tx1"/>
+        </a:solidFill>
+        <a:latin typeface="+mn-lt"/>
+        <a:ea typeface="+mn-ea"/>
+        <a:cs typeface="+mn-cs"/>
+      </a:defRPr>
+    </a:lvl4pPr>
+    <a:lvl5pPr marL="1828800" algn="l" defTabSz="914400" rtl="0" eaLnBrk="1" latinLnBrk="0" hangingPunct="1">
+      <a:defRPr sz="1200" kern="1200">
+        <a:solidFill>
+          <a:schemeClr val="tx1"/>
+        </a:solidFill>
+        <a:latin typeface="+mn-lt"/>
+        <a:ea typeface="+mn-ea"/>
+        <a:cs typeface="+mn-cs"/>
+      </a:defRPr>
+    </a:lvl5pPr>
+    <a:lvl6pPr marL="2286000" algn="l" defTabSz="914400" rtl="0" eaLnBrk="1" latinLnBrk="0" hangingPunct="1">
+      <a:defRPr sz="1200" kern="1200">
+        <a:solidFill>
+          <a:schemeClr val="tx1"/>
+        </a:solidFill>
+        <a:latin typeface="+mn-lt"/>
+        <a:ea typeface="+mn-ea"/>
+        <a:cs typeface="+mn-cs"/>
+      </a:defRPr>
+    </a:lvl6pPr>
+    <a:lvl7pPr marL="2743200" algn="l" defTabSz="914400" rtl="0" eaLnBrk="1" latinLnBrk="0" hangingPunct="1">
+      <a:defRPr sz="1200" kern="1200">
+        <a:solidFill>
+          <a:schemeClr val="tx1"/>
+        </a:solidFill>
+        <a:latin typeface="+mn-lt"/>
+        <a:ea typeface="+mn-ea"/>
+        <a:cs typeface="+mn-cs"/>
+      </a:defRPr>
+    </a:lvl7pPr>
+    <a:lvl8pPr marL="3200400" algn="l" defTabSz="914400" rtl="0" eaLnBrk="1" latinLnBrk="0" hangingPunct="1">
+      <a:defRPr sz="1200" kern="1200">
+        <a:solidFill>
+          <a:schemeClr val="tx1"/>
+        </a:solidFill>
+        <a:latin typeface="+mn-lt"/>
+        <a:ea typeface="+mn-ea"/>
+        <a:cs typeface="+mn-cs"/>
+      </a:defRPr>
+    </a:lvl8pPr>
+    <a:lvl9pPr marL="3657600" algn="l" defTabSz="914400" rtl="0" eaLnBrk="1" latinLnBrk="0" hangingPunct="1">
+      <a:defRPr sz="1200" kern="1200">
+        <a:solidFill>
+          <a:schemeClr val="tx1"/>
+        </a:solidFill>
+        <a:latin typeface="+mn-lt"/>
+        <a:ea typeface="+mn-ea"/>
+        <a:cs typeface="+mn-cs"/>
+      </a:defRPr>
+    </a:lvl9pPr>
+  </p:notesStyle>
+</p:notesMaster>
+</file>
+
+<file path=ppt/notesSlides/notesSlide1.xml><?xml version="1.0" encoding="utf-8"?>
+<p:notes xmlns:a="http://schemas.openxmlformats.org/drawingml/2006/main" xmlns:r="http://schemas.openxmlformats.org/officeDocument/2006/relationships" xmlns:p="http://schemas.openxmlformats.org/presentationml/2006/main">
+  <p:cSld>
+    <p:spTree>
+      <p:nvGrpSpPr>
+        <p:cNvPr id="1" name=""/>
+        <p:cNvGrpSpPr/>
+        <p:nvPr/>
+      </p:nvGrpSpPr>
+      <p:grpSpPr>
+        <a:xfrm>
+          <a:off x="0" y="0"/>
+          <a:ext cx="0" cy="0"/>
+          <a:chOff x="0" y="0"/>
+          <a:chExt cx="0" cy="0"/>
+        </a:xfrm>
+      </p:grpSpPr>
+      <p:sp>
+        <p:nvSpPr>
+          <p:cNvPr id="2" name="スライド イメージ プレースホルダー 1"/>
+          <p:cNvSpPr>
+            <a:spLocks noGrp="1" noRot="1" noChangeAspect="1"/>
+          </p:cNvSpPr>
+          <p:nvPr>
+            <p:ph type="sldImg"/>
+          </p:nvPr>
+        </p:nvSpPr>
+        <p:spPr/>
+      </p:sp>
+      <p:sp>
+        <p:nvSpPr>
+          <p:cNvPr id="3" name="ノート プレースホルダー 2"/>
+          <p:cNvSpPr>
+            <a:spLocks noGrp="1"/>
+          </p:cNvSpPr>
+          <p:nvPr>
+            <p:ph type="body" idx="1"/>
+          </p:nvPr>
+        </p:nvSpPr>
+        <p:spPr/>
+        <p:txBody>
+          <a:bodyPr/>
+          <a:lstStyle/>
+          <a:p>
+            <a:endParaRPr lang="en-US" dirty="0"/>
+          </a:p>
+        </p:txBody>
+      </p:sp>
+      <p:sp>
+        <p:nvSpPr>
+          <p:cNvPr id="4" name="スライド番号プレースホルダー 3"/>
+          <p:cNvSpPr>
+            <a:spLocks noGrp="1"/>
+          </p:cNvSpPr>
+          <p:nvPr>
+            <p:ph type="sldNum" sz="quarter" idx="10"/>
+          </p:nvPr>
+        </p:nvSpPr>
+        <p:spPr/>
+        <p:txBody>
+          <a:bodyPr/>
+          <a:lstStyle/>
+          <a:p>
+            <a:fld id="{2FC894A0-6342-41BE-B869-E647164FEE28}" type="slidenum">
+              <a:rPr lang="en-US" smtClean="0"/>
+              <a:t>5</a:t>
+            </a:fld>
+            <a:endParaRPr lang="en-US"/>
+          </a:p>
+        </p:txBody>
+      </p:sp>
+    </p:spTree>
+    <p:extLst>
+      <p:ext uri="{BB962C8B-B14F-4D97-AF65-F5344CB8AC3E}">
+        <p14:creationId xmlns:p14="http://schemas.microsoft.com/office/powerpoint/2010/main" val="2725963318"/>
+      </p:ext>
+    </p:extLst>
+  </p:cSld>
+  <p:clrMapOvr>
+    <a:masterClrMapping/>
+  </p:clrMapOvr>
+</p:notes>
+</file>
+
+<file path=ppt/notesSlides/notesSlide2.xml><?xml version="1.0" encoding="utf-8"?>
+<p:notes xmlns:a="http://schemas.openxmlformats.org/drawingml/2006/main" xmlns:r="http://schemas.openxmlformats.org/officeDocument/2006/relationships" xmlns:p="http://schemas.openxmlformats.org/presentationml/2006/main">
+  <p:cSld>
+    <p:spTree>
+      <p:nvGrpSpPr>
+        <p:cNvPr id="1" name=""/>
+        <p:cNvGrpSpPr/>
+        <p:nvPr/>
+      </p:nvGrpSpPr>
+      <p:grpSpPr>
+        <a:xfrm>
+          <a:off x="0" y="0"/>
+          <a:ext cx="0" cy="0"/>
+          <a:chOff x="0" y="0"/>
+          <a:chExt cx="0" cy="0"/>
+        </a:xfrm>
+      </p:grpSpPr>
+      <p:sp>
+        <p:nvSpPr>
+          <p:cNvPr id="2" name="スライド イメージ プレースホルダー 1"/>
+          <p:cNvSpPr>
+            <a:spLocks noGrp="1" noRot="1" noChangeAspect="1"/>
+          </p:cNvSpPr>
+          <p:nvPr>
+            <p:ph type="sldImg"/>
+          </p:nvPr>
+        </p:nvSpPr>
+        <p:spPr/>
+      </p:sp>
+      <p:sp>
+        <p:nvSpPr>
+          <p:cNvPr id="3" name="ノート プレースホルダー 2"/>
+          <p:cNvSpPr>
+            <a:spLocks noGrp="1"/>
+          </p:cNvSpPr>
+          <p:nvPr>
+            <p:ph type="body" idx="1"/>
+          </p:nvPr>
+        </p:nvSpPr>
+        <p:spPr/>
+        <p:txBody>
+          <a:bodyPr/>
+          <a:lstStyle/>
+          <a:p>
+            <a:endParaRPr lang="en-US" dirty="0"/>
+          </a:p>
+        </p:txBody>
+      </p:sp>
+      <p:sp>
+        <p:nvSpPr>
+          <p:cNvPr id="4" name="スライド番号プレースホルダー 3"/>
+          <p:cNvSpPr>
+            <a:spLocks noGrp="1"/>
+          </p:cNvSpPr>
+          <p:nvPr>
+            <p:ph type="sldNum" sz="quarter" idx="10"/>
+          </p:nvPr>
+        </p:nvSpPr>
+        <p:spPr/>
+        <p:txBody>
+          <a:bodyPr/>
+          <a:lstStyle/>
+          <a:p>
+            <a:fld id="{2FC894A0-6342-41BE-B869-E647164FEE28}" type="slidenum">
+              <a:rPr lang="en-US" smtClean="0"/>
+              <a:t>6</a:t>
+            </a:fld>
+            <a:endParaRPr lang="en-US"/>
+          </a:p>
+        </p:txBody>
+      </p:sp>
+    </p:spTree>
+    <p:extLst>
+      <p:ext uri="{BB962C8B-B14F-4D97-AF65-F5344CB8AC3E}">
+        <p14:creationId xmlns:p14="http://schemas.microsoft.com/office/powerpoint/2010/main" val="121246572"/>
+      </p:ext>
+    </p:extLst>
+  </p:cSld>
+  <p:clrMapOvr>
+    <a:masterClrMapping/>
+  </p:clrMapOvr>
+</p:notes>
+</file>
+
+<file path=ppt/notesSlides/notesSlide3.xml><?xml version="1.0" encoding="utf-8"?>
+<p:notes xmlns:a="http://schemas.openxmlformats.org/drawingml/2006/main" xmlns:r="http://schemas.openxmlformats.org/officeDocument/2006/relationships" xmlns:p="http://schemas.openxmlformats.org/presentationml/2006/main">
+  <p:cSld>
+    <p:spTree>
+      <p:nvGrpSpPr>
+        <p:cNvPr id="1" name=""/>
+        <p:cNvGrpSpPr/>
+        <p:nvPr/>
+      </p:nvGrpSpPr>
+      <p:grpSpPr>
+        <a:xfrm>
+          <a:off x="0" y="0"/>
+          <a:ext cx="0" cy="0"/>
+          <a:chOff x="0" y="0"/>
+          <a:chExt cx="0" cy="0"/>
+        </a:xfrm>
+      </p:grpSpPr>
+      <p:sp>
+        <p:nvSpPr>
+          <p:cNvPr id="2" name="スライド イメージ プレースホルダー 1"/>
+          <p:cNvSpPr>
+            <a:spLocks noGrp="1" noRot="1" noChangeAspect="1"/>
+          </p:cNvSpPr>
+          <p:nvPr>
+            <p:ph type="sldImg"/>
+          </p:nvPr>
+        </p:nvSpPr>
+        <p:spPr/>
+      </p:sp>
+      <p:sp>
+        <p:nvSpPr>
+          <p:cNvPr id="3" name="ノート プレースホルダー 2"/>
+          <p:cNvSpPr>
+            <a:spLocks noGrp="1"/>
+          </p:cNvSpPr>
+          <p:nvPr>
+            <p:ph type="body" idx="1"/>
+          </p:nvPr>
+        </p:nvSpPr>
+        <p:spPr/>
+        <p:txBody>
+          <a:bodyPr/>
+          <a:lstStyle/>
+          <a:p>
+            <a:endParaRPr lang="en-US" dirty="0"/>
+          </a:p>
+        </p:txBody>
+      </p:sp>
+      <p:sp>
+        <p:nvSpPr>
+          <p:cNvPr id="4" name="スライド番号プレースホルダー 3"/>
+          <p:cNvSpPr>
+            <a:spLocks noGrp="1"/>
+          </p:cNvSpPr>
+          <p:nvPr>
+            <p:ph type="sldNum" sz="quarter" idx="10"/>
+          </p:nvPr>
+        </p:nvSpPr>
+        <p:spPr/>
+        <p:txBody>
+          <a:bodyPr/>
+          <a:lstStyle/>
+          <a:p>
+            <a:fld id="{2FC894A0-6342-41BE-B869-E647164FEE28}" type="slidenum">
+              <a:rPr lang="en-US" smtClean="0"/>
+              <a:t>7</a:t>
+            </a:fld>
+            <a:endParaRPr lang="en-US"/>
+          </a:p>
+        </p:txBody>
+      </p:sp>
+    </p:spTree>
+    <p:extLst>
+      <p:ext uri="{BB962C8B-B14F-4D97-AF65-F5344CB8AC3E}">
+        <p14:creationId xmlns:p14="http://schemas.microsoft.com/office/powerpoint/2010/main" val="3121617413"/>
+      </p:ext>
+    </p:extLst>
+  </p:cSld>
+  <p:clrMapOvr>
+    <a:masterClrMapping/>
+  </p:clrMapOvr>
+</p:notes>
+</file>
+
 <file path=ppt/slideLayouts/slideLayout1.xml><?xml version="1.0" encoding="utf-8"?>
 <p:sldLayout xmlns:a="http://schemas.openxmlformats.org/drawingml/2006/main" xmlns:r="http://schemas.openxmlformats.org/officeDocument/2006/relationships" xmlns:p="http://schemas.openxmlformats.org/presentationml/2006/main" type="title" preserve="1">
   <p:cSld name="タイトル スライド">
@@ -277,7 +921,7 @@
           <a:p>
             <a:fld id="{2C9C26E4-BF83-43F1-84B1-52493FE7E50A}" type="datetimeFigureOut">
               <a:rPr lang="en-US" smtClean="0"/>
-              <a:t>7/12/18</a:t>
+              <a:t>7/19/2018</a:t>
             </a:fld>
             <a:endParaRPr lang="en-US"/>
           </a:p>
@@ -553,7 +1197,7 @@
           <a:p>
             <a:fld id="{2C9C26E4-BF83-43F1-84B1-52493FE7E50A}" type="datetimeFigureOut">
               <a:rPr lang="en-US" smtClean="0"/>
-              <a:t>7/12/18</a:t>
+              <a:t>7/19/2018</a:t>
             </a:fld>
             <a:endParaRPr lang="en-US"/>
           </a:p>
@@ -839,7 +1483,7 @@
           <a:p>
             <a:fld id="{2C9C26E4-BF83-43F1-84B1-52493FE7E50A}" type="datetimeFigureOut">
               <a:rPr lang="en-US" smtClean="0"/>
-              <a:t>7/12/18</a:t>
+              <a:t>7/19/2018</a:t>
             </a:fld>
             <a:endParaRPr lang="en-US"/>
           </a:p>
@@ -1115,7 +1759,7 @@
           <a:p>
             <a:fld id="{2C9C26E4-BF83-43F1-84B1-52493FE7E50A}" type="datetimeFigureOut">
               <a:rPr lang="en-US" smtClean="0"/>
-              <a:t>7/12/18</a:t>
+              <a:t>7/19/2018</a:t>
             </a:fld>
             <a:endParaRPr lang="en-US"/>
           </a:p>
@@ -1435,7 +2079,7 @@
           <a:p>
             <a:fld id="{2C9C26E4-BF83-43F1-84B1-52493FE7E50A}" type="datetimeFigureOut">
               <a:rPr lang="en-US" smtClean="0"/>
-              <a:t>7/12/18</a:t>
+              <a:t>7/19/2018</a:t>
             </a:fld>
             <a:endParaRPr lang="en-US"/>
           </a:p>
@@ -1811,7 +2455,7 @@
           <a:p>
             <a:fld id="{2C9C26E4-BF83-43F1-84B1-52493FE7E50A}" type="datetimeFigureOut">
               <a:rPr lang="en-US" smtClean="0"/>
-              <a:t>7/12/18</a:t>
+              <a:t>7/19/2018</a:t>
             </a:fld>
             <a:endParaRPr lang="en-US"/>
           </a:p>
@@ -2338,7 +2982,7 @@
           <a:p>
             <a:fld id="{2C9C26E4-BF83-43F1-84B1-52493FE7E50A}" type="datetimeFigureOut">
               <a:rPr lang="en-US" smtClean="0"/>
-              <a:t>7/12/18</a:t>
+              <a:t>7/19/2018</a:t>
             </a:fld>
             <a:endParaRPr lang="en-US"/>
           </a:p>
@@ -2524,7 +3168,7 @@
           <a:p>
             <a:fld id="{2C9C26E4-BF83-43F1-84B1-52493FE7E50A}" type="datetimeFigureOut">
               <a:rPr lang="en-US" smtClean="0"/>
-              <a:t>7/12/18</a:t>
+              <a:t>7/19/2018</a:t>
             </a:fld>
             <a:endParaRPr lang="en-US"/>
           </a:p>
@@ -2681,7 +3325,7 @@
           <a:p>
             <a:fld id="{2C9C26E4-BF83-43F1-84B1-52493FE7E50A}" type="datetimeFigureOut">
               <a:rPr lang="en-US" smtClean="0"/>
-              <a:t>7/12/18</a:t>
+              <a:t>7/19/2018</a:t>
             </a:fld>
             <a:endParaRPr lang="en-US"/>
           </a:p>
@@ -3026,7 +3670,7 @@
           <a:p>
             <a:fld id="{2C9C26E4-BF83-43F1-84B1-52493FE7E50A}" type="datetimeFigureOut">
               <a:rPr lang="en-US" smtClean="0"/>
-              <a:t>7/12/18</a:t>
+              <a:t>7/19/2018</a:t>
             </a:fld>
             <a:endParaRPr lang="en-US"/>
           </a:p>
@@ -3363,7 +4007,7 @@
           <a:p>
             <a:fld id="{2C9C26E4-BF83-43F1-84B1-52493FE7E50A}" type="datetimeFigureOut">
               <a:rPr lang="en-US" smtClean="0"/>
-              <a:t>7/12/18</a:t>
+              <a:t>7/19/2018</a:t>
             </a:fld>
             <a:endParaRPr lang="en-US"/>
           </a:p>
@@ -3748,7 +4392,7 @@
           <a:p>
             <a:fld id="{2C9C26E4-BF83-43F1-84B1-52493FE7E50A}" type="datetimeFigureOut">
               <a:rPr lang="en-US" smtClean="0"/>
-              <a:t>7/12/18</a:t>
+              <a:t>7/19/2018</a:t>
             </a:fld>
             <a:endParaRPr lang="en-US"/>
           </a:p>
@@ -4272,7 +4916,7 @@
               <a:rPr lang="en-US" altLang="ja-JP" dirty="0"/>
             </a:br>
             <a:r>
-              <a:rPr lang="ja-JP" altLang="en-US"/>
+              <a:rPr lang="ja-JP" altLang="en-US" dirty="0"/>
               <a:t>制作システム発表</a:t>
             </a:r>
             <a:endParaRPr lang="en-US" dirty="0"/>
@@ -4327,6 +4971,196 @@
     <p:extLst>
       <p:ext uri="{BB962C8B-B14F-4D97-AF65-F5344CB8AC3E}">
         <p14:creationId xmlns:p14="http://schemas.microsoft.com/office/powerpoint/2010/main" val="4267796901"/>
+      </p:ext>
+    </p:extLst>
+  </p:cSld>
+  <p:clrMapOvr>
+    <a:masterClrMapping/>
+  </p:clrMapOvr>
+</p:sld>
+</file>
+
+<file path=ppt/slides/slide10.xml><?xml version="1.0" encoding="utf-8"?>
+<p:sld xmlns:a="http://schemas.openxmlformats.org/drawingml/2006/main" xmlns:r="http://schemas.openxmlformats.org/officeDocument/2006/relationships" xmlns:p="http://schemas.openxmlformats.org/presentationml/2006/main">
+  <p:cSld>
+    <p:spTree>
+      <p:nvGrpSpPr>
+        <p:cNvPr id="1" name=""/>
+        <p:cNvGrpSpPr/>
+        <p:nvPr/>
+      </p:nvGrpSpPr>
+      <p:grpSpPr>
+        <a:xfrm>
+          <a:off x="0" y="0"/>
+          <a:ext cx="0" cy="0"/>
+          <a:chOff x="0" y="0"/>
+          <a:chExt cx="0" cy="0"/>
+        </a:xfrm>
+      </p:grpSpPr>
+      <p:sp>
+        <p:nvSpPr>
+          <p:cNvPr id="2" name="タイトル 1">
+            <a:extLst>
+              <a:ext uri="{FF2B5EF4-FFF2-40B4-BE49-F238E27FC236}">
+                <a16:creationId xmlns:a16="http://schemas.microsoft.com/office/drawing/2014/main" id="{859068C7-3ABA-449A-978F-975F8619CF39}"/>
+              </a:ext>
+            </a:extLst>
+          </p:cNvPr>
+          <p:cNvSpPr>
+            <a:spLocks noGrp="1"/>
+          </p:cNvSpPr>
+          <p:nvPr>
+            <p:ph type="title"/>
+          </p:nvPr>
+        </p:nvSpPr>
+        <p:spPr/>
+        <p:txBody>
+          <a:bodyPr/>
+          <a:lstStyle/>
+          <a:p>
+            <a:r>
+              <a:rPr lang="ja-JP" altLang="en-US" dirty="0"/>
+              <a:t>苦労した</a:t>
+            </a:r>
+            <a:r>
+              <a:rPr lang="en-US" altLang="ja-JP" dirty="0"/>
+              <a:t>/</a:t>
+            </a:r>
+            <a:r>
+              <a:rPr lang="ja-JP" altLang="en-US" dirty="0"/>
+              <a:t>できなかったところ</a:t>
+            </a:r>
+            <a:endParaRPr lang="en-US" dirty="0"/>
+          </a:p>
+        </p:txBody>
+      </p:sp>
+      <p:sp>
+        <p:nvSpPr>
+          <p:cNvPr id="3" name="コンテンツ プレースホルダー 2">
+            <a:extLst>
+              <a:ext uri="{FF2B5EF4-FFF2-40B4-BE49-F238E27FC236}">
+                <a16:creationId xmlns:a16="http://schemas.microsoft.com/office/drawing/2014/main" id="{F0E87AFD-7B6C-4625-9D5A-7D4DD785B091}"/>
+              </a:ext>
+            </a:extLst>
+          </p:cNvPr>
+          <p:cNvSpPr>
+            <a:spLocks noGrp="1"/>
+          </p:cNvSpPr>
+          <p:nvPr>
+            <p:ph idx="1"/>
+          </p:nvPr>
+        </p:nvSpPr>
+        <p:spPr/>
+        <p:txBody>
+          <a:bodyPr>
+            <a:normAutofit lnSpcReduction="10000"/>
+          </a:bodyPr>
+          <a:lstStyle/>
+          <a:p>
+            <a:r>
+              <a:rPr lang="ja-JP" altLang="en-US" dirty="0"/>
+              <a:t>ゲーム内クロックとシステムクロックがあるところ</a:t>
+            </a:r>
+            <a:endParaRPr lang="en-US" altLang="ja-JP" dirty="0"/>
+          </a:p>
+          <a:p>
+            <a:pPr lvl="1"/>
+            <a:r>
+              <a:rPr lang="ja-JP" altLang="en-US" dirty="0"/>
+              <a:t>入力はシステムクロックで</a:t>
+            </a:r>
+            <a:r>
+              <a:rPr lang="en-US" altLang="ja-JP" dirty="0"/>
+              <a:t>, </a:t>
+            </a:r>
+            <a:r>
+              <a:rPr lang="ja-JP" altLang="en-US" dirty="0"/>
+              <a:t>得点計算はゲーム内クロックと同期したい</a:t>
+            </a:r>
+            <a:endParaRPr lang="en-US" dirty="0"/>
+          </a:p>
+          <a:p>
+            <a:pPr marL="0" indent="0">
+              <a:buNone/>
+            </a:pPr>
+            <a:endParaRPr lang="en-US" dirty="0"/>
+          </a:p>
+          <a:p>
+            <a:r>
+              <a:rPr lang="ja-JP" altLang="en-US" dirty="0"/>
+              <a:t>コンパイルに失敗すると、以後予期せぬエラーで必ず失敗する</a:t>
+            </a:r>
+            <a:r>
+              <a:rPr lang="en-US" altLang="ja-JP" dirty="0" err="1"/>
+              <a:t>quartus</a:t>
+            </a:r>
+            <a:r>
+              <a:rPr lang="ja-JP" altLang="en-US" dirty="0"/>
+              <a:t>のバグ</a:t>
+            </a:r>
+            <a:r>
+              <a:rPr lang="en-US" altLang="ja-JP" dirty="0"/>
+              <a:t>?</a:t>
+            </a:r>
+            <a:r>
+              <a:rPr lang="ja-JP" altLang="en-US" dirty="0"/>
+              <a:t>があった。</a:t>
+            </a:r>
+            <a:endParaRPr lang="en-US" altLang="ja-JP" dirty="0"/>
+          </a:p>
+          <a:p>
+            <a:pPr lvl="1"/>
+            <a:r>
+              <a:rPr lang="ja-JP" altLang="en-US" dirty="0"/>
+              <a:t>当初は毎回プロジェクトを作り直していたので、大幅に遅れた。</a:t>
+            </a:r>
+            <a:endParaRPr lang="en-US" altLang="ja-JP" dirty="0"/>
+          </a:p>
+          <a:p>
+            <a:pPr lvl="1"/>
+            <a:r>
+              <a:rPr lang="en-US" dirty="0"/>
+              <a:t>Verilog</a:t>
+            </a:r>
+            <a:r>
+              <a:rPr lang="ja-JP" altLang="en-US" dirty="0"/>
+              <a:t>ファイル以外を</a:t>
+            </a:r>
+            <a:r>
+              <a:rPr lang="en-US" altLang="ja-JP" dirty="0"/>
+              <a:t>git</a:t>
+            </a:r>
+            <a:r>
+              <a:rPr lang="ja-JP" altLang="en-US" dirty="0"/>
+              <a:t>で</a:t>
+            </a:r>
+            <a:r>
+              <a:rPr lang="en-US" altLang="ja-JP" dirty="0"/>
+              <a:t>revert</a:t>
+            </a:r>
+            <a:r>
+              <a:rPr lang="ja-JP" altLang="en-US" dirty="0"/>
+              <a:t>すると直ることが判明。</a:t>
+            </a:r>
+            <a:endParaRPr lang="en-US" altLang="ja-JP" dirty="0"/>
+          </a:p>
+          <a:p>
+            <a:pPr lvl="1"/>
+            <a:endParaRPr lang="en-US" dirty="0"/>
+          </a:p>
+          <a:p>
+            <a:r>
+              <a:rPr lang="ja-JP" altLang="en-US" dirty="0"/>
+              <a:t>当初は、タイミングを合わせて得点計算をする使用だったが、チューニングが間に合わず早押しに仕様変更</a:t>
+            </a:r>
+            <a:endParaRPr lang="en-US" dirty="0"/>
+          </a:p>
+        </p:txBody>
+      </p:sp>
+    </p:spTree>
+    <p:extLst>
+      <p:ext uri="{BB962C8B-B14F-4D97-AF65-F5344CB8AC3E}">
+        <p14:creationId xmlns:p14="http://schemas.microsoft.com/office/powerpoint/2010/main" val="3811542306"/>
       </p:ext>
     </p:extLst>
   </p:cSld>
@@ -4382,12 +5216,8 @@
           <a:lstStyle/>
           <a:p>
             <a:r>
-              <a:rPr lang="ja-JP" altLang="en-US"/>
-              <a:t>システム</a:t>
-            </a:r>
-            <a:r>
               <a:rPr lang="ja-JP" altLang="en-US" dirty="0"/>
-              <a:t>の概要</a:t>
+              <a:t>システムの概要</a:t>
             </a:r>
             <a:endParaRPr lang="en-US" dirty="0"/>
           </a:p>
@@ -4419,1341 +5249,61 @@
             </a:pPr>
             <a:r>
               <a:rPr lang="ja-JP" altLang="en-US" b="1" dirty="0"/>
-              <a:t>ＬＥＤを光らせ、それに対応したキーをタイミングよく入力するゲーム</a:t>
+              <a:t>ＬＥＤを光らせ、それに対応したキーを速く入力するゲーム</a:t>
+            </a:r>
+            <a:endParaRPr lang="en-US" altLang="ja-JP" dirty="0"/>
+          </a:p>
+          <a:p>
+            <a:r>
+              <a:rPr lang="ja-JP" altLang="en-US" b="1" dirty="0"/>
+              <a:t>スイッチで、難易度</a:t>
+            </a:r>
+            <a:r>
+              <a:rPr lang="en-US" altLang="ja-JP" b="1" dirty="0"/>
+              <a:t>(</a:t>
+            </a:r>
+            <a:r>
+              <a:rPr lang="ja-JP" altLang="en-US" b="1" dirty="0"/>
+              <a:t>速さ</a:t>
+            </a:r>
+            <a:r>
+              <a:rPr lang="en-US" altLang="ja-JP" b="1" dirty="0"/>
+              <a:t>)</a:t>
+            </a:r>
+            <a:r>
+              <a:rPr lang="ja-JP" altLang="en-US" b="1" dirty="0"/>
+              <a:t>を調節</a:t>
             </a:r>
             <a:endParaRPr lang="en-US" altLang="ja-JP" b="1" dirty="0"/>
           </a:p>
           <a:p>
-            <a:endParaRPr lang="en-US" altLang="ja-JP" dirty="0"/>
+            <a:r>
+              <a:rPr lang="ja-JP" altLang="en-US" b="1" dirty="0"/>
+              <a:t>入力パターンはランダム</a:t>
+            </a:r>
+            <a:endParaRPr lang="en-US" altLang="ja-JP" b="1" dirty="0"/>
+          </a:p>
+          <a:p>
+            <a:endParaRPr lang="en-US" b="1" dirty="0"/>
+          </a:p>
+          <a:p>
+            <a:endParaRPr lang="en-US" b="1" dirty="0"/>
+          </a:p>
+          <a:p>
+            <a:pPr marL="0" indent="0" algn="ctr">
+              <a:buNone/>
+            </a:pPr>
+            <a:r>
+              <a:rPr lang="ja-JP" altLang="en-US" b="1" dirty="0"/>
+              <a:t>ここに画像をはる</a:t>
+            </a:r>
+            <a:endParaRPr lang="en-US" b="1" dirty="0"/>
           </a:p>
           <a:p>
             <a:pPr marL="0" indent="0">
               <a:buNone/>
             </a:pPr>
             <a:endParaRPr lang="en-US" b="1" dirty="0"/>
-          </a:p>
-          <a:p>
-            <a:pPr marL="0" indent="0">
-              <a:buNone/>
-            </a:pPr>
-            <a:endParaRPr lang="en-US" b="1" dirty="0"/>
-          </a:p>
-        </p:txBody>
-      </p:sp>
-      <p:pic>
-        <p:nvPicPr>
-          <p:cNvPr id="5" name="図 4">
-            <a:extLst>
-              <a:ext uri="{FF2B5EF4-FFF2-40B4-BE49-F238E27FC236}">
-                <a16:creationId xmlns:a16="http://schemas.microsoft.com/office/drawing/2014/main" id="{D61A3AB7-880D-456D-A261-04E19D2298F2}"/>
-              </a:ext>
-            </a:extLst>
-          </p:cNvPr>
-          <p:cNvPicPr>
-            <a:picLocks noChangeAspect="1"/>
-          </p:cNvPicPr>
-          <p:nvPr/>
-        </p:nvPicPr>
-        <p:blipFill>
-          <a:blip r:embed="rId2">
-            <a:extLst>
-              <a:ext uri="{28A0092B-C50C-407E-A947-70E740481C1C}">
-                <a14:useLocalDpi xmlns:a14="http://schemas.microsoft.com/office/drawing/2010/main" val="0"/>
-              </a:ext>
-            </a:extLst>
-          </a:blip>
-          <a:stretch>
-            <a:fillRect/>
-          </a:stretch>
-        </p:blipFill>
-        <p:spPr>
-          <a:xfrm>
-            <a:off x="1511421" y="4505283"/>
-            <a:ext cx="2369953" cy="1882022"/>
-          </a:xfrm>
-          <a:prstGeom prst="rect">
-            <a:avLst/>
-          </a:prstGeom>
-        </p:spPr>
-      </p:pic>
-      <p:pic>
-        <p:nvPicPr>
-          <p:cNvPr id="7" name="図 6">
-            <a:extLst>
-              <a:ext uri="{FF2B5EF4-FFF2-40B4-BE49-F238E27FC236}">
-                <a16:creationId xmlns:a16="http://schemas.microsoft.com/office/drawing/2014/main" id="{FCF5B59C-CA55-44C5-AE4E-56464528EDA6}"/>
-              </a:ext>
-            </a:extLst>
-          </p:cNvPr>
-          <p:cNvPicPr>
-            <a:picLocks noChangeAspect="1"/>
-          </p:cNvPicPr>
-          <p:nvPr/>
-        </p:nvPicPr>
-        <p:blipFill>
-          <a:blip r:embed="rId3">
-            <a:extLst>
-              <a:ext uri="{28A0092B-C50C-407E-A947-70E740481C1C}">
-                <a14:useLocalDpi xmlns:a14="http://schemas.microsoft.com/office/drawing/2010/main" val="0"/>
-              </a:ext>
-            </a:extLst>
-          </a:blip>
-          <a:stretch>
-            <a:fillRect/>
-          </a:stretch>
-        </p:blipFill>
-        <p:spPr>
-          <a:xfrm rot="19887590">
-            <a:off x="4665726" y="4792702"/>
-            <a:ext cx="1613547" cy="1613547"/>
-          </a:xfrm>
-          <a:prstGeom prst="rect">
-            <a:avLst/>
-          </a:prstGeom>
-        </p:spPr>
-      </p:pic>
-      <p:sp>
-        <p:nvSpPr>
-          <p:cNvPr id="13" name="正方形/長方形 12">
-            <a:extLst>
-              <a:ext uri="{FF2B5EF4-FFF2-40B4-BE49-F238E27FC236}">
-                <a16:creationId xmlns:a16="http://schemas.microsoft.com/office/drawing/2014/main" id="{9AF0F56E-112E-4008-AA5D-971E208A9D10}"/>
-              </a:ext>
-            </a:extLst>
-          </p:cNvPr>
-          <p:cNvSpPr/>
-          <p:nvPr/>
-        </p:nvSpPr>
-        <p:spPr>
-          <a:xfrm>
-            <a:off x="4605494" y="3159185"/>
-            <a:ext cx="1734012" cy="2004261"/>
-          </a:xfrm>
-          <a:prstGeom prst="rect">
-            <a:avLst/>
-          </a:prstGeom>
-          <a:solidFill>
-            <a:schemeClr val="accent4">
-              <a:lumMod val="40000"/>
-              <a:lumOff val="60000"/>
-            </a:schemeClr>
-          </a:solidFill>
-          <a:ln w="57150">
-            <a:solidFill>
-              <a:schemeClr val="accent4">
-                <a:lumMod val="50000"/>
-              </a:schemeClr>
-            </a:solidFill>
-          </a:ln>
-          <a:scene3d>
-            <a:camera prst="perspectiveRelaxedModerately">
-              <a:rot lat="17400000" lon="0" rev="0"/>
-            </a:camera>
-            <a:lightRig rig="threePt" dir="t"/>
-          </a:scene3d>
-          <a:sp3d>
-            <a:bevelT prst="relaxedInset"/>
-          </a:sp3d>
-        </p:spPr>
-        <p:style>
-          <a:lnRef idx="2">
-            <a:schemeClr val="accent1">
-              <a:shade val="50000"/>
-            </a:schemeClr>
-          </a:lnRef>
-          <a:fillRef idx="1">
-            <a:schemeClr val="accent1"/>
-          </a:fillRef>
-          <a:effectRef idx="0">
-            <a:schemeClr val="accent1"/>
-          </a:effectRef>
-          <a:fontRef idx="minor">
-            <a:schemeClr val="lt1"/>
-          </a:fontRef>
-        </p:style>
-        <p:txBody>
-          <a:bodyPr rtlCol="0" anchor="ctr"/>
-          <a:lstStyle/>
-          <a:p>
-            <a:pPr algn="ctr"/>
-            <a:endParaRPr lang="en-US"/>
-          </a:p>
-        </p:txBody>
-      </p:sp>
-      <p:pic>
-        <p:nvPicPr>
-          <p:cNvPr id="9" name="図 8">
-            <a:extLst>
-              <a:ext uri="{FF2B5EF4-FFF2-40B4-BE49-F238E27FC236}">
-                <a16:creationId xmlns:a16="http://schemas.microsoft.com/office/drawing/2014/main" id="{5CAB9833-E628-4C58-91A3-0131DD7D7A94}"/>
-              </a:ext>
-            </a:extLst>
-          </p:cNvPr>
-          <p:cNvPicPr>
-            <a:picLocks noChangeAspect="1"/>
-          </p:cNvPicPr>
-          <p:nvPr/>
-        </p:nvPicPr>
-        <p:blipFill>
-          <a:blip r:embed="rId4">
-            <a:extLst>
-              <a:ext uri="{28A0092B-C50C-407E-A947-70E740481C1C}">
-                <a14:useLocalDpi xmlns:a14="http://schemas.microsoft.com/office/drawing/2010/main" val="0"/>
-              </a:ext>
-            </a:extLst>
-          </a:blip>
-          <a:stretch>
-            <a:fillRect/>
-          </a:stretch>
-        </p:blipFill>
-        <p:spPr>
-          <a:xfrm>
-            <a:off x="4768642" y="3944254"/>
-            <a:ext cx="353927" cy="501186"/>
-          </a:xfrm>
-          <a:prstGeom prst="rect">
-            <a:avLst/>
-          </a:prstGeom>
-        </p:spPr>
-      </p:pic>
-      <p:pic>
-        <p:nvPicPr>
-          <p:cNvPr id="10" name="図 9">
-            <a:extLst>
-              <a:ext uri="{FF2B5EF4-FFF2-40B4-BE49-F238E27FC236}">
-                <a16:creationId xmlns:a16="http://schemas.microsoft.com/office/drawing/2014/main" id="{72446172-7E56-4332-BAE1-8904C37B17FF}"/>
-              </a:ext>
-            </a:extLst>
-          </p:cNvPr>
-          <p:cNvPicPr>
-            <a:picLocks noChangeAspect="1"/>
-          </p:cNvPicPr>
-          <p:nvPr/>
-        </p:nvPicPr>
-        <p:blipFill>
-          <a:blip r:embed="rId4">
-            <a:extLst>
-              <a:ext uri="{28A0092B-C50C-407E-A947-70E740481C1C}">
-                <a14:useLocalDpi xmlns:a14="http://schemas.microsoft.com/office/drawing/2010/main" val="0"/>
-              </a:ext>
-            </a:extLst>
-          </a:blip>
-          <a:stretch>
-            <a:fillRect/>
-          </a:stretch>
-        </p:blipFill>
-        <p:spPr>
-          <a:xfrm>
-            <a:off x="5120571" y="3944254"/>
-            <a:ext cx="353927" cy="501186"/>
-          </a:xfrm>
-          <a:prstGeom prst="rect">
-            <a:avLst/>
-          </a:prstGeom>
-        </p:spPr>
-      </p:pic>
-      <p:pic>
-        <p:nvPicPr>
-          <p:cNvPr id="11" name="図 10">
-            <a:extLst>
-              <a:ext uri="{FF2B5EF4-FFF2-40B4-BE49-F238E27FC236}">
-                <a16:creationId xmlns:a16="http://schemas.microsoft.com/office/drawing/2014/main" id="{BD989942-8687-48A1-9FEA-0043219C38E0}"/>
-              </a:ext>
-            </a:extLst>
-          </p:cNvPr>
-          <p:cNvPicPr>
-            <a:picLocks noChangeAspect="1"/>
-          </p:cNvPicPr>
-          <p:nvPr/>
-        </p:nvPicPr>
-        <p:blipFill>
-          <a:blip r:embed="rId4">
-            <a:extLst>
-              <a:ext uri="{28A0092B-C50C-407E-A947-70E740481C1C}">
-                <a14:useLocalDpi xmlns:a14="http://schemas.microsoft.com/office/drawing/2010/main" val="0"/>
-              </a:ext>
-            </a:extLst>
-          </a:blip>
-          <a:stretch>
-            <a:fillRect/>
-          </a:stretch>
-        </p:blipFill>
-        <p:spPr>
-          <a:xfrm>
-            <a:off x="5472500" y="3944254"/>
-            <a:ext cx="353927" cy="501186"/>
-          </a:xfrm>
-          <a:prstGeom prst="rect">
-            <a:avLst/>
-          </a:prstGeom>
-        </p:spPr>
-      </p:pic>
-      <p:pic>
-        <p:nvPicPr>
-          <p:cNvPr id="12" name="図 11">
-            <a:extLst>
-              <a:ext uri="{FF2B5EF4-FFF2-40B4-BE49-F238E27FC236}">
-                <a16:creationId xmlns:a16="http://schemas.microsoft.com/office/drawing/2014/main" id="{21484698-FD86-4579-B801-5C81C71B83A0}"/>
-              </a:ext>
-            </a:extLst>
-          </p:cNvPr>
-          <p:cNvPicPr>
-            <a:picLocks noChangeAspect="1"/>
-          </p:cNvPicPr>
-          <p:nvPr/>
-        </p:nvPicPr>
-        <p:blipFill>
-          <a:blip r:embed="rId4">
-            <a:extLst>
-              <a:ext uri="{28A0092B-C50C-407E-A947-70E740481C1C}">
-                <a14:useLocalDpi xmlns:a14="http://schemas.microsoft.com/office/drawing/2010/main" val="0"/>
-              </a:ext>
-            </a:extLst>
-          </a:blip>
-          <a:stretch>
-            <a:fillRect/>
-          </a:stretch>
-        </p:blipFill>
-        <p:spPr>
-          <a:xfrm>
-            <a:off x="5824429" y="3944254"/>
-            <a:ext cx="353927" cy="501186"/>
-          </a:xfrm>
-          <a:prstGeom prst="rect">
-            <a:avLst/>
-          </a:prstGeom>
-        </p:spPr>
-      </p:pic>
-      <p:sp>
-        <p:nvSpPr>
-          <p:cNvPr id="16" name="フリーフォーム: 図形 15">
-            <a:extLst>
-              <a:ext uri="{FF2B5EF4-FFF2-40B4-BE49-F238E27FC236}">
-                <a16:creationId xmlns:a16="http://schemas.microsoft.com/office/drawing/2014/main" id="{662A25FF-93F1-4587-8EF3-97ED1CC3F7E0}"/>
-              </a:ext>
-            </a:extLst>
-          </p:cNvPr>
-          <p:cNvSpPr/>
-          <p:nvPr/>
-        </p:nvSpPr>
-        <p:spPr>
-          <a:xfrm rot="158637">
-            <a:off x="3502855" y="5570806"/>
-            <a:ext cx="1392702" cy="309489"/>
-          </a:xfrm>
-          <a:custGeom>
-            <a:avLst/>
-            <a:gdLst>
-              <a:gd name="connsiteX0" fmla="*/ 0 w 1392702"/>
-              <a:gd name="connsiteY0" fmla="*/ 281354 h 309489"/>
-              <a:gd name="connsiteX1" fmla="*/ 211016 w 1392702"/>
-              <a:gd name="connsiteY1" fmla="*/ 309489 h 309489"/>
-              <a:gd name="connsiteX2" fmla="*/ 675250 w 1392702"/>
-              <a:gd name="connsiteY2" fmla="*/ 295422 h 309489"/>
-              <a:gd name="connsiteX3" fmla="*/ 801859 w 1392702"/>
-              <a:gd name="connsiteY3" fmla="*/ 239151 h 309489"/>
-              <a:gd name="connsiteX4" fmla="*/ 858130 w 1392702"/>
-              <a:gd name="connsiteY4" fmla="*/ 225083 h 309489"/>
-              <a:gd name="connsiteX5" fmla="*/ 914400 w 1392702"/>
-              <a:gd name="connsiteY5" fmla="*/ 196948 h 309489"/>
-              <a:gd name="connsiteX6" fmla="*/ 1069145 w 1392702"/>
-              <a:gd name="connsiteY6" fmla="*/ 168812 h 309489"/>
-              <a:gd name="connsiteX7" fmla="*/ 1181687 w 1392702"/>
-              <a:gd name="connsiteY7" fmla="*/ 112542 h 309489"/>
-              <a:gd name="connsiteX8" fmla="*/ 1223890 w 1392702"/>
-              <a:gd name="connsiteY8" fmla="*/ 98474 h 309489"/>
-              <a:gd name="connsiteX9" fmla="*/ 1308296 w 1392702"/>
-              <a:gd name="connsiteY9" fmla="*/ 56271 h 309489"/>
-              <a:gd name="connsiteX10" fmla="*/ 1350499 w 1392702"/>
-              <a:gd name="connsiteY10" fmla="*/ 14068 h 309489"/>
-              <a:gd name="connsiteX11" fmla="*/ 1392702 w 1392702"/>
-              <a:gd name="connsiteY11" fmla="*/ 0 h 309489"/>
-            </a:gdLst>
-            <a:ahLst/>
-            <a:cxnLst>
-              <a:cxn ang="0">
-                <a:pos x="connsiteX0" y="connsiteY0"/>
-              </a:cxn>
-              <a:cxn ang="0">
-                <a:pos x="connsiteX1" y="connsiteY1"/>
-              </a:cxn>
-              <a:cxn ang="0">
-                <a:pos x="connsiteX2" y="connsiteY2"/>
-              </a:cxn>
-              <a:cxn ang="0">
-                <a:pos x="connsiteX3" y="connsiteY3"/>
-              </a:cxn>
-              <a:cxn ang="0">
-                <a:pos x="connsiteX4" y="connsiteY4"/>
-              </a:cxn>
-              <a:cxn ang="0">
-                <a:pos x="connsiteX5" y="connsiteY5"/>
-              </a:cxn>
-              <a:cxn ang="0">
-                <a:pos x="connsiteX6" y="connsiteY6"/>
-              </a:cxn>
-              <a:cxn ang="0">
-                <a:pos x="connsiteX7" y="connsiteY7"/>
-              </a:cxn>
-              <a:cxn ang="0">
-                <a:pos x="connsiteX8" y="connsiteY8"/>
-              </a:cxn>
-              <a:cxn ang="0">
-                <a:pos x="connsiteX9" y="connsiteY9"/>
-              </a:cxn>
-              <a:cxn ang="0">
-                <a:pos x="connsiteX10" y="connsiteY10"/>
-              </a:cxn>
-              <a:cxn ang="0">
-                <a:pos x="connsiteX11" y="connsiteY11"/>
-              </a:cxn>
-            </a:cxnLst>
-            <a:rect l="l" t="t" r="r" b="b"/>
-            <a:pathLst>
-              <a:path w="1392702" h="309489">
-                <a:moveTo>
-                  <a:pt x="0" y="281354"/>
-                </a:moveTo>
-                <a:cubicBezTo>
-                  <a:pt x="74829" y="296320"/>
-                  <a:pt x="128776" y="309489"/>
-                  <a:pt x="211016" y="309489"/>
-                </a:cubicBezTo>
-                <a:cubicBezTo>
-                  <a:pt x="365832" y="309489"/>
-                  <a:pt x="520505" y="300111"/>
-                  <a:pt x="675250" y="295422"/>
-                </a:cubicBezTo>
-                <a:cubicBezTo>
-                  <a:pt x="832656" y="263940"/>
-                  <a:pt x="663627" y="308267"/>
-                  <a:pt x="801859" y="239151"/>
-                </a:cubicBezTo>
-                <a:cubicBezTo>
-                  <a:pt x="819152" y="230504"/>
-                  <a:pt x="840027" y="231872"/>
-                  <a:pt x="858130" y="225083"/>
-                </a:cubicBezTo>
-                <a:cubicBezTo>
-                  <a:pt x="877765" y="217720"/>
-                  <a:pt x="894506" y="203579"/>
-                  <a:pt x="914400" y="196948"/>
-                </a:cubicBezTo>
-                <a:cubicBezTo>
-                  <a:pt x="934062" y="190394"/>
-                  <a:pt x="1054973" y="171174"/>
-                  <a:pt x="1069145" y="168812"/>
-                </a:cubicBezTo>
-                <a:cubicBezTo>
-                  <a:pt x="1106659" y="150055"/>
-                  <a:pt x="1141898" y="125805"/>
-                  <a:pt x="1181687" y="112542"/>
-                </a:cubicBezTo>
-                <a:cubicBezTo>
-                  <a:pt x="1195755" y="107853"/>
-                  <a:pt x="1210627" y="105106"/>
-                  <a:pt x="1223890" y="98474"/>
-                </a:cubicBezTo>
-                <a:cubicBezTo>
-                  <a:pt x="1332972" y="43933"/>
-                  <a:pt x="1202217" y="91631"/>
-                  <a:pt x="1308296" y="56271"/>
-                </a:cubicBezTo>
-                <a:cubicBezTo>
-                  <a:pt x="1322364" y="42203"/>
-                  <a:pt x="1333946" y="25104"/>
-                  <a:pt x="1350499" y="14068"/>
-                </a:cubicBezTo>
-                <a:cubicBezTo>
-                  <a:pt x="1362837" y="5843"/>
-                  <a:pt x="1392702" y="0"/>
-                  <a:pt x="1392702" y="0"/>
-                </a:cubicBezTo>
-              </a:path>
-            </a:pathLst>
-          </a:custGeom>
-          <a:noFill/>
-          <a:ln w="38100">
-            <a:solidFill>
-              <a:schemeClr val="tx1"/>
-            </a:solidFill>
-          </a:ln>
-        </p:spPr>
-        <p:style>
-          <a:lnRef idx="2">
-            <a:schemeClr val="accent1">
-              <a:shade val="50000"/>
-            </a:schemeClr>
-          </a:lnRef>
-          <a:fillRef idx="1">
-            <a:schemeClr val="accent1"/>
-          </a:fillRef>
-          <a:effectRef idx="0">
-            <a:schemeClr val="accent1"/>
-          </a:effectRef>
-          <a:fontRef idx="minor">
-            <a:schemeClr val="lt1"/>
-          </a:fontRef>
-        </p:style>
-        <p:txBody>
-          <a:bodyPr rtlCol="0" anchor="ctr"/>
-          <a:lstStyle/>
-          <a:p>
-            <a:pPr algn="ctr"/>
-            <a:endParaRPr lang="en-US"/>
-          </a:p>
-        </p:txBody>
-      </p:sp>
-      <p:sp>
-        <p:nvSpPr>
-          <p:cNvPr id="19" name="フリーフォーム: 図形 18">
-            <a:extLst>
-              <a:ext uri="{FF2B5EF4-FFF2-40B4-BE49-F238E27FC236}">
-                <a16:creationId xmlns:a16="http://schemas.microsoft.com/office/drawing/2014/main" id="{6AB8D0E7-44BB-40EF-BEE9-60723269A5B8}"/>
-              </a:ext>
-            </a:extLst>
-          </p:cNvPr>
-          <p:cNvSpPr/>
-          <p:nvPr/>
-        </p:nvSpPr>
-        <p:spPr>
-          <a:xfrm>
-            <a:off x="4895557" y="4518216"/>
-            <a:ext cx="562708" cy="630559"/>
-          </a:xfrm>
-          <a:custGeom>
-            <a:avLst/>
-            <a:gdLst>
-              <a:gd name="connsiteX0" fmla="*/ 562708 w 562708"/>
-              <a:gd name="connsiteY0" fmla="*/ 630559 h 630559"/>
-              <a:gd name="connsiteX1" fmla="*/ 548640 w 562708"/>
-              <a:gd name="connsiteY1" fmla="*/ 532086 h 630559"/>
-              <a:gd name="connsiteX2" fmla="*/ 436098 w 562708"/>
-              <a:gd name="connsiteY2" fmla="*/ 447679 h 630559"/>
-              <a:gd name="connsiteX3" fmla="*/ 351692 w 562708"/>
-              <a:gd name="connsiteY3" fmla="*/ 363273 h 630559"/>
-              <a:gd name="connsiteX4" fmla="*/ 295421 w 562708"/>
-              <a:gd name="connsiteY4" fmla="*/ 292935 h 630559"/>
-              <a:gd name="connsiteX5" fmla="*/ 267286 w 562708"/>
-              <a:gd name="connsiteY5" fmla="*/ 194461 h 630559"/>
-              <a:gd name="connsiteX6" fmla="*/ 239151 w 562708"/>
-              <a:gd name="connsiteY6" fmla="*/ 152258 h 630559"/>
-              <a:gd name="connsiteX7" fmla="*/ 211015 w 562708"/>
-              <a:gd name="connsiteY7" fmla="*/ 95987 h 630559"/>
-              <a:gd name="connsiteX8" fmla="*/ 196948 w 562708"/>
-              <a:gd name="connsiteY8" fmla="*/ 39716 h 630559"/>
-              <a:gd name="connsiteX9" fmla="*/ 0 w 562708"/>
-              <a:gd name="connsiteY9" fmla="*/ 11581 h 630559"/>
-            </a:gdLst>
-            <a:ahLst/>
-            <a:cxnLst>
-              <a:cxn ang="0">
-                <a:pos x="connsiteX0" y="connsiteY0"/>
-              </a:cxn>
-              <a:cxn ang="0">
-                <a:pos x="connsiteX1" y="connsiteY1"/>
-              </a:cxn>
-              <a:cxn ang="0">
-                <a:pos x="connsiteX2" y="connsiteY2"/>
-              </a:cxn>
-              <a:cxn ang="0">
-                <a:pos x="connsiteX3" y="connsiteY3"/>
-              </a:cxn>
-              <a:cxn ang="0">
-                <a:pos x="connsiteX4" y="connsiteY4"/>
-              </a:cxn>
-              <a:cxn ang="0">
-                <a:pos x="connsiteX5" y="connsiteY5"/>
-              </a:cxn>
-              <a:cxn ang="0">
-                <a:pos x="connsiteX6" y="connsiteY6"/>
-              </a:cxn>
-              <a:cxn ang="0">
-                <a:pos x="connsiteX7" y="connsiteY7"/>
-              </a:cxn>
-              <a:cxn ang="0">
-                <a:pos x="connsiteX8" y="connsiteY8"/>
-              </a:cxn>
-              <a:cxn ang="0">
-                <a:pos x="connsiteX9" y="connsiteY9"/>
-              </a:cxn>
-            </a:cxnLst>
-            <a:rect l="l" t="t" r="r" b="b"/>
-            <a:pathLst>
-              <a:path w="562708" h="630559">
-                <a:moveTo>
-                  <a:pt x="562708" y="630559"/>
-                </a:moveTo>
-                <a:cubicBezTo>
-                  <a:pt x="558019" y="597735"/>
-                  <a:pt x="560954" y="562872"/>
-                  <a:pt x="548640" y="532086"/>
-                </a:cubicBezTo>
-                <a:cubicBezTo>
-                  <a:pt x="533736" y="494827"/>
-                  <a:pt x="459406" y="466749"/>
-                  <a:pt x="436098" y="447679"/>
-                </a:cubicBezTo>
-                <a:cubicBezTo>
-                  <a:pt x="405303" y="422483"/>
-                  <a:pt x="373763" y="396380"/>
-                  <a:pt x="351692" y="363273"/>
-                </a:cubicBezTo>
-                <a:cubicBezTo>
-                  <a:pt x="316200" y="310034"/>
-                  <a:pt x="335512" y="333025"/>
-                  <a:pt x="295421" y="292935"/>
-                </a:cubicBezTo>
-                <a:cubicBezTo>
-                  <a:pt x="290913" y="274900"/>
-                  <a:pt x="277379" y="214647"/>
-                  <a:pt x="267286" y="194461"/>
-                </a:cubicBezTo>
-                <a:cubicBezTo>
-                  <a:pt x="259725" y="179339"/>
-                  <a:pt x="247539" y="166938"/>
-                  <a:pt x="239151" y="152258"/>
-                </a:cubicBezTo>
-                <a:cubicBezTo>
-                  <a:pt x="228746" y="134050"/>
-                  <a:pt x="220394" y="114744"/>
-                  <a:pt x="211015" y="95987"/>
-                </a:cubicBezTo>
-                <a:cubicBezTo>
-                  <a:pt x="206326" y="77230"/>
-                  <a:pt x="205595" y="57009"/>
-                  <a:pt x="196948" y="39716"/>
-                </a:cubicBezTo>
-                <a:cubicBezTo>
-                  <a:pt x="162986" y="-28208"/>
-                  <a:pt x="37978" y="11581"/>
-                  <a:pt x="0" y="11581"/>
-                </a:cubicBezTo>
-              </a:path>
-            </a:pathLst>
-          </a:custGeom>
-          <a:noFill/>
-          <a:ln w="28575"/>
-        </p:spPr>
-        <p:style>
-          <a:lnRef idx="2">
-            <a:schemeClr val="accent1">
-              <a:shade val="50000"/>
-            </a:schemeClr>
-          </a:lnRef>
-          <a:fillRef idx="1">
-            <a:schemeClr val="accent1"/>
-          </a:fillRef>
-          <a:effectRef idx="0">
-            <a:schemeClr val="accent1"/>
-          </a:effectRef>
-          <a:fontRef idx="minor">
-            <a:schemeClr val="lt1"/>
-          </a:fontRef>
-        </p:style>
-        <p:txBody>
-          <a:bodyPr rtlCol="0" anchor="ctr"/>
-          <a:lstStyle/>
-          <a:p>
-            <a:pPr algn="ctr"/>
-            <a:endParaRPr lang="en-US"/>
-          </a:p>
-        </p:txBody>
-      </p:sp>
-      <p:sp>
-        <p:nvSpPr>
-          <p:cNvPr id="20" name="フリーフォーム: 図形 19">
-            <a:extLst>
-              <a:ext uri="{FF2B5EF4-FFF2-40B4-BE49-F238E27FC236}">
-                <a16:creationId xmlns:a16="http://schemas.microsoft.com/office/drawing/2014/main" id="{320520DC-A5AF-4683-B439-298A53948D58}"/>
-              </a:ext>
-            </a:extLst>
-          </p:cNvPr>
-          <p:cNvSpPr/>
-          <p:nvPr/>
-        </p:nvSpPr>
-        <p:spPr>
-          <a:xfrm>
-            <a:off x="5345723" y="4445391"/>
-            <a:ext cx="323557" cy="661181"/>
-          </a:xfrm>
-          <a:custGeom>
-            <a:avLst/>
-            <a:gdLst>
-              <a:gd name="connsiteX0" fmla="*/ 323557 w 323557"/>
-              <a:gd name="connsiteY0" fmla="*/ 661181 h 661181"/>
-              <a:gd name="connsiteX1" fmla="*/ 112542 w 323557"/>
-              <a:gd name="connsiteY1" fmla="*/ 112541 h 661181"/>
-              <a:gd name="connsiteX2" fmla="*/ 0 w 323557"/>
-              <a:gd name="connsiteY2" fmla="*/ 14067 h 661181"/>
-              <a:gd name="connsiteX3" fmla="*/ 0 w 323557"/>
-              <a:gd name="connsiteY3" fmla="*/ 0 h 661181"/>
-            </a:gdLst>
-            <a:ahLst/>
-            <a:cxnLst>
-              <a:cxn ang="0">
-                <a:pos x="connsiteX0" y="connsiteY0"/>
-              </a:cxn>
-              <a:cxn ang="0">
-                <a:pos x="connsiteX1" y="connsiteY1"/>
-              </a:cxn>
-              <a:cxn ang="0">
-                <a:pos x="connsiteX2" y="connsiteY2"/>
-              </a:cxn>
-              <a:cxn ang="0">
-                <a:pos x="connsiteX3" y="connsiteY3"/>
-              </a:cxn>
-            </a:cxnLst>
-            <a:rect l="l" t="t" r="r" b="b"/>
-            <a:pathLst>
-              <a:path w="323557" h="661181">
-                <a:moveTo>
-                  <a:pt x="323557" y="661181"/>
-                </a:moveTo>
-                <a:cubicBezTo>
-                  <a:pt x="253219" y="478301"/>
-                  <a:pt x="193623" y="290918"/>
-                  <a:pt x="112542" y="112541"/>
-                </a:cubicBezTo>
-                <a:cubicBezTo>
-                  <a:pt x="74525" y="28903"/>
-                  <a:pt x="47215" y="61282"/>
-                  <a:pt x="0" y="14067"/>
-                </a:cubicBezTo>
-                <a:lnTo>
-                  <a:pt x="0" y="0"/>
-                </a:lnTo>
-              </a:path>
-            </a:pathLst>
-          </a:custGeom>
-          <a:noFill/>
-          <a:ln w="28575"/>
-        </p:spPr>
-        <p:style>
-          <a:lnRef idx="2">
-            <a:schemeClr val="accent1">
-              <a:shade val="50000"/>
-            </a:schemeClr>
-          </a:lnRef>
-          <a:fillRef idx="1">
-            <a:schemeClr val="accent1"/>
-          </a:fillRef>
-          <a:effectRef idx="0">
-            <a:schemeClr val="accent1"/>
-          </a:effectRef>
-          <a:fontRef idx="minor">
-            <a:schemeClr val="lt1"/>
-          </a:fontRef>
-        </p:style>
-        <p:txBody>
-          <a:bodyPr rtlCol="0" anchor="ctr"/>
-          <a:lstStyle/>
-          <a:p>
-            <a:pPr algn="ctr"/>
-            <a:endParaRPr lang="en-US"/>
-          </a:p>
-        </p:txBody>
-      </p:sp>
-      <p:sp>
-        <p:nvSpPr>
-          <p:cNvPr id="21" name="フリーフォーム: 図形 20">
-            <a:extLst>
-              <a:ext uri="{FF2B5EF4-FFF2-40B4-BE49-F238E27FC236}">
-                <a16:creationId xmlns:a16="http://schemas.microsoft.com/office/drawing/2014/main" id="{2E4ED0FB-4929-4AD1-870B-E5305ABCC7A3}"/>
-              </a:ext>
-            </a:extLst>
-          </p:cNvPr>
-          <p:cNvSpPr/>
-          <p:nvPr/>
-        </p:nvSpPr>
-        <p:spPr>
-          <a:xfrm>
-            <a:off x="5669280" y="4431323"/>
-            <a:ext cx="140677" cy="675249"/>
-          </a:xfrm>
-          <a:custGeom>
-            <a:avLst/>
-            <a:gdLst>
-              <a:gd name="connsiteX0" fmla="*/ 140677 w 140677"/>
-              <a:gd name="connsiteY0" fmla="*/ 675249 h 675249"/>
-              <a:gd name="connsiteX1" fmla="*/ 0 w 140677"/>
-              <a:gd name="connsiteY1" fmla="*/ 0 h 675249"/>
-            </a:gdLst>
-            <a:ahLst/>
-            <a:cxnLst>
-              <a:cxn ang="0">
-                <a:pos x="connsiteX0" y="connsiteY0"/>
-              </a:cxn>
-              <a:cxn ang="0">
-                <a:pos x="connsiteX1" y="connsiteY1"/>
-              </a:cxn>
-            </a:cxnLst>
-            <a:rect l="l" t="t" r="r" b="b"/>
-            <a:pathLst>
-              <a:path w="140677" h="675249">
-                <a:moveTo>
-                  <a:pt x="140677" y="675249"/>
-                </a:moveTo>
-                <a:cubicBezTo>
-                  <a:pt x="26376" y="3731"/>
-                  <a:pt x="228095" y="114052"/>
-                  <a:pt x="0" y="0"/>
-                </a:cubicBezTo>
-              </a:path>
-            </a:pathLst>
-          </a:custGeom>
-          <a:noFill/>
-          <a:ln w="28575"/>
-        </p:spPr>
-        <p:style>
-          <a:lnRef idx="2">
-            <a:schemeClr val="accent1">
-              <a:shade val="50000"/>
-            </a:schemeClr>
-          </a:lnRef>
-          <a:fillRef idx="1">
-            <a:schemeClr val="accent1"/>
-          </a:fillRef>
-          <a:effectRef idx="0">
-            <a:schemeClr val="accent1"/>
-          </a:effectRef>
-          <a:fontRef idx="minor">
-            <a:schemeClr val="lt1"/>
-          </a:fontRef>
-        </p:style>
-        <p:txBody>
-          <a:bodyPr rtlCol="0" anchor="ctr"/>
-          <a:lstStyle/>
-          <a:p>
-            <a:pPr algn="ctr"/>
-            <a:endParaRPr lang="en-US"/>
-          </a:p>
-        </p:txBody>
-      </p:sp>
-      <p:sp>
-        <p:nvSpPr>
-          <p:cNvPr id="22" name="フリーフォーム: 図形 21">
-            <a:extLst>
-              <a:ext uri="{FF2B5EF4-FFF2-40B4-BE49-F238E27FC236}">
-                <a16:creationId xmlns:a16="http://schemas.microsoft.com/office/drawing/2014/main" id="{18511232-5EAD-448E-82D1-1D4F4AB42681}"/>
-              </a:ext>
-            </a:extLst>
-          </p:cNvPr>
-          <p:cNvSpPr/>
-          <p:nvPr/>
-        </p:nvSpPr>
-        <p:spPr>
-          <a:xfrm>
-            <a:off x="5936566" y="4431323"/>
-            <a:ext cx="28257" cy="661182"/>
-          </a:xfrm>
-          <a:custGeom>
-            <a:avLst/>
-            <a:gdLst>
-              <a:gd name="connsiteX0" fmla="*/ 0 w 28257"/>
-              <a:gd name="connsiteY0" fmla="*/ 661182 h 661182"/>
-              <a:gd name="connsiteX1" fmla="*/ 28136 w 28257"/>
-              <a:gd name="connsiteY1" fmla="*/ 0 h 661182"/>
-            </a:gdLst>
-            <a:ahLst/>
-            <a:cxnLst>
-              <a:cxn ang="0">
-                <a:pos x="connsiteX0" y="connsiteY0"/>
-              </a:cxn>
-              <a:cxn ang="0">
-                <a:pos x="connsiteX1" y="connsiteY1"/>
-              </a:cxn>
-            </a:cxnLst>
-            <a:rect l="l" t="t" r="r" b="b"/>
-            <a:pathLst>
-              <a:path w="28257" h="661182">
-                <a:moveTo>
-                  <a:pt x="0" y="661182"/>
-                </a:moveTo>
-                <a:cubicBezTo>
-                  <a:pt x="31716" y="122025"/>
-                  <a:pt x="28136" y="342590"/>
-                  <a:pt x="28136" y="0"/>
-                </a:cubicBezTo>
-              </a:path>
-            </a:pathLst>
-          </a:custGeom>
-          <a:noFill/>
-          <a:ln w="28575"/>
-        </p:spPr>
-        <p:style>
-          <a:lnRef idx="2">
-            <a:schemeClr val="accent1">
-              <a:shade val="50000"/>
-            </a:schemeClr>
-          </a:lnRef>
-          <a:fillRef idx="1">
-            <a:schemeClr val="accent1"/>
-          </a:fillRef>
-          <a:effectRef idx="0">
-            <a:schemeClr val="accent1"/>
-          </a:effectRef>
-          <a:fontRef idx="minor">
-            <a:schemeClr val="lt1"/>
-          </a:fontRef>
-        </p:style>
-        <p:txBody>
-          <a:bodyPr rtlCol="0" anchor="ctr"/>
-          <a:lstStyle/>
-          <a:p>
-            <a:pPr algn="ctr"/>
-            <a:endParaRPr lang="en-US"/>
-          </a:p>
-        </p:txBody>
-      </p:sp>
-      <p:sp>
-        <p:nvSpPr>
-          <p:cNvPr id="23" name="フリーフォーム: 図形 22">
-            <a:extLst>
-              <a:ext uri="{FF2B5EF4-FFF2-40B4-BE49-F238E27FC236}">
-                <a16:creationId xmlns:a16="http://schemas.microsoft.com/office/drawing/2014/main" id="{769EE73D-D2A5-4980-A092-42DF7860F16A}"/>
-              </a:ext>
-            </a:extLst>
-          </p:cNvPr>
-          <p:cNvSpPr/>
-          <p:nvPr/>
-        </p:nvSpPr>
-        <p:spPr>
-          <a:xfrm>
-            <a:off x="5922498" y="4473526"/>
-            <a:ext cx="404984" cy="618979"/>
-          </a:xfrm>
-          <a:custGeom>
-            <a:avLst/>
-            <a:gdLst>
-              <a:gd name="connsiteX0" fmla="*/ 0 w 404984"/>
-              <a:gd name="connsiteY0" fmla="*/ 618979 h 618979"/>
-              <a:gd name="connsiteX1" fmla="*/ 393896 w 404984"/>
-              <a:gd name="connsiteY1" fmla="*/ 154745 h 618979"/>
-              <a:gd name="connsiteX2" fmla="*/ 379828 w 404984"/>
-              <a:gd name="connsiteY2" fmla="*/ 14068 h 618979"/>
-              <a:gd name="connsiteX3" fmla="*/ 337625 w 404984"/>
-              <a:gd name="connsiteY3" fmla="*/ 0 h 618979"/>
-            </a:gdLst>
-            <a:ahLst/>
-            <a:cxnLst>
-              <a:cxn ang="0">
-                <a:pos x="connsiteX0" y="connsiteY0"/>
-              </a:cxn>
-              <a:cxn ang="0">
-                <a:pos x="connsiteX1" y="connsiteY1"/>
-              </a:cxn>
-              <a:cxn ang="0">
-                <a:pos x="connsiteX2" y="connsiteY2"/>
-              </a:cxn>
-              <a:cxn ang="0">
-                <a:pos x="connsiteX3" y="connsiteY3"/>
-              </a:cxn>
-            </a:cxnLst>
-            <a:rect l="l" t="t" r="r" b="b"/>
-            <a:pathLst>
-              <a:path w="404984" h="618979">
-                <a:moveTo>
-                  <a:pt x="0" y="618979"/>
-                </a:moveTo>
-                <a:cubicBezTo>
-                  <a:pt x="131299" y="464234"/>
-                  <a:pt x="285978" y="326614"/>
-                  <a:pt x="393896" y="154745"/>
-                </a:cubicBezTo>
-                <a:cubicBezTo>
-                  <a:pt x="418956" y="114834"/>
-                  <a:pt x="395933" y="58357"/>
-                  <a:pt x="379828" y="14068"/>
-                </a:cubicBezTo>
-                <a:cubicBezTo>
-                  <a:pt x="374760" y="132"/>
-                  <a:pt x="337625" y="0"/>
-                  <a:pt x="337625" y="0"/>
-                </a:cubicBezTo>
-              </a:path>
-            </a:pathLst>
-          </a:custGeom>
-          <a:noFill/>
-          <a:ln w="28575"/>
-        </p:spPr>
-        <p:style>
-          <a:lnRef idx="2">
-            <a:schemeClr val="accent1">
-              <a:shade val="50000"/>
-            </a:schemeClr>
-          </a:lnRef>
-          <a:fillRef idx="1">
-            <a:schemeClr val="accent1"/>
-          </a:fillRef>
-          <a:effectRef idx="0">
-            <a:schemeClr val="accent1"/>
-          </a:effectRef>
-          <a:fontRef idx="minor">
-            <a:schemeClr val="lt1"/>
-          </a:fontRef>
-        </p:style>
-        <p:txBody>
-          <a:bodyPr rtlCol="0" anchor="ctr"/>
-          <a:lstStyle/>
-          <a:p>
-            <a:pPr algn="ctr"/>
-            <a:endParaRPr lang="en-US"/>
-          </a:p>
-        </p:txBody>
-      </p:sp>
-      <p:sp>
-        <p:nvSpPr>
-          <p:cNvPr id="25" name="矢印: 右 24">
-            <a:extLst>
-              <a:ext uri="{FF2B5EF4-FFF2-40B4-BE49-F238E27FC236}">
-                <a16:creationId xmlns:a16="http://schemas.microsoft.com/office/drawing/2014/main" id="{505E2C9C-1E5B-487E-AAF3-6FB44436A65F}"/>
-              </a:ext>
-            </a:extLst>
-          </p:cNvPr>
-          <p:cNvSpPr/>
-          <p:nvPr/>
-        </p:nvSpPr>
-        <p:spPr>
-          <a:xfrm rot="1749571">
-            <a:off x="1154710" y="5260646"/>
-            <a:ext cx="941078" cy="464274"/>
-          </a:xfrm>
-          <a:prstGeom prst="rightArrow">
-            <a:avLst/>
-          </a:prstGeom>
-          <a:solidFill>
-            <a:srgbClr val="FFFF00"/>
-          </a:solidFill>
-          <a:ln>
-            <a:solidFill>
-              <a:schemeClr val="tx1"/>
-            </a:solidFill>
-          </a:ln>
-        </p:spPr>
-        <p:style>
-          <a:lnRef idx="2">
-            <a:schemeClr val="accent1">
-              <a:shade val="50000"/>
-            </a:schemeClr>
-          </a:lnRef>
-          <a:fillRef idx="1">
-            <a:schemeClr val="accent1"/>
-          </a:fillRef>
-          <a:effectRef idx="0">
-            <a:schemeClr val="accent1"/>
-          </a:effectRef>
-          <a:fontRef idx="minor">
-            <a:schemeClr val="lt1"/>
-          </a:fontRef>
-        </p:style>
-        <p:txBody>
-          <a:bodyPr rtlCol="0" anchor="ctr"/>
-          <a:lstStyle/>
-          <a:p>
-            <a:pPr algn="ctr"/>
-            <a:endParaRPr lang="en-US"/>
-          </a:p>
-        </p:txBody>
-      </p:sp>
-      <p:sp>
-        <p:nvSpPr>
-          <p:cNvPr id="26" name="テキスト ボックス 25">
-            <a:extLst>
-              <a:ext uri="{FF2B5EF4-FFF2-40B4-BE49-F238E27FC236}">
-                <a16:creationId xmlns:a16="http://schemas.microsoft.com/office/drawing/2014/main" id="{0694E10F-5CBB-45B6-9428-A1C9CF195EFB}"/>
-              </a:ext>
-            </a:extLst>
-          </p:cNvPr>
-          <p:cNvSpPr txBox="1"/>
-          <p:nvPr/>
-        </p:nvSpPr>
-        <p:spPr>
-          <a:xfrm>
-            <a:off x="338669" y="4632462"/>
-            <a:ext cx="1814920" cy="707886"/>
-          </a:xfrm>
-          <a:prstGeom prst="rect">
-            <a:avLst/>
-          </a:prstGeom>
-          <a:noFill/>
-        </p:spPr>
-        <p:txBody>
-          <a:bodyPr wrap="none" rtlCol="0">
-            <a:spAutoFit/>
-          </a:bodyPr>
-          <a:lstStyle/>
-          <a:p>
-            <a:r>
-              <a:rPr lang="ja-JP" altLang="en-US" sz="2000" dirty="0"/>
-              <a:t>キーボードから</a:t>
-            </a:r>
-            <a:endParaRPr lang="en-US" altLang="ja-JP" sz="2000" dirty="0"/>
-          </a:p>
-          <a:p>
-            <a:r>
-              <a:rPr lang="ja-JP" altLang="en-US" sz="2000" dirty="0"/>
-              <a:t>入力</a:t>
-            </a:r>
-            <a:endParaRPr lang="en-US" sz="2000" dirty="0"/>
-          </a:p>
-        </p:txBody>
-      </p:sp>
-      <p:sp>
-        <p:nvSpPr>
-          <p:cNvPr id="28" name="テキスト ボックス 27">
-            <a:extLst>
-              <a:ext uri="{FF2B5EF4-FFF2-40B4-BE49-F238E27FC236}">
-                <a16:creationId xmlns:a16="http://schemas.microsoft.com/office/drawing/2014/main" id="{B41C22FB-54B2-4D16-A42F-796FA390E37E}"/>
-              </a:ext>
-            </a:extLst>
-          </p:cNvPr>
-          <p:cNvSpPr txBox="1"/>
-          <p:nvPr/>
-        </p:nvSpPr>
-        <p:spPr>
-          <a:xfrm>
-            <a:off x="6358539" y="5446294"/>
-            <a:ext cx="2938472" cy="707886"/>
-          </a:xfrm>
-          <a:prstGeom prst="rect">
-            <a:avLst/>
-          </a:prstGeom>
-          <a:noFill/>
-        </p:spPr>
-        <p:txBody>
-          <a:bodyPr wrap="square" rtlCol="0">
-            <a:spAutoFit/>
-          </a:bodyPr>
-          <a:lstStyle/>
-          <a:p>
-            <a:r>
-              <a:rPr lang="ja-JP" altLang="en-US" sz="2000" dirty="0"/>
-              <a:t>ピンからブレッドボード上のＬＥＤに出力</a:t>
-            </a:r>
-            <a:endParaRPr lang="en-US" sz="2000" dirty="0"/>
-          </a:p>
-        </p:txBody>
-      </p:sp>
-      <p:sp>
-        <p:nvSpPr>
-          <p:cNvPr id="29" name="矢印: 左 28">
-            <a:extLst>
-              <a:ext uri="{FF2B5EF4-FFF2-40B4-BE49-F238E27FC236}">
-                <a16:creationId xmlns:a16="http://schemas.microsoft.com/office/drawing/2014/main" id="{773CEE87-67A8-484F-A713-A090591A294F}"/>
-              </a:ext>
-            </a:extLst>
-          </p:cNvPr>
-          <p:cNvSpPr/>
-          <p:nvPr/>
-        </p:nvSpPr>
-        <p:spPr>
-          <a:xfrm rot="1725362">
-            <a:off x="6062147" y="5067112"/>
-            <a:ext cx="582854" cy="350687"/>
-          </a:xfrm>
-          <a:prstGeom prst="leftArrow">
-            <a:avLst/>
-          </a:prstGeom>
-          <a:solidFill>
-            <a:srgbClr val="FF0000"/>
-          </a:solidFill>
-          <a:ln>
-            <a:solidFill>
-              <a:schemeClr val="tx1"/>
-            </a:solidFill>
-          </a:ln>
-        </p:spPr>
-        <p:style>
-          <a:lnRef idx="2">
-            <a:schemeClr val="accent1">
-              <a:shade val="50000"/>
-            </a:schemeClr>
-          </a:lnRef>
-          <a:fillRef idx="1">
-            <a:schemeClr val="accent1"/>
-          </a:fillRef>
-          <a:effectRef idx="0">
-            <a:schemeClr val="accent1"/>
-          </a:effectRef>
-          <a:fontRef idx="minor">
-            <a:schemeClr val="lt1"/>
-          </a:fontRef>
-        </p:style>
-        <p:txBody>
-          <a:bodyPr rtlCol="0" anchor="ctr"/>
-          <a:lstStyle/>
-          <a:p>
-            <a:pPr algn="ctr"/>
-            <a:endParaRPr lang="en-US">
-              <a:solidFill>
-                <a:srgbClr val="FF0000"/>
-              </a:solidFill>
-            </a:endParaRPr>
-          </a:p>
-        </p:txBody>
-      </p:sp>
-      <p:pic>
-        <p:nvPicPr>
-          <p:cNvPr id="31" name="図 30">
-            <a:extLst>
-              <a:ext uri="{FF2B5EF4-FFF2-40B4-BE49-F238E27FC236}">
-                <a16:creationId xmlns:a16="http://schemas.microsoft.com/office/drawing/2014/main" id="{B1F5B50A-AA1F-45BD-843D-CE75ACAA60A4}"/>
-              </a:ext>
-            </a:extLst>
-          </p:cNvPr>
-          <p:cNvPicPr>
-            <a:picLocks noChangeAspect="1"/>
-          </p:cNvPicPr>
-          <p:nvPr/>
-        </p:nvPicPr>
-        <p:blipFill rotWithShape="1">
-          <a:blip r:embed="rId5">
-            <a:extLst>
-              <a:ext uri="{28A0092B-C50C-407E-A947-70E740481C1C}">
-                <a14:useLocalDpi xmlns:a14="http://schemas.microsoft.com/office/drawing/2010/main" val="0"/>
-              </a:ext>
-            </a:extLst>
-          </a:blip>
-          <a:srcRect l="23174" t="4049" r="20466" b="2873"/>
-          <a:stretch/>
-        </p:blipFill>
-        <p:spPr>
-          <a:xfrm>
-            <a:off x="5110600" y="3354412"/>
-            <a:ext cx="430949" cy="573963"/>
-          </a:xfrm>
-          <a:prstGeom prst="rect">
-            <a:avLst/>
-          </a:prstGeom>
-        </p:spPr>
-      </p:pic>
-      <p:pic>
-        <p:nvPicPr>
-          <p:cNvPr id="32" name="図 31">
-            <a:extLst>
-              <a:ext uri="{FF2B5EF4-FFF2-40B4-BE49-F238E27FC236}">
-                <a16:creationId xmlns:a16="http://schemas.microsoft.com/office/drawing/2014/main" id="{766389E0-998C-4048-B6FB-02F3C82D5CDA}"/>
-              </a:ext>
-            </a:extLst>
-          </p:cNvPr>
-          <p:cNvPicPr>
-            <a:picLocks noChangeAspect="1"/>
-          </p:cNvPicPr>
-          <p:nvPr/>
-        </p:nvPicPr>
-        <p:blipFill rotWithShape="1">
-          <a:blip r:embed="rId5">
-            <a:extLst>
-              <a:ext uri="{28A0092B-C50C-407E-A947-70E740481C1C}">
-                <a14:useLocalDpi xmlns:a14="http://schemas.microsoft.com/office/drawing/2010/main" val="0"/>
-              </a:ext>
-            </a:extLst>
-          </a:blip>
-          <a:srcRect l="23174" t="4049" r="20466" b="2873"/>
-          <a:stretch/>
-        </p:blipFill>
-        <p:spPr>
-          <a:xfrm>
-            <a:off x="5649584" y="3348752"/>
-            <a:ext cx="430949" cy="573963"/>
-          </a:xfrm>
-          <a:prstGeom prst="rect">
-            <a:avLst/>
-          </a:prstGeom>
-        </p:spPr>
-      </p:pic>
-      <p:sp>
-        <p:nvSpPr>
-          <p:cNvPr id="33" name="テキスト ボックス 32">
-            <a:extLst>
-              <a:ext uri="{FF2B5EF4-FFF2-40B4-BE49-F238E27FC236}">
-                <a16:creationId xmlns:a16="http://schemas.microsoft.com/office/drawing/2014/main" id="{2878CA02-98EA-48DD-9FFE-EEC49949B364}"/>
-              </a:ext>
-            </a:extLst>
-          </p:cNvPr>
-          <p:cNvSpPr txBox="1"/>
-          <p:nvPr/>
-        </p:nvSpPr>
-        <p:spPr>
-          <a:xfrm>
-            <a:off x="6669460" y="3421804"/>
-            <a:ext cx="2422458" cy="369332"/>
-          </a:xfrm>
-          <a:prstGeom prst="rect">
-            <a:avLst/>
-          </a:prstGeom>
-          <a:noFill/>
-        </p:spPr>
-        <p:txBody>
-          <a:bodyPr wrap="none" rtlCol="0">
-            <a:spAutoFit/>
-          </a:bodyPr>
-          <a:lstStyle/>
-          <a:p>
-            <a:r>
-              <a:rPr lang="en-US" dirty="0"/>
-              <a:t>7</a:t>
-            </a:r>
-            <a:r>
-              <a:rPr lang="ja-JP" altLang="en-US" dirty="0"/>
-              <a:t>セグ</a:t>
-            </a:r>
-            <a:r>
-              <a:rPr lang="en-US" altLang="ja-JP" dirty="0"/>
-              <a:t>LED</a:t>
-            </a:r>
-            <a:r>
-              <a:rPr lang="ja-JP" altLang="en-US" dirty="0"/>
-              <a:t>に得点を出力</a:t>
-            </a:r>
-            <a:endParaRPr lang="en-US" dirty="0"/>
-          </a:p>
-        </p:txBody>
-      </p:sp>
-      <p:sp>
-        <p:nvSpPr>
-          <p:cNvPr id="34" name="矢印: 左 33">
-            <a:extLst>
-              <a:ext uri="{FF2B5EF4-FFF2-40B4-BE49-F238E27FC236}">
-                <a16:creationId xmlns:a16="http://schemas.microsoft.com/office/drawing/2014/main" id="{A346195D-50F2-40D1-A1A6-7AC2157A5609}"/>
-              </a:ext>
-            </a:extLst>
-          </p:cNvPr>
-          <p:cNvSpPr/>
-          <p:nvPr/>
-        </p:nvSpPr>
-        <p:spPr>
-          <a:xfrm>
-            <a:off x="6199356" y="3319489"/>
-            <a:ext cx="388336" cy="573963"/>
-          </a:xfrm>
-          <a:prstGeom prst="leftArrow">
-            <a:avLst/>
-          </a:prstGeom>
-        </p:spPr>
-        <p:style>
-          <a:lnRef idx="2">
-            <a:schemeClr val="accent1">
-              <a:shade val="50000"/>
-            </a:schemeClr>
-          </a:lnRef>
-          <a:fillRef idx="1">
-            <a:schemeClr val="accent1"/>
-          </a:fillRef>
-          <a:effectRef idx="0">
-            <a:schemeClr val="accent1"/>
-          </a:effectRef>
-          <a:fontRef idx="minor">
-            <a:schemeClr val="lt1"/>
-          </a:fontRef>
-        </p:style>
-        <p:txBody>
-          <a:bodyPr rtlCol="0" anchor="ctr"/>
-          <a:lstStyle/>
-          <a:p>
-            <a:pPr algn="ctr"/>
-            <a:endParaRPr lang="en-US"/>
           </a:p>
         </p:txBody>
       </p:sp>
@@ -5889,7 +5439,7 @@
               <a:t>LED</a:t>
             </a:r>
             <a:r>
-              <a:rPr lang="ja-JP" altLang="en-US"/>
+              <a:rPr lang="ja-JP" altLang="en-US" dirty="0"/>
               <a:t>の点灯パターン</a:t>
             </a:r>
             <a:r>
@@ -5897,7 +5447,7 @@
               <a:t>(</a:t>
             </a:r>
             <a:r>
-              <a:rPr lang="ja-JP" altLang="en-US"/>
+              <a:rPr lang="ja-JP" altLang="en-US" dirty="0"/>
               <a:t>時刻と</a:t>
             </a:r>
             <a:r>
@@ -5905,7 +5455,7 @@
               <a:t>LED</a:t>
             </a:r>
             <a:r>
-              <a:rPr lang="ja-JP" altLang="en-US"/>
+              <a:rPr lang="ja-JP" altLang="en-US" dirty="0"/>
               <a:t>の指定</a:t>
             </a:r>
             <a:r>
@@ -5913,7 +5463,7 @@
               <a:t>)</a:t>
             </a:r>
             <a:r>
-              <a:rPr lang="ja-JP" altLang="en-US"/>
+              <a:rPr lang="ja-JP" altLang="en-US" dirty="0"/>
               <a:t>をハードに書き込む</a:t>
             </a:r>
             <a:endParaRPr lang="en-US" altLang="ja-JP" dirty="0"/>
@@ -5921,18 +5471,14 @@
           <a:p>
             <a:r>
               <a:rPr lang="ja-JP" altLang="en-US" dirty="0"/>
-              <a:t>キーボード</a:t>
-            </a:r>
-            <a:r>
-              <a:rPr lang="ja-JP" altLang="en-US"/>
-              <a:t>の入力情報を</a:t>
+              <a:t>キーボードの入力情報を</a:t>
             </a:r>
             <a:r>
               <a:rPr lang="en-US" altLang="ja-JP" dirty="0"/>
               <a:t>100ms</a:t>
             </a:r>
             <a:r>
-              <a:rPr lang="ja-JP" altLang="en-US"/>
+              <a:rPr lang="ja-JP" altLang="en-US" dirty="0"/>
               <a:t>おきにハードに書き込む</a:t>
             </a:r>
             <a:endParaRPr lang="en-US" dirty="0"/>
@@ -6090,7 +5636,7 @@
           <a:lstStyle/>
           <a:p>
             <a:r>
-              <a:rPr lang="ja-JP" altLang="en-US"/>
+              <a:rPr lang="ja-JP" altLang="en-US" dirty="0"/>
               <a:t>ソフトウェアの実装詳細</a:t>
             </a:r>
             <a:endParaRPr lang="en-US" dirty="0"/>
@@ -6123,7 +5669,7 @@
               <a:buAutoNum type="arabicPeriod"/>
             </a:pPr>
             <a:r>
-              <a:rPr lang="ja-JP" altLang="en-US"/>
+              <a:rPr lang="ja-JP" altLang="en-US" dirty="0"/>
               <a:t>点灯パターンを</a:t>
             </a:r>
             <a:r>
@@ -6140,18 +5686,14 @@
             <a:pPr lvl="1"/>
             <a:r>
               <a:rPr lang="ja-JP" altLang="en-US" dirty="0"/>
-              <a:t>初期化時</a:t>
-            </a:r>
-            <a:r>
-              <a:rPr lang="ja-JP" altLang="en-US"/>
-              <a:t>に行う</a:t>
+              <a:t>初期化時に行う</a:t>
             </a:r>
             <a:endParaRPr lang="en-US" altLang="ja-JP" dirty="0"/>
           </a:p>
           <a:p>
             <a:pPr lvl="1"/>
             <a:r>
-              <a:rPr lang="ja-JP" altLang="en-US"/>
+              <a:rPr lang="ja-JP" altLang="en-US" dirty="0"/>
               <a:t>書き込むデータ</a:t>
             </a:r>
             <a:r>
@@ -6159,7 +5701,7 @@
               <a:t>: </a:t>
             </a:r>
             <a:r>
-              <a:rPr lang="ja-JP" altLang="en-US"/>
+              <a:rPr lang="ja-JP" altLang="en-US" dirty="0"/>
               <a:t>時刻</a:t>
             </a:r>
             <a:r>
@@ -6167,7 +5709,7 @@
               <a:t>10bit, LED</a:t>
             </a:r>
             <a:r>
-              <a:rPr lang="ja-JP" altLang="en-US"/>
+              <a:rPr lang="ja-JP" altLang="en-US" dirty="0"/>
               <a:t>指定</a:t>
             </a:r>
             <a:r>
@@ -6175,7 +5717,7 @@
               <a:t> 8bit</a:t>
             </a:r>
             <a:r>
-              <a:rPr lang="ja-JP" altLang="en-US"/>
+              <a:rPr lang="ja-JP" altLang="en-US" dirty="0"/>
               <a:t>の</a:t>
             </a:r>
             <a:r>
@@ -6186,7 +5728,7 @@
           <a:p>
             <a:pPr lvl="1"/>
             <a:r>
-              <a:rPr lang="ja-JP" altLang="en-US"/>
+              <a:rPr lang="ja-JP" altLang="en-US" dirty="0"/>
               <a:t>メモリの</a:t>
             </a:r>
             <a:r>
@@ -6194,7 +5736,7 @@
               <a:t>map</a:t>
             </a:r>
             <a:r>
-              <a:rPr lang="ja-JP" altLang="en-US"/>
+              <a:rPr lang="ja-JP" altLang="en-US" dirty="0"/>
               <a:t>は講義時の</a:t>
             </a:r>
             <a:r>
@@ -6386,8 +5928,8 @@
           <a:lstStyle/>
           <a:p>
             <a:r>
-              <a:rPr lang="ja-JP" altLang="en-US"/>
-              <a:t>ハードウェアの実装詳細</a:t>
+              <a:rPr lang="ja-JP" altLang="en-US" dirty="0"/>
+              <a:t>モジュールの概略図</a:t>
             </a:r>
             <a:endParaRPr lang="en-US" dirty="0"/>
           </a:p>
@@ -6417,26 +5959,100 @@
           <a:lstStyle/>
           <a:p>
             <a:r>
+              <a:rPr lang="en-US" altLang="ja-JP" sz="2400" dirty="0"/>
+              <a:t>DE10_NANO_SoC_GHRD</a:t>
+            </a:r>
+            <a:r>
               <a:rPr lang="ja-JP" altLang="en-US" sz="2400" dirty="0"/>
-              <a:t>パターンは初期化時にレジスタに貯め、決められた時刻に出力。</a:t>
+              <a:t>に組み込んだ</a:t>
             </a:r>
             <a:endParaRPr lang="en-US" altLang="ja-JP" sz="2400" dirty="0"/>
           </a:p>
-          <a:p>
-            <a:r>
-              <a:rPr lang="ja-JP" altLang="en-US" sz="2400" dirty="0"/>
-              <a:t>得点計算は、パターンと入力の時刻の差を数値化</a:t>
-            </a:r>
-            <a:endParaRPr lang="en-US" sz="2400" dirty="0"/>
-          </a:p>
-        </p:txBody>
-      </p:sp>
-      <p:sp>
-        <p:nvSpPr>
-          <p:cNvPr id="4" name="正方形/長方形 3">
-            <a:extLst>
-              <a:ext uri="{FF2B5EF4-FFF2-40B4-BE49-F238E27FC236}">
-                <a16:creationId xmlns:a16="http://schemas.microsoft.com/office/drawing/2014/main" id="{6679DA91-A3A3-4706-B882-143B70108A63}"/>
+        </p:txBody>
+      </p:sp>
+      <p:sp>
+        <p:nvSpPr>
+          <p:cNvPr id="34" name="テキスト ボックス 33">
+            <a:extLst>
+              <a:ext uri="{FF2B5EF4-FFF2-40B4-BE49-F238E27FC236}">
+                <a16:creationId xmlns:a16="http://schemas.microsoft.com/office/drawing/2014/main" id="{29C0EB06-86D6-484D-AC18-0CC6669072D4}"/>
+              </a:ext>
+            </a:extLst>
+          </p:cNvPr>
+          <p:cNvSpPr txBox="1"/>
+          <p:nvPr/>
+        </p:nvSpPr>
+        <p:spPr>
+          <a:xfrm>
+            <a:off x="620605" y="4084962"/>
+            <a:ext cx="1274887" cy="338554"/>
+          </a:xfrm>
+          <a:prstGeom prst="rect">
+            <a:avLst/>
+          </a:prstGeom>
+          <a:noFill/>
+        </p:spPr>
+        <p:txBody>
+          <a:bodyPr wrap="square" rtlCol="0">
+            <a:spAutoFit/>
+          </a:bodyPr>
+          <a:lstStyle/>
+          <a:p>
+            <a:r>
+              <a:rPr lang="en-US" sz="1600" dirty="0"/>
+              <a:t>input[31:0]</a:t>
+            </a:r>
+          </a:p>
+        </p:txBody>
+      </p:sp>
+      <p:cxnSp>
+        <p:nvCxnSpPr>
+          <p:cNvPr id="7" name="直線矢印コネクタ 6">
+            <a:extLst>
+              <a:ext uri="{FF2B5EF4-FFF2-40B4-BE49-F238E27FC236}">
+                <a16:creationId xmlns:a16="http://schemas.microsoft.com/office/drawing/2014/main" id="{4E08D22C-8C2D-434E-BFEE-FA7FA01991CD}"/>
+              </a:ext>
+            </a:extLst>
+          </p:cNvPr>
+          <p:cNvCxnSpPr>
+            <a:cxnSpLocks/>
+          </p:cNvCxnSpPr>
+          <p:nvPr/>
+        </p:nvCxnSpPr>
+        <p:spPr>
+          <a:xfrm>
+            <a:off x="340963" y="4128847"/>
+            <a:ext cx="1825936" cy="3025"/>
+          </a:xfrm>
+          <a:prstGeom prst="straightConnector1">
+            <a:avLst/>
+          </a:prstGeom>
+          <a:ln>
+            <a:headEnd type="none" w="med" len="med"/>
+            <a:tailEnd type="none" w="med" len="med"/>
+          </a:ln>
+        </p:spPr>
+        <p:style>
+          <a:lnRef idx="1">
+            <a:schemeClr val="accent1"/>
+          </a:lnRef>
+          <a:fillRef idx="0">
+            <a:schemeClr val="accent1"/>
+          </a:fillRef>
+          <a:effectRef idx="0">
+            <a:schemeClr val="accent1"/>
+          </a:effectRef>
+          <a:fontRef idx="minor">
+            <a:schemeClr val="tx1"/>
+          </a:fontRef>
+        </p:style>
+      </p:cxnSp>
+      <p:sp>
+        <p:nvSpPr>
+          <p:cNvPr id="32" name="正方形/長方形 31">
+            <a:extLst>
+              <a:ext uri="{FF2B5EF4-FFF2-40B4-BE49-F238E27FC236}">
+                <a16:creationId xmlns:a16="http://schemas.microsoft.com/office/drawing/2014/main" id="{863B508A-BA0A-497E-AF3C-F26E329F06FB}"/>
               </a:ext>
             </a:extLst>
           </p:cNvPr>
@@ -6445,8 +6061,225 @@
         </p:nvSpPr>
         <p:spPr>
           <a:xfrm>
-            <a:off x="2461846" y="3133347"/>
-            <a:ext cx="1531460" cy="1280160"/>
+            <a:off x="650929" y="2228849"/>
+            <a:ext cx="8152107" cy="4158455"/>
+          </a:xfrm>
+          <a:prstGeom prst="rect">
+            <a:avLst/>
+          </a:prstGeom>
+          <a:noFill/>
+          <a:ln w="19050">
+            <a:solidFill>
+              <a:srgbClr val="002060"/>
+            </a:solidFill>
+            <a:prstDash val="sysDash"/>
+          </a:ln>
+        </p:spPr>
+        <p:style>
+          <a:lnRef idx="2">
+            <a:schemeClr val="accent1">
+              <a:shade val="50000"/>
+            </a:schemeClr>
+          </a:lnRef>
+          <a:fillRef idx="1">
+            <a:schemeClr val="accent1"/>
+          </a:fillRef>
+          <a:effectRef idx="0">
+            <a:schemeClr val="accent1"/>
+          </a:effectRef>
+          <a:fontRef idx="minor">
+            <a:schemeClr val="lt1"/>
+          </a:fontRef>
+        </p:style>
+        <p:txBody>
+          <a:bodyPr rtlCol="0" anchor="ctr"/>
+          <a:lstStyle/>
+          <a:p>
+            <a:pPr algn="ctr"/>
+            <a:endParaRPr lang="en-US" sz="2800" dirty="0">
+              <a:solidFill>
+                <a:schemeClr val="tx1"/>
+              </a:solidFill>
+            </a:endParaRPr>
+          </a:p>
+        </p:txBody>
+      </p:sp>
+      <p:cxnSp>
+        <p:nvCxnSpPr>
+          <p:cNvPr id="72" name="直線矢印コネクタ 71">
+            <a:extLst>
+              <a:ext uri="{FF2B5EF4-FFF2-40B4-BE49-F238E27FC236}">
+                <a16:creationId xmlns:a16="http://schemas.microsoft.com/office/drawing/2014/main" id="{0852FFBF-EC51-400C-8E1F-875062F37B88}"/>
+              </a:ext>
+            </a:extLst>
+          </p:cNvPr>
+          <p:cNvCxnSpPr>
+            <a:cxnSpLocks/>
+            <a:endCxn id="41" idx="1"/>
+          </p:cNvCxnSpPr>
+          <p:nvPr/>
+        </p:nvCxnSpPr>
+        <p:spPr>
+          <a:xfrm>
+            <a:off x="2154264" y="5429369"/>
+            <a:ext cx="2037812" cy="1513"/>
+          </a:xfrm>
+          <a:prstGeom prst="straightConnector1">
+            <a:avLst/>
+          </a:prstGeom>
+          <a:ln>
+            <a:tailEnd type="triangle"/>
+          </a:ln>
+        </p:spPr>
+        <p:style>
+          <a:lnRef idx="1">
+            <a:schemeClr val="accent1"/>
+          </a:lnRef>
+          <a:fillRef idx="0">
+            <a:schemeClr val="accent1"/>
+          </a:fillRef>
+          <a:effectRef idx="0">
+            <a:schemeClr val="accent1"/>
+          </a:effectRef>
+          <a:fontRef idx="minor">
+            <a:schemeClr val="tx1"/>
+          </a:fontRef>
+        </p:style>
+      </p:cxnSp>
+      <p:cxnSp>
+        <p:nvCxnSpPr>
+          <p:cNvPr id="74" name="直線コネクタ 73">
+            <a:extLst>
+              <a:ext uri="{FF2B5EF4-FFF2-40B4-BE49-F238E27FC236}">
+                <a16:creationId xmlns:a16="http://schemas.microsoft.com/office/drawing/2014/main" id="{153E7406-BC49-4BFB-9C95-AAB4595C74AD}"/>
+              </a:ext>
+            </a:extLst>
+          </p:cNvPr>
+          <p:cNvCxnSpPr>
+            <a:cxnSpLocks/>
+          </p:cNvCxnSpPr>
+          <p:nvPr/>
+        </p:nvCxnSpPr>
+        <p:spPr>
+          <a:xfrm>
+            <a:off x="2154264" y="3886199"/>
+            <a:ext cx="0" cy="1556317"/>
+          </a:xfrm>
+          <a:prstGeom prst="line">
+            <a:avLst/>
+          </a:prstGeom>
+        </p:spPr>
+        <p:style>
+          <a:lnRef idx="1">
+            <a:schemeClr val="accent1"/>
+          </a:lnRef>
+          <a:fillRef idx="0">
+            <a:schemeClr val="accent1"/>
+          </a:fillRef>
+          <a:effectRef idx="0">
+            <a:schemeClr val="accent1"/>
+          </a:effectRef>
+          <a:fontRef idx="minor">
+            <a:schemeClr val="tx1"/>
+          </a:fontRef>
+        </p:style>
+      </p:cxnSp>
+      <p:cxnSp>
+        <p:nvCxnSpPr>
+          <p:cNvPr id="84" name="直線コネクタ 83">
+            <a:extLst>
+              <a:ext uri="{FF2B5EF4-FFF2-40B4-BE49-F238E27FC236}">
+                <a16:creationId xmlns:a16="http://schemas.microsoft.com/office/drawing/2014/main" id="{BF83A5B2-48B4-4846-B201-6786D96D8F02}"/>
+              </a:ext>
+            </a:extLst>
+          </p:cNvPr>
+          <p:cNvCxnSpPr>
+            <a:cxnSpLocks/>
+          </p:cNvCxnSpPr>
+          <p:nvPr/>
+        </p:nvCxnSpPr>
+        <p:spPr>
+          <a:xfrm>
+            <a:off x="2136379" y="2986435"/>
+            <a:ext cx="17885" cy="1027626"/>
+          </a:xfrm>
+          <a:prstGeom prst="line">
+            <a:avLst/>
+          </a:prstGeom>
+        </p:spPr>
+        <p:style>
+          <a:lnRef idx="1">
+            <a:schemeClr val="accent1"/>
+          </a:lnRef>
+          <a:fillRef idx="0">
+            <a:schemeClr val="accent1"/>
+          </a:fillRef>
+          <a:effectRef idx="0">
+            <a:schemeClr val="accent1"/>
+          </a:effectRef>
+          <a:fontRef idx="minor">
+            <a:schemeClr val="tx1"/>
+          </a:fontRef>
+        </p:style>
+      </p:cxnSp>
+      <p:cxnSp>
+        <p:nvCxnSpPr>
+          <p:cNvPr id="85" name="直線矢印コネクタ 84">
+            <a:extLst>
+              <a:ext uri="{FF2B5EF4-FFF2-40B4-BE49-F238E27FC236}">
+                <a16:creationId xmlns:a16="http://schemas.microsoft.com/office/drawing/2014/main" id="{C67DD06A-F1E4-4AA4-8CDA-2133F0C9810A}"/>
+              </a:ext>
+            </a:extLst>
+          </p:cNvPr>
+          <p:cNvCxnSpPr>
+            <a:cxnSpLocks/>
+            <a:endCxn id="37" idx="1"/>
+          </p:cNvCxnSpPr>
+          <p:nvPr/>
+        </p:nvCxnSpPr>
+        <p:spPr>
+          <a:xfrm flipV="1">
+            <a:off x="2137822" y="2986435"/>
+            <a:ext cx="2008663" cy="1402"/>
+          </a:xfrm>
+          <a:prstGeom prst="straightConnector1">
+            <a:avLst/>
+          </a:prstGeom>
+          <a:ln>
+            <a:tailEnd type="triangle"/>
+          </a:ln>
+        </p:spPr>
+        <p:style>
+          <a:lnRef idx="1">
+            <a:schemeClr val="accent1"/>
+          </a:lnRef>
+          <a:fillRef idx="0">
+            <a:schemeClr val="accent1"/>
+          </a:fillRef>
+          <a:effectRef idx="0">
+            <a:schemeClr val="accent1"/>
+          </a:effectRef>
+          <a:fontRef idx="minor">
+            <a:schemeClr val="tx1"/>
+          </a:fontRef>
+        </p:style>
+      </p:cxnSp>
+      <p:sp>
+        <p:nvSpPr>
+          <p:cNvPr id="86" name="正方形/長方形 85">
+            <a:extLst>
+              <a:ext uri="{FF2B5EF4-FFF2-40B4-BE49-F238E27FC236}">
+                <a16:creationId xmlns:a16="http://schemas.microsoft.com/office/drawing/2014/main" id="{74B9717F-5B40-4A16-AD1E-44F51D399368}"/>
+              </a:ext>
+            </a:extLst>
+          </p:cNvPr>
+          <p:cNvSpPr/>
+          <p:nvPr/>
+        </p:nvSpPr>
+        <p:spPr>
+          <a:xfrm>
+            <a:off x="5751800" y="3549362"/>
+            <a:ext cx="1097291" cy="1129127"/>
           </a:xfrm>
           <a:prstGeom prst="rect">
             <a:avLst/>
@@ -6479,361 +6312,38 @@
           <a:lstStyle/>
           <a:p>
             <a:pPr algn="ctr"/>
-            <a:endParaRPr lang="en-US"/>
-          </a:p>
-        </p:txBody>
-      </p:sp>
-      <p:cxnSp>
-        <p:nvCxnSpPr>
-          <p:cNvPr id="6" name="直線コネクタ 5">
-            <a:extLst>
-              <a:ext uri="{FF2B5EF4-FFF2-40B4-BE49-F238E27FC236}">
-                <a16:creationId xmlns:a16="http://schemas.microsoft.com/office/drawing/2014/main" id="{19222F1E-FE78-461F-90B3-0FD6B9571114}"/>
-              </a:ext>
-            </a:extLst>
-          </p:cNvPr>
-          <p:cNvCxnSpPr>
-            <a:cxnSpLocks/>
-          </p:cNvCxnSpPr>
+            <a:r>
+              <a:rPr lang="en-US" dirty="0" err="1">
+                <a:solidFill>
+                  <a:schemeClr val="tx1"/>
+                </a:solidFill>
+              </a:rPr>
+              <a:t>score_calculator.v</a:t>
+            </a:r>
+            <a:endParaRPr lang="en-US" sz="1200" dirty="0">
+              <a:solidFill>
+                <a:schemeClr val="tx1"/>
+              </a:solidFill>
+            </a:endParaRPr>
+          </a:p>
+        </p:txBody>
+      </p:sp>
+      <p:sp>
+        <p:nvSpPr>
+          <p:cNvPr id="87" name="正方形/長方形 86">
+            <a:extLst>
+              <a:ext uri="{FF2B5EF4-FFF2-40B4-BE49-F238E27FC236}">
+                <a16:creationId xmlns:a16="http://schemas.microsoft.com/office/drawing/2014/main" id="{1C58E421-4343-4465-B558-61ED27D2F97A}"/>
+              </a:ext>
+            </a:extLst>
+          </p:cNvPr>
+          <p:cNvSpPr/>
           <p:nvPr/>
-        </p:nvCxnSpPr>
+        </p:nvSpPr>
         <p:spPr>
           <a:xfrm>
-            <a:off x="1378634" y="3414701"/>
-            <a:ext cx="1083212" cy="0"/>
-          </a:xfrm>
-          <a:prstGeom prst="line">
-            <a:avLst/>
-          </a:prstGeom>
-          <a:ln>
-            <a:headEnd type="none" w="med" len="med"/>
-            <a:tailEnd type="arrow" w="med" len="med"/>
-          </a:ln>
-        </p:spPr>
-        <p:style>
-          <a:lnRef idx="1">
-            <a:schemeClr val="accent1"/>
-          </a:lnRef>
-          <a:fillRef idx="0">
-            <a:schemeClr val="accent1"/>
-          </a:fillRef>
-          <a:effectRef idx="0">
-            <a:schemeClr val="accent1"/>
-          </a:effectRef>
-          <a:fontRef idx="minor">
-            <a:schemeClr val="tx1"/>
-          </a:fontRef>
-        </p:style>
-      </p:cxnSp>
-      <p:cxnSp>
-        <p:nvCxnSpPr>
-          <p:cNvPr id="8" name="直線コネクタ 7">
-            <a:extLst>
-              <a:ext uri="{FF2B5EF4-FFF2-40B4-BE49-F238E27FC236}">
-                <a16:creationId xmlns:a16="http://schemas.microsoft.com/office/drawing/2014/main" id="{D0C423BF-C174-4251-8636-CFCA5DCEF17E}"/>
-              </a:ext>
-            </a:extLst>
-          </p:cNvPr>
-          <p:cNvCxnSpPr>
-            <a:cxnSpLocks/>
-          </p:cNvCxnSpPr>
-          <p:nvPr/>
-        </p:nvCxnSpPr>
-        <p:spPr>
-          <a:xfrm>
-            <a:off x="1378634" y="4129809"/>
-            <a:ext cx="1083212" cy="0"/>
-          </a:xfrm>
-          <a:prstGeom prst="line">
-            <a:avLst/>
-          </a:prstGeom>
-          <a:ln>
-            <a:headEnd type="none" w="med" len="med"/>
-            <a:tailEnd type="arrow" w="med" len="med"/>
-          </a:ln>
-        </p:spPr>
-        <p:style>
-          <a:lnRef idx="1">
-            <a:schemeClr val="accent1"/>
-          </a:lnRef>
-          <a:fillRef idx="0">
-            <a:schemeClr val="accent1"/>
-          </a:fillRef>
-          <a:effectRef idx="0">
-            <a:schemeClr val="accent1"/>
-          </a:effectRef>
-          <a:fontRef idx="minor">
-            <a:schemeClr val="tx1"/>
-          </a:fontRef>
-        </p:style>
-      </p:cxnSp>
-      <p:cxnSp>
-        <p:nvCxnSpPr>
-          <p:cNvPr id="14" name="直線コネクタ 13">
-            <a:extLst>
-              <a:ext uri="{FF2B5EF4-FFF2-40B4-BE49-F238E27FC236}">
-                <a16:creationId xmlns:a16="http://schemas.microsoft.com/office/drawing/2014/main" id="{16689A74-08D2-4835-8E8F-3B130567C36F}"/>
-              </a:ext>
-            </a:extLst>
-          </p:cNvPr>
-          <p:cNvCxnSpPr>
-            <a:cxnSpLocks/>
-          </p:cNvCxnSpPr>
-          <p:nvPr/>
-        </p:nvCxnSpPr>
-        <p:spPr>
-          <a:xfrm>
-            <a:off x="1378634" y="5526649"/>
-            <a:ext cx="1083212" cy="0"/>
-          </a:xfrm>
-          <a:prstGeom prst="line">
-            <a:avLst/>
-          </a:prstGeom>
-          <a:ln>
-            <a:headEnd type="none" w="med" len="med"/>
-            <a:tailEnd type="arrow" w="med" len="med"/>
-          </a:ln>
-        </p:spPr>
-        <p:style>
-          <a:lnRef idx="1">
-            <a:schemeClr val="accent1"/>
-          </a:lnRef>
-          <a:fillRef idx="0">
-            <a:schemeClr val="accent1"/>
-          </a:fillRef>
-          <a:effectRef idx="0">
-            <a:schemeClr val="accent1"/>
-          </a:effectRef>
-          <a:fontRef idx="minor">
-            <a:schemeClr val="tx1"/>
-          </a:fontRef>
-        </p:style>
-      </p:cxnSp>
-      <p:sp>
-        <p:nvSpPr>
-          <p:cNvPr id="15" name="テキスト ボックス 14">
-            <a:extLst>
-              <a:ext uri="{FF2B5EF4-FFF2-40B4-BE49-F238E27FC236}">
-                <a16:creationId xmlns:a16="http://schemas.microsoft.com/office/drawing/2014/main" id="{549CD31F-F4FC-40B6-9983-054D83DE46F4}"/>
-              </a:ext>
-            </a:extLst>
-          </p:cNvPr>
-          <p:cNvSpPr txBox="1"/>
-          <p:nvPr/>
-        </p:nvSpPr>
-        <p:spPr>
-          <a:xfrm>
-            <a:off x="1232967" y="2988550"/>
-            <a:ext cx="1273105" cy="369332"/>
-          </a:xfrm>
-          <a:prstGeom prst="rect">
-            <a:avLst/>
-          </a:prstGeom>
-          <a:noFill/>
-        </p:spPr>
-        <p:txBody>
-          <a:bodyPr wrap="none" rtlCol="0">
-            <a:spAutoFit/>
-          </a:bodyPr>
-          <a:lstStyle/>
-          <a:p>
-            <a:r>
-              <a:rPr lang="ja-JP" altLang="en-US" dirty="0"/>
-              <a:t>時刻</a:t>
-            </a:r>
-            <a:r>
-              <a:rPr lang="en-US" altLang="ja-JP" dirty="0"/>
-              <a:t>(32bit)</a:t>
-            </a:r>
-            <a:endParaRPr lang="en-US" dirty="0"/>
-          </a:p>
-        </p:txBody>
-      </p:sp>
-      <p:sp>
-        <p:nvSpPr>
-          <p:cNvPr id="16" name="テキスト ボックス 15">
-            <a:extLst>
-              <a:ext uri="{FF2B5EF4-FFF2-40B4-BE49-F238E27FC236}">
-                <a16:creationId xmlns:a16="http://schemas.microsoft.com/office/drawing/2014/main" id="{709CBB6D-377B-4DA2-8A85-1CCC162DC5ED}"/>
-              </a:ext>
-            </a:extLst>
-          </p:cNvPr>
-          <p:cNvSpPr txBox="1"/>
-          <p:nvPr/>
-        </p:nvSpPr>
-        <p:spPr>
-          <a:xfrm>
-            <a:off x="1012874" y="3717661"/>
-            <a:ext cx="1521570" cy="369332"/>
-          </a:xfrm>
-          <a:prstGeom prst="rect">
-            <a:avLst/>
-          </a:prstGeom>
-          <a:noFill/>
-        </p:spPr>
-        <p:txBody>
-          <a:bodyPr wrap="none" rtlCol="0">
-            <a:spAutoFit/>
-          </a:bodyPr>
-          <a:lstStyle/>
-          <a:p>
-            <a:r>
-              <a:rPr lang="ja-JP" altLang="en-US" dirty="0"/>
-              <a:t>パターン</a:t>
-            </a:r>
-            <a:r>
-              <a:rPr lang="en-US" altLang="ja-JP" dirty="0"/>
-              <a:t>(8bit)</a:t>
-            </a:r>
-            <a:endParaRPr lang="en-US" dirty="0"/>
-          </a:p>
-        </p:txBody>
-      </p:sp>
-      <p:sp>
-        <p:nvSpPr>
-          <p:cNvPr id="17" name="テキスト ボックス 16">
-            <a:extLst>
-              <a:ext uri="{FF2B5EF4-FFF2-40B4-BE49-F238E27FC236}">
-                <a16:creationId xmlns:a16="http://schemas.microsoft.com/office/drawing/2014/main" id="{774AE3CF-4B43-4E70-AA53-632D72F75BB9}"/>
-              </a:ext>
-            </a:extLst>
-          </p:cNvPr>
-          <p:cNvSpPr txBox="1"/>
-          <p:nvPr/>
-        </p:nvSpPr>
-        <p:spPr>
-          <a:xfrm>
-            <a:off x="1277193" y="4876969"/>
-            <a:ext cx="1088760" cy="646331"/>
-          </a:xfrm>
-          <a:prstGeom prst="rect">
-            <a:avLst/>
-          </a:prstGeom>
-          <a:noFill/>
-        </p:spPr>
-        <p:txBody>
-          <a:bodyPr wrap="none" rtlCol="0">
-            <a:spAutoFit/>
-          </a:bodyPr>
-          <a:lstStyle/>
-          <a:p>
-            <a:r>
-              <a:rPr lang="ja-JP" altLang="en-US" dirty="0"/>
-              <a:t>キー入力</a:t>
-            </a:r>
-            <a:endParaRPr lang="en-US" altLang="ja-JP" dirty="0"/>
-          </a:p>
-          <a:p>
-            <a:r>
-              <a:rPr lang="en-US" altLang="ja-JP" dirty="0"/>
-              <a:t>(8bit)</a:t>
-            </a:r>
-            <a:endParaRPr lang="en-US" dirty="0"/>
-          </a:p>
-        </p:txBody>
-      </p:sp>
-      <p:cxnSp>
-        <p:nvCxnSpPr>
-          <p:cNvPr id="21" name="コネクタ: カギ線 20">
-            <a:extLst>
-              <a:ext uri="{FF2B5EF4-FFF2-40B4-BE49-F238E27FC236}">
-                <a16:creationId xmlns:a16="http://schemas.microsoft.com/office/drawing/2014/main" id="{74E486B3-8F0D-425B-9E17-6F5B0F9B842F}"/>
-              </a:ext>
-            </a:extLst>
-          </p:cNvPr>
-          <p:cNvCxnSpPr>
-            <a:cxnSpLocks/>
-            <a:stCxn id="13" idx="3"/>
-          </p:cNvCxnSpPr>
-          <p:nvPr/>
-        </p:nvCxnSpPr>
-        <p:spPr>
-          <a:xfrm flipV="1">
-            <a:off x="3993306" y="4886569"/>
-            <a:ext cx="845980" cy="640080"/>
-          </a:xfrm>
-          <a:prstGeom prst="bentConnector3">
-            <a:avLst/>
-          </a:prstGeom>
-          <a:ln>
-            <a:headEnd type="none" w="med" len="med"/>
-            <a:tailEnd type="arrow" w="med" len="med"/>
-          </a:ln>
-        </p:spPr>
-        <p:style>
-          <a:lnRef idx="1">
-            <a:schemeClr val="accent1"/>
-          </a:lnRef>
-          <a:fillRef idx="0">
-            <a:schemeClr val="accent1"/>
-          </a:fillRef>
-          <a:effectRef idx="0">
-            <a:schemeClr val="accent1"/>
-          </a:effectRef>
-          <a:fontRef idx="minor">
-            <a:schemeClr val="tx1"/>
-          </a:fontRef>
-        </p:style>
-      </p:cxnSp>
-      <p:cxnSp>
-        <p:nvCxnSpPr>
-          <p:cNvPr id="23" name="コネクタ: カギ線 22">
-            <a:extLst>
-              <a:ext uri="{FF2B5EF4-FFF2-40B4-BE49-F238E27FC236}">
-                <a16:creationId xmlns:a16="http://schemas.microsoft.com/office/drawing/2014/main" id="{19DEF236-07FE-482A-B12B-A16D2B838EA5}"/>
-              </a:ext>
-            </a:extLst>
-          </p:cNvPr>
-          <p:cNvCxnSpPr>
-            <a:cxnSpLocks/>
-            <a:stCxn id="4" idx="3"/>
-          </p:cNvCxnSpPr>
-          <p:nvPr/>
-        </p:nvCxnSpPr>
-        <p:spPr>
-          <a:xfrm>
-            <a:off x="3993306" y="3773427"/>
-            <a:ext cx="845980" cy="640080"/>
-          </a:xfrm>
-          <a:prstGeom prst="bentConnector3">
-            <a:avLst/>
-          </a:prstGeom>
-          <a:ln>
-            <a:headEnd type="none" w="med" len="med"/>
-            <a:tailEnd type="arrow" w="med" len="med"/>
-          </a:ln>
-        </p:spPr>
-        <p:style>
-          <a:lnRef idx="1">
-            <a:schemeClr val="accent1"/>
-          </a:lnRef>
-          <a:fillRef idx="0">
-            <a:schemeClr val="accent1"/>
-          </a:fillRef>
-          <a:effectRef idx="0">
-            <a:schemeClr val="accent1"/>
-          </a:effectRef>
-          <a:fontRef idx="minor">
-            <a:schemeClr val="tx1"/>
-          </a:fontRef>
-        </p:style>
-      </p:cxnSp>
-      <p:sp>
-        <p:nvSpPr>
-          <p:cNvPr id="24" name="正方形/長方形 23">
-            <a:extLst>
-              <a:ext uri="{FF2B5EF4-FFF2-40B4-BE49-F238E27FC236}">
-                <a16:creationId xmlns:a16="http://schemas.microsoft.com/office/drawing/2014/main" id="{7215BBE6-E92C-4DA2-AA18-F15EE52A6004}"/>
-              </a:ext>
-            </a:extLst>
-          </p:cNvPr>
-          <p:cNvSpPr/>
-          <p:nvPr/>
-        </p:nvSpPr>
-        <p:spPr>
-          <a:xfrm>
-            <a:off x="4839286" y="4009330"/>
-            <a:ext cx="1852770" cy="1280160"/>
+            <a:off x="7551740" y="3549362"/>
+            <a:ext cx="1097291" cy="1129127"/>
           </a:xfrm>
           <a:prstGeom prst="rect">
             <a:avLst/>
@@ -6866,30 +6376,49 @@
           <a:lstStyle/>
           <a:p>
             <a:pPr algn="ctr"/>
-            <a:endParaRPr lang="en-US"/>
+            <a:r>
+              <a:rPr lang="en-US" dirty="0" err="1">
+                <a:solidFill>
+                  <a:schemeClr val="tx1"/>
+                </a:solidFill>
+              </a:rPr>
+              <a:t>seg_decoder.v</a:t>
+            </a:r>
+            <a:endParaRPr lang="en-US" sz="1200" dirty="0">
+              <a:solidFill>
+                <a:schemeClr val="tx1"/>
+              </a:solidFill>
+            </a:endParaRPr>
           </a:p>
         </p:txBody>
       </p:sp>
       <p:cxnSp>
         <p:nvCxnSpPr>
-          <p:cNvPr id="26" name="直線コネクタ 25">
-            <a:extLst>
-              <a:ext uri="{FF2B5EF4-FFF2-40B4-BE49-F238E27FC236}">
-                <a16:creationId xmlns:a16="http://schemas.microsoft.com/office/drawing/2014/main" id="{A75F1C02-4CB1-4CCF-81CE-CF1978BAA765}"/>
-              </a:ext>
-            </a:extLst>
-          </p:cNvPr>
-          <p:cNvCxnSpPr/>
+          <p:cNvPr id="110" name="コネクタ: カギ線 109">
+            <a:extLst>
+              <a:ext uri="{FF2B5EF4-FFF2-40B4-BE49-F238E27FC236}">
+                <a16:creationId xmlns:a16="http://schemas.microsoft.com/office/drawing/2014/main" id="{6204B247-D1A2-4B68-8A7C-6BEE86F2D50E}"/>
+              </a:ext>
+            </a:extLst>
+          </p:cNvPr>
+          <p:cNvCxnSpPr>
+            <a:cxnSpLocks/>
+          </p:cNvCxnSpPr>
           <p:nvPr/>
         </p:nvCxnSpPr>
         <p:spPr>
-          <a:xfrm flipV="1">
-            <a:off x="2926080" y="6166729"/>
-            <a:ext cx="0" cy="511677"/>
+          <a:xfrm>
+            <a:off x="3016197" y="4289508"/>
+            <a:ext cx="1175075" cy="850022"/>
           </a:xfrm>
-          <a:prstGeom prst="line">
-            <a:avLst/>
+          <a:prstGeom prst="bentConnector3">
+            <a:avLst>
+              <a:gd name="adj1" fmla="val 76378"/>
+            </a:avLst>
           </a:prstGeom>
+          <a:ln>
+            <a:tailEnd type="triangle"/>
+          </a:ln>
         </p:spPr>
         <p:style>
           <a:lnRef idx="1">
@@ -6906,302 +6435,22 @@
           </a:fontRef>
         </p:style>
       </p:cxnSp>
-      <p:cxnSp>
-        <p:nvCxnSpPr>
-          <p:cNvPr id="28" name="コネクタ: カギ線 27">
-            <a:extLst>
-              <a:ext uri="{FF2B5EF4-FFF2-40B4-BE49-F238E27FC236}">
-                <a16:creationId xmlns:a16="http://schemas.microsoft.com/office/drawing/2014/main" id="{E4DA93EC-8281-4D45-9FC3-D0D08931AE7D}"/>
-              </a:ext>
-            </a:extLst>
-          </p:cNvPr>
-          <p:cNvCxnSpPr>
-            <a:cxnSpLocks/>
-          </p:cNvCxnSpPr>
-          <p:nvPr/>
-        </p:nvCxnSpPr>
-        <p:spPr>
-          <a:xfrm rot="5400000" flipH="1" flipV="1">
-            <a:off x="2153667" y="5185920"/>
-            <a:ext cx="2009060" cy="464235"/>
-          </a:xfrm>
-          <a:prstGeom prst="bentConnector3">
-            <a:avLst>
-              <a:gd name="adj1" fmla="val 1685"/>
-            </a:avLst>
-          </a:prstGeom>
-        </p:spPr>
-        <p:style>
-          <a:lnRef idx="1">
-            <a:schemeClr val="accent1"/>
-          </a:lnRef>
-          <a:fillRef idx="0">
-            <a:schemeClr val="accent1"/>
-          </a:fillRef>
-          <a:effectRef idx="0">
-            <a:schemeClr val="accent1"/>
-          </a:effectRef>
-          <a:fontRef idx="minor">
-            <a:schemeClr val="tx1"/>
-          </a:fontRef>
-        </p:style>
-      </p:cxnSp>
-      <p:sp>
-        <p:nvSpPr>
-          <p:cNvPr id="31" name="テキスト ボックス 30">
-            <a:extLst>
-              <a:ext uri="{FF2B5EF4-FFF2-40B4-BE49-F238E27FC236}">
-                <a16:creationId xmlns:a16="http://schemas.microsoft.com/office/drawing/2014/main" id="{A4E92550-B688-4DE9-8A8D-5DC6E8E4CC84}"/>
-              </a:ext>
-            </a:extLst>
-          </p:cNvPr>
-          <p:cNvSpPr txBox="1"/>
+      <p:sp>
+        <p:nvSpPr>
+          <p:cNvPr id="80" name="正方形/長方形 79">
+            <a:extLst>
+              <a:ext uri="{FF2B5EF4-FFF2-40B4-BE49-F238E27FC236}">
+                <a16:creationId xmlns:a16="http://schemas.microsoft.com/office/drawing/2014/main" id="{8E8304E3-69AF-4BA9-96ED-C32F70F079FC}"/>
+              </a:ext>
+            </a:extLst>
+          </p:cNvPr>
+          <p:cNvSpPr/>
           <p:nvPr/>
         </p:nvSpPr>
         <p:spPr>
           <a:xfrm>
-            <a:off x="2043445" y="6246654"/>
-            <a:ext cx="925253" cy="369332"/>
-          </a:xfrm>
-          <a:prstGeom prst="rect">
-            <a:avLst/>
-          </a:prstGeom>
-          <a:noFill/>
-        </p:spPr>
-        <p:txBody>
-          <a:bodyPr wrap="none" rtlCol="0">
-            <a:spAutoFit/>
-          </a:bodyPr>
-          <a:lstStyle/>
-          <a:p>
-            <a:r>
-              <a:rPr lang="ja-JP" altLang="en-US" dirty="0"/>
-              <a:t>クロック</a:t>
-            </a:r>
-            <a:endParaRPr lang="en-US" dirty="0"/>
-          </a:p>
-        </p:txBody>
-      </p:sp>
-      <p:sp>
-        <p:nvSpPr>
-          <p:cNvPr id="33" name="テキスト ボックス 32">
-            <a:extLst>
-              <a:ext uri="{FF2B5EF4-FFF2-40B4-BE49-F238E27FC236}">
-                <a16:creationId xmlns:a16="http://schemas.microsoft.com/office/drawing/2014/main" id="{F0021A11-674A-4F16-8410-7DB24870B792}"/>
-              </a:ext>
-            </a:extLst>
-          </p:cNvPr>
-          <p:cNvSpPr txBox="1"/>
-          <p:nvPr/>
-        </p:nvSpPr>
-        <p:spPr>
-          <a:xfrm>
-            <a:off x="3905464" y="5472079"/>
-            <a:ext cx="1136850" cy="369332"/>
-          </a:xfrm>
-          <a:prstGeom prst="rect">
-            <a:avLst/>
-          </a:prstGeom>
-          <a:noFill/>
-        </p:spPr>
-        <p:txBody>
-          <a:bodyPr wrap="none" rtlCol="0">
-            <a:spAutoFit/>
-          </a:bodyPr>
-          <a:lstStyle/>
-          <a:p>
-            <a:r>
-              <a:rPr lang="ja-JP" altLang="en-US" dirty="0"/>
-              <a:t>キー</a:t>
-            </a:r>
-            <a:r>
-              <a:rPr lang="en-US" altLang="ja-JP" dirty="0"/>
-              <a:t>(8bit)</a:t>
-            </a:r>
-            <a:endParaRPr lang="en-US" dirty="0"/>
-          </a:p>
-        </p:txBody>
-      </p:sp>
-      <p:sp>
-        <p:nvSpPr>
-          <p:cNvPr id="34" name="テキスト ボックス 33">
-            <a:extLst>
-              <a:ext uri="{FF2B5EF4-FFF2-40B4-BE49-F238E27FC236}">
-                <a16:creationId xmlns:a16="http://schemas.microsoft.com/office/drawing/2014/main" id="{29C0EB06-86D6-484D-AC18-0CC6669072D4}"/>
-              </a:ext>
-            </a:extLst>
-          </p:cNvPr>
-          <p:cNvSpPr txBox="1"/>
-          <p:nvPr/>
-        </p:nvSpPr>
-        <p:spPr>
-          <a:xfrm>
-            <a:off x="3966070" y="3399395"/>
-            <a:ext cx="1521570" cy="369332"/>
-          </a:xfrm>
-          <a:prstGeom prst="rect">
-            <a:avLst/>
-          </a:prstGeom>
-          <a:noFill/>
-        </p:spPr>
-        <p:txBody>
-          <a:bodyPr wrap="none" rtlCol="0">
-            <a:spAutoFit/>
-          </a:bodyPr>
-          <a:lstStyle/>
-          <a:p>
-            <a:r>
-              <a:rPr lang="ja-JP" altLang="en-US" dirty="0"/>
-              <a:t>パターン</a:t>
-            </a:r>
-            <a:r>
-              <a:rPr lang="en-US" altLang="ja-JP" dirty="0"/>
-              <a:t>(8bit)</a:t>
-            </a:r>
-            <a:endParaRPr lang="en-US" dirty="0"/>
-          </a:p>
-        </p:txBody>
-      </p:sp>
-      <p:sp>
-        <p:nvSpPr>
-          <p:cNvPr id="35" name="テキスト ボックス 34">
-            <a:extLst>
-              <a:ext uri="{FF2B5EF4-FFF2-40B4-BE49-F238E27FC236}">
-                <a16:creationId xmlns:a16="http://schemas.microsoft.com/office/drawing/2014/main" id="{E8E807A6-D5E3-4E67-A41E-22F70A9A63A5}"/>
-              </a:ext>
-            </a:extLst>
-          </p:cNvPr>
-          <p:cNvSpPr txBox="1"/>
-          <p:nvPr/>
-        </p:nvSpPr>
-        <p:spPr>
-          <a:xfrm>
-            <a:off x="4883512" y="4413507"/>
-            <a:ext cx="1800493" cy="646331"/>
-          </a:xfrm>
-          <a:prstGeom prst="rect">
-            <a:avLst/>
-          </a:prstGeom>
-          <a:noFill/>
-        </p:spPr>
-        <p:txBody>
-          <a:bodyPr wrap="none" rtlCol="0">
-            <a:spAutoFit/>
-          </a:bodyPr>
-          <a:lstStyle/>
-          <a:p>
-            <a:r>
-              <a:rPr lang="ja-JP" altLang="en-US" b="1" dirty="0"/>
-              <a:t>得点計算＆出力</a:t>
-            </a:r>
-            <a:endParaRPr lang="en-US" altLang="ja-JP" b="1" dirty="0"/>
-          </a:p>
-          <a:p>
-            <a:r>
-              <a:rPr lang="ja-JP" altLang="en-US" b="1" dirty="0"/>
-              <a:t>モジュール</a:t>
-            </a:r>
-            <a:endParaRPr lang="en-US" b="1" dirty="0"/>
-          </a:p>
-        </p:txBody>
-      </p:sp>
-      <p:cxnSp>
-        <p:nvCxnSpPr>
-          <p:cNvPr id="36" name="コネクタ: カギ線 35">
-            <a:extLst>
-              <a:ext uri="{FF2B5EF4-FFF2-40B4-BE49-F238E27FC236}">
-                <a16:creationId xmlns:a16="http://schemas.microsoft.com/office/drawing/2014/main" id="{280D9D01-3A7C-428F-8CF6-97331CD0BB84}"/>
-              </a:ext>
-            </a:extLst>
-          </p:cNvPr>
-          <p:cNvCxnSpPr>
-            <a:cxnSpLocks/>
-          </p:cNvCxnSpPr>
-          <p:nvPr/>
-        </p:nvCxnSpPr>
-        <p:spPr>
-          <a:xfrm flipV="1">
-            <a:off x="2942822" y="5254227"/>
-            <a:ext cx="2609558" cy="1133078"/>
-          </a:xfrm>
-          <a:prstGeom prst="bentConnector2">
-            <a:avLst/>
-          </a:prstGeom>
-        </p:spPr>
-        <p:style>
-          <a:lnRef idx="1">
-            <a:schemeClr val="accent1"/>
-          </a:lnRef>
-          <a:fillRef idx="0">
-            <a:schemeClr val="accent1"/>
-          </a:fillRef>
-          <a:effectRef idx="0">
-            <a:schemeClr val="accent1"/>
-          </a:effectRef>
-          <a:fontRef idx="minor">
-            <a:schemeClr val="tx1"/>
-          </a:fontRef>
-        </p:style>
-      </p:cxnSp>
-      <p:sp>
-        <p:nvSpPr>
-          <p:cNvPr id="38" name="テキスト ボックス 37">
-            <a:extLst>
-              <a:ext uri="{FF2B5EF4-FFF2-40B4-BE49-F238E27FC236}">
-                <a16:creationId xmlns:a16="http://schemas.microsoft.com/office/drawing/2014/main" id="{5D18D37F-32D6-4C24-9882-9894F28CA2F7}"/>
-              </a:ext>
-            </a:extLst>
-          </p:cNvPr>
-          <p:cNvSpPr txBox="1"/>
-          <p:nvPr/>
-        </p:nvSpPr>
-        <p:spPr>
-          <a:xfrm>
-            <a:off x="2519826" y="3500068"/>
-            <a:ext cx="1473480" cy="646331"/>
-          </a:xfrm>
-          <a:prstGeom prst="rect">
-            <a:avLst/>
-          </a:prstGeom>
-          <a:noFill/>
-        </p:spPr>
-        <p:txBody>
-          <a:bodyPr wrap="none" rtlCol="0">
-            <a:spAutoFit/>
-          </a:bodyPr>
-          <a:lstStyle/>
-          <a:p>
-            <a:r>
-              <a:rPr lang="ja-JP" altLang="en-US" b="1" dirty="0"/>
-              <a:t>パターン管理</a:t>
-            </a:r>
-            <a:endParaRPr lang="en-US" altLang="ja-JP" b="1" dirty="0"/>
-          </a:p>
-          <a:p>
-            <a:r>
-              <a:rPr lang="ja-JP" altLang="en-US" b="1" dirty="0"/>
-              <a:t>モジュール</a:t>
-            </a:r>
-            <a:endParaRPr lang="en-US" b="1" dirty="0"/>
-          </a:p>
-        </p:txBody>
-      </p:sp>
-      <p:sp>
-        <p:nvSpPr>
-          <p:cNvPr id="13" name="正方形/長方形 12">
-            <a:extLst>
-              <a:ext uri="{FF2B5EF4-FFF2-40B4-BE49-F238E27FC236}">
-                <a16:creationId xmlns:a16="http://schemas.microsoft.com/office/drawing/2014/main" id="{9279F4BF-6A30-49F5-8176-84F7B8C5D29D}"/>
-              </a:ext>
-            </a:extLst>
-          </p:cNvPr>
-          <p:cNvSpPr/>
-          <p:nvPr/>
-        </p:nvSpPr>
-        <p:spPr>
-          <a:xfrm>
-            <a:off x="2461845" y="4886569"/>
-            <a:ext cx="1531461" cy="1280160"/>
+            <a:off x="2475809" y="3567308"/>
+            <a:ext cx="1097291" cy="1129127"/>
           </a:xfrm>
           <a:prstGeom prst="rect">
             <a:avLst/>
@@ -7236,78 +6485,48 @@
           <a:lstStyle/>
           <a:p>
             <a:pPr algn="ctr"/>
-            <a:endParaRPr lang="en-US"/>
-          </a:p>
-        </p:txBody>
-      </p:sp>
-      <p:sp>
-        <p:nvSpPr>
-          <p:cNvPr id="39" name="テキスト ボックス 38">
-            <a:extLst>
-              <a:ext uri="{FF2B5EF4-FFF2-40B4-BE49-F238E27FC236}">
-                <a16:creationId xmlns:a16="http://schemas.microsoft.com/office/drawing/2014/main" id="{56A77D0B-B633-4EC7-9450-0AA61D348FCA}"/>
-              </a:ext>
-            </a:extLst>
-          </p:cNvPr>
-          <p:cNvSpPr txBox="1"/>
-          <p:nvPr/>
-        </p:nvSpPr>
-        <p:spPr>
-          <a:xfrm>
-            <a:off x="2433264" y="5225101"/>
-            <a:ext cx="1560042" cy="646331"/>
-          </a:xfrm>
-          <a:prstGeom prst="rect">
-            <a:avLst/>
-          </a:prstGeom>
-          <a:noFill/>
-        </p:spPr>
-        <p:txBody>
-          <a:bodyPr wrap="none" rtlCol="0">
-            <a:spAutoFit/>
-          </a:bodyPr>
-          <a:lstStyle/>
-          <a:p>
-            <a:r>
-              <a:rPr lang="ja-JP" altLang="en-US" b="1" dirty="0"/>
-              <a:t>キー入力管理</a:t>
-            </a:r>
-            <a:endParaRPr lang="en-US" altLang="ja-JP" b="1" dirty="0"/>
-          </a:p>
-          <a:p>
-            <a:r>
-              <a:rPr lang="ja-JP" altLang="en-US" b="1" dirty="0"/>
-              <a:t>モジュール</a:t>
-            </a:r>
-            <a:endParaRPr lang="en-US" b="1" dirty="0"/>
+            <a:r>
+              <a:rPr lang="en-US" dirty="0" err="1">
+                <a:solidFill>
+                  <a:schemeClr val="tx1"/>
+                </a:solidFill>
+              </a:rPr>
+              <a:t>game_clock.v</a:t>
+            </a:r>
+            <a:endParaRPr lang="en-US" dirty="0">
+              <a:solidFill>
+                <a:schemeClr val="tx1"/>
+              </a:solidFill>
+            </a:endParaRPr>
           </a:p>
         </p:txBody>
       </p:sp>
       <p:cxnSp>
         <p:nvCxnSpPr>
-          <p:cNvPr id="42" name="直線コネクタ 41">
-            <a:extLst>
-              <a:ext uri="{FF2B5EF4-FFF2-40B4-BE49-F238E27FC236}">
-                <a16:creationId xmlns:a16="http://schemas.microsoft.com/office/drawing/2014/main" id="{7D452018-BB0B-4751-AE65-C34BF7EFF2AF}"/>
+          <p:cNvPr id="118" name="直線矢印コネクタ 117">
+            <a:extLst>
+              <a:ext uri="{FF2B5EF4-FFF2-40B4-BE49-F238E27FC236}">
+                <a16:creationId xmlns:a16="http://schemas.microsoft.com/office/drawing/2014/main" id="{0AF5C82B-AA8E-4E3A-B99A-ED2AA08BED78}"/>
               </a:ext>
             </a:extLst>
           </p:cNvPr>
           <p:cNvCxnSpPr>
             <a:cxnSpLocks/>
+            <a:stCxn id="80" idx="3"/>
+            <a:endCxn id="86" idx="1"/>
           </p:cNvCxnSpPr>
           <p:nvPr/>
         </p:nvCxnSpPr>
         <p:spPr>
-          <a:xfrm>
-            <a:off x="6692056" y="4284553"/>
-            <a:ext cx="1506482" cy="0"/>
+          <a:xfrm flipV="1">
+            <a:off x="3573100" y="4113926"/>
+            <a:ext cx="2178700" cy="17946"/>
           </a:xfrm>
-          <a:prstGeom prst="line">
+          <a:prstGeom prst="straightConnector1">
             <a:avLst/>
           </a:prstGeom>
           <a:ln>
-            <a:headEnd type="none" w="med" len="med"/>
-            <a:tailEnd type="arrow" w="med" len="med"/>
+            <a:tailEnd type="triangle"/>
           </a:ln>
         </p:spPr>
         <p:style>
@@ -7325,52 +6544,12 @@
           </a:fontRef>
         </p:style>
       </p:cxnSp>
-      <p:sp>
-        <p:nvSpPr>
-          <p:cNvPr id="44" name="テキスト ボックス 43">
-            <a:extLst>
-              <a:ext uri="{FF2B5EF4-FFF2-40B4-BE49-F238E27FC236}">
-                <a16:creationId xmlns:a16="http://schemas.microsoft.com/office/drawing/2014/main" id="{7096F075-18F2-43AC-B49C-1DA603D4AEA5}"/>
-              </a:ext>
-            </a:extLst>
-          </p:cNvPr>
-          <p:cNvSpPr txBox="1"/>
-          <p:nvPr/>
-        </p:nvSpPr>
-        <p:spPr>
-          <a:xfrm>
-            <a:off x="6676968" y="3819260"/>
-            <a:ext cx="1521570" cy="369332"/>
-          </a:xfrm>
-          <a:prstGeom prst="rect">
-            <a:avLst/>
-          </a:prstGeom>
-          <a:noFill/>
-        </p:spPr>
-        <p:txBody>
-          <a:bodyPr wrap="none" rtlCol="0">
-            <a:spAutoFit/>
-          </a:bodyPr>
-          <a:lstStyle/>
-          <a:p>
-            <a:r>
-              <a:rPr lang="ja-JP" altLang="en-US" dirty="0"/>
-              <a:t>パターン</a:t>
-            </a:r>
-            <a:r>
-              <a:rPr lang="en-US" altLang="ja-JP" dirty="0"/>
-              <a:t>(8bit)</a:t>
-            </a:r>
-            <a:endParaRPr lang="en-US" dirty="0"/>
-          </a:p>
-        </p:txBody>
-      </p:sp>
       <p:cxnSp>
         <p:nvCxnSpPr>
-          <p:cNvPr id="46" name="直線コネクタ 45">
-            <a:extLst>
-              <a:ext uri="{FF2B5EF4-FFF2-40B4-BE49-F238E27FC236}">
-                <a16:creationId xmlns:a16="http://schemas.microsoft.com/office/drawing/2014/main" id="{2762C098-D656-49FA-A4A7-13DDF8A17DF5}"/>
+          <p:cNvPr id="130" name="コネクタ: カギ線 129">
+            <a:extLst>
+              <a:ext uri="{FF2B5EF4-FFF2-40B4-BE49-F238E27FC236}">
+                <a16:creationId xmlns:a16="http://schemas.microsoft.com/office/drawing/2014/main" id="{0C851FDF-08E0-4C64-B1D6-3722F6A81028}"/>
               </a:ext>
             </a:extLst>
           </p:cNvPr>
@@ -7381,15 +6560,16 @@
         </p:nvCxnSpPr>
         <p:spPr>
           <a:xfrm>
-            <a:off x="6692056" y="5059838"/>
-            <a:ext cx="1506482" cy="0"/>
+            <a:off x="4785276" y="2986434"/>
+            <a:ext cx="966524" cy="899765"/>
           </a:xfrm>
-          <a:prstGeom prst="line">
-            <a:avLst/>
+          <a:prstGeom prst="bentConnector3">
+            <a:avLst>
+              <a:gd name="adj1" fmla="val 73652"/>
+            </a:avLst>
           </a:prstGeom>
           <a:ln>
-            <a:headEnd type="none" w="med" len="med"/>
-            <a:tailEnd type="arrow" w="med" len="med"/>
+            <a:tailEnd type="triangle"/>
           </a:ln>
         </p:spPr>
         <p:style>
@@ -7407,12 +6587,270 @@
           </a:fontRef>
         </p:style>
       </p:cxnSp>
-      <p:sp>
-        <p:nvSpPr>
-          <p:cNvPr id="47" name="テキスト ボックス 46">
-            <a:extLst>
-              <a:ext uri="{FF2B5EF4-FFF2-40B4-BE49-F238E27FC236}">
-                <a16:creationId xmlns:a16="http://schemas.microsoft.com/office/drawing/2014/main" id="{DFA22776-F4E2-47E9-A85B-85E875CD9BD9}"/>
+      <p:cxnSp>
+        <p:nvCxnSpPr>
+          <p:cNvPr id="134" name="コネクタ: カギ線 133">
+            <a:extLst>
+              <a:ext uri="{FF2B5EF4-FFF2-40B4-BE49-F238E27FC236}">
+                <a16:creationId xmlns:a16="http://schemas.microsoft.com/office/drawing/2014/main" id="{7620300B-6290-4D7B-B355-0351DE0C1793}"/>
+              </a:ext>
+            </a:extLst>
+          </p:cNvPr>
+          <p:cNvCxnSpPr>
+            <a:cxnSpLocks/>
+          </p:cNvCxnSpPr>
+          <p:nvPr/>
+        </p:nvCxnSpPr>
+        <p:spPr>
+          <a:xfrm flipV="1">
+            <a:off x="4508239" y="4361317"/>
+            <a:ext cx="1250777" cy="1068052"/>
+          </a:xfrm>
+          <a:prstGeom prst="bentConnector3">
+            <a:avLst>
+              <a:gd name="adj1" fmla="val 79446"/>
+            </a:avLst>
+          </a:prstGeom>
+          <a:ln>
+            <a:tailEnd type="triangle"/>
+          </a:ln>
+        </p:spPr>
+        <p:style>
+          <a:lnRef idx="1">
+            <a:schemeClr val="accent1"/>
+          </a:lnRef>
+          <a:fillRef idx="0">
+            <a:schemeClr val="accent1"/>
+          </a:fillRef>
+          <a:effectRef idx="0">
+            <a:schemeClr val="accent1"/>
+          </a:effectRef>
+          <a:fontRef idx="minor">
+            <a:schemeClr val="tx1"/>
+          </a:fontRef>
+        </p:style>
+      </p:cxnSp>
+      <p:sp>
+        <p:nvSpPr>
+          <p:cNvPr id="37" name="正方形/長方形 36">
+            <a:extLst>
+              <a:ext uri="{FF2B5EF4-FFF2-40B4-BE49-F238E27FC236}">
+                <a16:creationId xmlns:a16="http://schemas.microsoft.com/office/drawing/2014/main" id="{5E2ACF78-99E7-45A5-9F8C-A0609BFC5B04}"/>
+              </a:ext>
+            </a:extLst>
+          </p:cNvPr>
+          <p:cNvSpPr/>
+          <p:nvPr/>
+        </p:nvSpPr>
+        <p:spPr>
+          <a:xfrm>
+            <a:off x="4146485" y="2421871"/>
+            <a:ext cx="1097291" cy="1129127"/>
+          </a:xfrm>
+          <a:prstGeom prst="rect">
+            <a:avLst/>
+          </a:prstGeom>
+          <a:solidFill>
+            <a:schemeClr val="bg1"/>
+          </a:solidFill>
+          <a:ln w="38100">
+            <a:solidFill>
+              <a:srgbClr val="002060"/>
+            </a:solidFill>
+          </a:ln>
+        </p:spPr>
+        <p:style>
+          <a:lnRef idx="2">
+            <a:schemeClr val="accent1">
+              <a:shade val="50000"/>
+            </a:schemeClr>
+          </a:lnRef>
+          <a:fillRef idx="1">
+            <a:schemeClr val="accent1"/>
+          </a:fillRef>
+          <a:effectRef idx="0">
+            <a:schemeClr val="accent1"/>
+          </a:effectRef>
+          <a:fontRef idx="minor">
+            <a:schemeClr val="lt1"/>
+          </a:fontRef>
+        </p:style>
+        <p:txBody>
+          <a:bodyPr rtlCol="0" anchor="ctr"/>
+          <a:lstStyle/>
+          <a:p>
+            <a:pPr algn="ctr"/>
+            <a:r>
+              <a:rPr lang="en-US" dirty="0" err="1">
+                <a:solidFill>
+                  <a:schemeClr val="tx1"/>
+                </a:solidFill>
+              </a:rPr>
+              <a:t>Input_manager.v</a:t>
+            </a:r>
+            <a:endParaRPr lang="en-US" sz="1200" dirty="0">
+              <a:solidFill>
+                <a:schemeClr val="tx1"/>
+              </a:solidFill>
+            </a:endParaRPr>
+          </a:p>
+        </p:txBody>
+      </p:sp>
+      <p:sp>
+        <p:nvSpPr>
+          <p:cNvPr id="41" name="正方形/長方形 40">
+            <a:extLst>
+              <a:ext uri="{FF2B5EF4-FFF2-40B4-BE49-F238E27FC236}">
+                <a16:creationId xmlns:a16="http://schemas.microsoft.com/office/drawing/2014/main" id="{0553BC29-5545-4287-8BCA-B8961352A275}"/>
+              </a:ext>
+            </a:extLst>
+          </p:cNvPr>
+          <p:cNvSpPr/>
+          <p:nvPr/>
+        </p:nvSpPr>
+        <p:spPr>
+          <a:xfrm>
+            <a:off x="4192076" y="4866318"/>
+            <a:ext cx="1097291" cy="1129127"/>
+          </a:xfrm>
+          <a:prstGeom prst="rect">
+            <a:avLst/>
+          </a:prstGeom>
+          <a:solidFill>
+            <a:schemeClr val="bg1"/>
+          </a:solidFill>
+          <a:ln w="38100">
+            <a:solidFill>
+              <a:srgbClr val="002060"/>
+            </a:solidFill>
+          </a:ln>
+        </p:spPr>
+        <p:style>
+          <a:lnRef idx="2">
+            <a:schemeClr val="accent1">
+              <a:shade val="50000"/>
+            </a:schemeClr>
+          </a:lnRef>
+          <a:fillRef idx="1">
+            <a:schemeClr val="accent1"/>
+          </a:fillRef>
+          <a:effectRef idx="0">
+            <a:schemeClr val="accent1"/>
+          </a:effectRef>
+          <a:fontRef idx="minor">
+            <a:schemeClr val="lt1"/>
+          </a:fontRef>
+        </p:style>
+        <p:txBody>
+          <a:bodyPr rtlCol="0" anchor="ctr"/>
+          <a:lstStyle/>
+          <a:p>
+            <a:pPr algn="ctr"/>
+            <a:r>
+              <a:rPr lang="en-US" dirty="0" err="1">
+                <a:solidFill>
+                  <a:schemeClr val="tx1"/>
+                </a:solidFill>
+              </a:rPr>
+              <a:t>pattern_manager.v</a:t>
+            </a:r>
+            <a:endParaRPr lang="en-US" sz="1200" dirty="0">
+              <a:solidFill>
+                <a:schemeClr val="tx1"/>
+              </a:solidFill>
+            </a:endParaRPr>
+          </a:p>
+        </p:txBody>
+      </p:sp>
+      <p:cxnSp>
+        <p:nvCxnSpPr>
+          <p:cNvPr id="137" name="直線矢印コネクタ 136">
+            <a:extLst>
+              <a:ext uri="{FF2B5EF4-FFF2-40B4-BE49-F238E27FC236}">
+                <a16:creationId xmlns:a16="http://schemas.microsoft.com/office/drawing/2014/main" id="{B695683C-76AE-45EB-9948-D20B0AA63E26}"/>
+              </a:ext>
+            </a:extLst>
+          </p:cNvPr>
+          <p:cNvCxnSpPr>
+            <a:stCxn id="86" idx="3"/>
+            <a:endCxn id="87" idx="1"/>
+          </p:cNvCxnSpPr>
+          <p:nvPr/>
+        </p:nvCxnSpPr>
+        <p:spPr>
+          <a:xfrm>
+            <a:off x="6849091" y="4113926"/>
+            <a:ext cx="702649" cy="0"/>
+          </a:xfrm>
+          <a:prstGeom prst="straightConnector1">
+            <a:avLst/>
+          </a:prstGeom>
+          <a:ln>
+            <a:tailEnd type="triangle"/>
+          </a:ln>
+        </p:spPr>
+        <p:style>
+          <a:lnRef idx="1">
+            <a:schemeClr val="accent1"/>
+          </a:lnRef>
+          <a:fillRef idx="0">
+            <a:schemeClr val="accent1"/>
+          </a:fillRef>
+          <a:effectRef idx="0">
+            <a:schemeClr val="accent1"/>
+          </a:effectRef>
+          <a:fontRef idx="minor">
+            <a:schemeClr val="tx1"/>
+          </a:fontRef>
+        </p:style>
+      </p:cxnSp>
+      <p:cxnSp>
+        <p:nvCxnSpPr>
+          <p:cNvPr id="139" name="直線矢印コネクタ 138">
+            <a:extLst>
+              <a:ext uri="{FF2B5EF4-FFF2-40B4-BE49-F238E27FC236}">
+                <a16:creationId xmlns:a16="http://schemas.microsoft.com/office/drawing/2014/main" id="{E7F91C44-6165-4B20-A753-C1483D04E8B9}"/>
+              </a:ext>
+            </a:extLst>
+          </p:cNvPr>
+          <p:cNvCxnSpPr>
+            <a:stCxn id="87" idx="3"/>
+          </p:cNvCxnSpPr>
+          <p:nvPr/>
+        </p:nvCxnSpPr>
+        <p:spPr>
+          <a:xfrm flipV="1">
+            <a:off x="8649031" y="4113925"/>
+            <a:ext cx="361619" cy="1"/>
+          </a:xfrm>
+          <a:prstGeom prst="straightConnector1">
+            <a:avLst/>
+          </a:prstGeom>
+          <a:ln>
+            <a:tailEnd type="triangle"/>
+          </a:ln>
+        </p:spPr>
+        <p:style>
+          <a:lnRef idx="1">
+            <a:schemeClr val="accent1"/>
+          </a:lnRef>
+          <a:fillRef idx="0">
+            <a:schemeClr val="accent1"/>
+          </a:fillRef>
+          <a:effectRef idx="0">
+            <a:schemeClr val="accent1"/>
+          </a:effectRef>
+          <a:fontRef idx="minor">
+            <a:schemeClr val="tx1"/>
+          </a:fontRef>
+        </p:style>
+      </p:cxnSp>
+      <p:sp>
+        <p:nvSpPr>
+          <p:cNvPr id="140" name="テキスト ボックス 139">
+            <a:extLst>
+              <a:ext uri="{FF2B5EF4-FFF2-40B4-BE49-F238E27FC236}">
+                <a16:creationId xmlns:a16="http://schemas.microsoft.com/office/drawing/2014/main" id="{92F22101-15A6-4C41-A425-B19018AABE18}"/>
               </a:ext>
             </a:extLst>
           </p:cNvPr>
@@ -7421,8 +6859,8 @@
         </p:nvSpPr>
         <p:spPr>
           <a:xfrm>
-            <a:off x="6728231" y="4645521"/>
-            <a:ext cx="1503938" cy="369332"/>
+            <a:off x="2656366" y="2623230"/>
+            <a:ext cx="1274887" cy="338554"/>
           </a:xfrm>
           <a:prstGeom prst="rect">
             <a:avLst/>
@@ -7430,20 +6868,408 @@
           <a:noFill/>
         </p:spPr>
         <p:txBody>
-          <a:bodyPr wrap="none" rtlCol="0">
+          <a:bodyPr wrap="square" rtlCol="0">
             <a:spAutoFit/>
           </a:bodyPr>
           <a:lstStyle/>
           <a:p>
             <a:r>
+              <a:rPr lang="en-US" sz="1600" dirty="0"/>
+              <a:t>input[7:0]</a:t>
+            </a:r>
+          </a:p>
+        </p:txBody>
+      </p:sp>
+      <p:sp>
+        <p:nvSpPr>
+          <p:cNvPr id="141" name="テキスト ボックス 140">
+            <a:extLst>
+              <a:ext uri="{FF2B5EF4-FFF2-40B4-BE49-F238E27FC236}">
+                <a16:creationId xmlns:a16="http://schemas.microsoft.com/office/drawing/2014/main" id="{AFBAC27C-DFAC-4A50-B249-D5FCC8F9A5AF}"/>
+              </a:ext>
+            </a:extLst>
+          </p:cNvPr>
+          <p:cNvSpPr txBox="1"/>
+          <p:nvPr/>
+        </p:nvSpPr>
+        <p:spPr>
+          <a:xfrm>
+            <a:off x="2556277" y="5384778"/>
+            <a:ext cx="1274887" cy="338554"/>
+          </a:xfrm>
+          <a:prstGeom prst="rect">
+            <a:avLst/>
+          </a:prstGeom>
+          <a:noFill/>
+        </p:spPr>
+        <p:txBody>
+          <a:bodyPr wrap="square" rtlCol="0">
+            <a:spAutoFit/>
+          </a:bodyPr>
+          <a:lstStyle/>
+          <a:p>
+            <a:r>
+              <a:rPr lang="en-US" sz="1600" dirty="0"/>
+              <a:t>input[31:15]</a:t>
+            </a:r>
+          </a:p>
+        </p:txBody>
+      </p:sp>
+      <p:sp>
+        <p:nvSpPr>
+          <p:cNvPr id="142" name="テキスト ボックス 141">
+            <a:extLst>
+              <a:ext uri="{FF2B5EF4-FFF2-40B4-BE49-F238E27FC236}">
+                <a16:creationId xmlns:a16="http://schemas.microsoft.com/office/drawing/2014/main" id="{1137E76C-B90F-4FB0-BE1C-3BD9568DB531}"/>
+              </a:ext>
+            </a:extLst>
+          </p:cNvPr>
+          <p:cNvSpPr txBox="1"/>
+          <p:nvPr/>
+        </p:nvSpPr>
+        <p:spPr>
+          <a:xfrm>
+            <a:off x="5459008" y="3182112"/>
+            <a:ext cx="1098527" cy="276999"/>
+          </a:xfrm>
+          <a:prstGeom prst="rect">
+            <a:avLst/>
+          </a:prstGeom>
+          <a:noFill/>
+        </p:spPr>
+        <p:txBody>
+          <a:bodyPr wrap="square" rtlCol="0">
+            <a:spAutoFit/>
+          </a:bodyPr>
+          <a:lstStyle/>
+          <a:p>
+            <a:r>
+              <a:rPr lang="ja-JP" altLang="en-US" sz="1200" dirty="0"/>
+              <a:t>キー入力</a:t>
+            </a:r>
+            <a:endParaRPr lang="en-US" sz="1200" dirty="0"/>
+          </a:p>
+        </p:txBody>
+      </p:sp>
+      <p:sp>
+        <p:nvSpPr>
+          <p:cNvPr id="144" name="テキスト ボックス 143">
+            <a:extLst>
+              <a:ext uri="{FF2B5EF4-FFF2-40B4-BE49-F238E27FC236}">
+                <a16:creationId xmlns:a16="http://schemas.microsoft.com/office/drawing/2014/main" id="{A0920E56-051E-4ED0-8D2A-ABE9E88D5670}"/>
+              </a:ext>
+            </a:extLst>
+          </p:cNvPr>
+          <p:cNvSpPr txBox="1"/>
+          <p:nvPr/>
+        </p:nvSpPr>
+        <p:spPr>
+          <a:xfrm>
+            <a:off x="3514146" y="4077898"/>
+            <a:ext cx="1705227" cy="276999"/>
+          </a:xfrm>
+          <a:prstGeom prst="rect">
+            <a:avLst/>
+          </a:prstGeom>
+          <a:noFill/>
+        </p:spPr>
+        <p:txBody>
+          <a:bodyPr wrap="square" rtlCol="0">
+            <a:spAutoFit/>
+          </a:bodyPr>
+          <a:lstStyle/>
+          <a:p>
+            <a:r>
+              <a:rPr lang="ja-JP" altLang="en-US" sz="1200" dirty="0"/>
+              <a:t>ゲーム内時刻</a:t>
+            </a:r>
+            <a:r>
+              <a:rPr lang="en-US" altLang="ja-JP" sz="1200" dirty="0"/>
+              <a:t>[1023:0]</a:t>
+            </a:r>
+            <a:endParaRPr lang="en-US" sz="1200" dirty="0"/>
+          </a:p>
+        </p:txBody>
+      </p:sp>
+      <p:sp>
+        <p:nvSpPr>
+          <p:cNvPr id="145" name="テキスト ボックス 144">
+            <a:extLst>
+              <a:ext uri="{FF2B5EF4-FFF2-40B4-BE49-F238E27FC236}">
+                <a16:creationId xmlns:a16="http://schemas.microsoft.com/office/drawing/2014/main" id="{F06278E2-B786-4EC3-B392-9EBBA1AF253A}"/>
+              </a:ext>
+            </a:extLst>
+          </p:cNvPr>
+          <p:cNvSpPr txBox="1"/>
+          <p:nvPr/>
+        </p:nvSpPr>
+        <p:spPr>
+          <a:xfrm>
+            <a:off x="5601567" y="5165517"/>
+            <a:ext cx="1098527" cy="276999"/>
+          </a:xfrm>
+          <a:prstGeom prst="rect">
+            <a:avLst/>
+          </a:prstGeom>
+          <a:noFill/>
+        </p:spPr>
+        <p:txBody>
+          <a:bodyPr wrap="square" rtlCol="0">
+            <a:spAutoFit/>
+          </a:bodyPr>
+          <a:lstStyle/>
+          <a:p>
+            <a:r>
+              <a:rPr lang="ja-JP" altLang="en-US" sz="1200" dirty="0"/>
+              <a:t>パターン</a:t>
+            </a:r>
+            <a:endParaRPr lang="en-US" sz="1200" dirty="0"/>
+          </a:p>
+        </p:txBody>
+      </p:sp>
+      <p:sp>
+        <p:nvSpPr>
+          <p:cNvPr id="146" name="テキスト ボックス 145">
+            <a:extLst>
+              <a:ext uri="{FF2B5EF4-FFF2-40B4-BE49-F238E27FC236}">
+                <a16:creationId xmlns:a16="http://schemas.microsoft.com/office/drawing/2014/main" id="{B0B2DF89-4B83-479A-BBE6-B50BEEAA9BCC}"/>
+              </a:ext>
+            </a:extLst>
+          </p:cNvPr>
+          <p:cNvSpPr txBox="1"/>
+          <p:nvPr/>
+        </p:nvSpPr>
+        <p:spPr>
+          <a:xfrm>
+            <a:off x="6928354" y="3800899"/>
+            <a:ext cx="610752" cy="276999"/>
+          </a:xfrm>
+          <a:prstGeom prst="rect">
+            <a:avLst/>
+          </a:prstGeom>
+          <a:noFill/>
+        </p:spPr>
+        <p:txBody>
+          <a:bodyPr wrap="square" rtlCol="0">
+            <a:spAutoFit/>
+          </a:bodyPr>
+          <a:lstStyle/>
+          <a:p>
+            <a:r>
+              <a:rPr lang="ja-JP" altLang="en-US" sz="1200" dirty="0"/>
+              <a:t>得点</a:t>
+            </a:r>
+            <a:endParaRPr lang="en-US" sz="1200" dirty="0"/>
+          </a:p>
+        </p:txBody>
+      </p:sp>
+      <p:sp>
+        <p:nvSpPr>
+          <p:cNvPr id="147" name="テキスト ボックス 146">
+            <a:extLst>
+              <a:ext uri="{FF2B5EF4-FFF2-40B4-BE49-F238E27FC236}">
+                <a16:creationId xmlns:a16="http://schemas.microsoft.com/office/drawing/2014/main" id="{FAEDBC64-F773-4F7D-A0E5-C0369B0A13D2}"/>
+              </a:ext>
+            </a:extLst>
+          </p:cNvPr>
+          <p:cNvSpPr txBox="1"/>
+          <p:nvPr/>
+        </p:nvSpPr>
+        <p:spPr>
+          <a:xfrm>
+            <a:off x="7878247" y="4660198"/>
+            <a:ext cx="1342759" cy="276999"/>
+          </a:xfrm>
+          <a:prstGeom prst="rect">
+            <a:avLst/>
+          </a:prstGeom>
+          <a:noFill/>
+        </p:spPr>
+        <p:txBody>
+          <a:bodyPr wrap="square" rtlCol="0">
+            <a:spAutoFit/>
+          </a:bodyPr>
+          <a:lstStyle/>
+          <a:p>
+            <a:r>
+              <a:rPr lang="ja-JP" altLang="en-US" sz="1200" dirty="0"/>
+              <a:t>デコード後の得点</a:t>
+            </a:r>
+            <a:endParaRPr lang="en-US" sz="1200" dirty="0"/>
+          </a:p>
+        </p:txBody>
+      </p:sp>
+      <p:sp>
+        <p:nvSpPr>
+          <p:cNvPr id="149" name="テキスト ボックス 148">
+            <a:extLst>
+              <a:ext uri="{FF2B5EF4-FFF2-40B4-BE49-F238E27FC236}">
+                <a16:creationId xmlns:a16="http://schemas.microsoft.com/office/drawing/2014/main" id="{7E54B117-1900-4225-870C-625601BE85F4}"/>
+              </a:ext>
+            </a:extLst>
+          </p:cNvPr>
+          <p:cNvSpPr txBox="1"/>
+          <p:nvPr/>
+        </p:nvSpPr>
+        <p:spPr>
+          <a:xfrm>
+            <a:off x="5370827" y="2044197"/>
+            <a:ext cx="2180913" cy="338554"/>
+          </a:xfrm>
+          <a:prstGeom prst="rect">
+            <a:avLst/>
+          </a:prstGeom>
+          <a:solidFill>
+            <a:schemeClr val="bg1"/>
+          </a:solidFill>
+        </p:spPr>
+        <p:txBody>
+          <a:bodyPr wrap="square" rtlCol="0">
+            <a:spAutoFit/>
+          </a:bodyPr>
+          <a:lstStyle/>
+          <a:p>
+            <a:r>
+              <a:rPr lang="ja-JP" altLang="en-US" sz="1600" dirty="0"/>
+              <a:t>トップレベルモジュール</a:t>
+            </a:r>
+            <a:endParaRPr lang="en-US" sz="1600" dirty="0"/>
+          </a:p>
+        </p:txBody>
+      </p:sp>
+      <p:cxnSp>
+        <p:nvCxnSpPr>
+          <p:cNvPr id="151" name="直線矢印コネクタ 150">
+            <a:extLst>
+              <a:ext uri="{FF2B5EF4-FFF2-40B4-BE49-F238E27FC236}">
+                <a16:creationId xmlns:a16="http://schemas.microsoft.com/office/drawing/2014/main" id="{16635AD6-B3E5-4282-9083-0A7090BE5309}"/>
+              </a:ext>
+            </a:extLst>
+          </p:cNvPr>
+          <p:cNvCxnSpPr>
+            <a:cxnSpLocks/>
+            <a:stCxn id="37" idx="3"/>
+          </p:cNvCxnSpPr>
+          <p:nvPr/>
+        </p:nvCxnSpPr>
+        <p:spPr>
+          <a:xfrm flipV="1">
+            <a:off x="5243776" y="2961784"/>
+            <a:ext cx="3766874" cy="24651"/>
+          </a:xfrm>
+          <a:prstGeom prst="straightConnector1">
+            <a:avLst/>
+          </a:prstGeom>
+          <a:ln>
+            <a:tailEnd type="triangle"/>
+          </a:ln>
+        </p:spPr>
+        <p:style>
+          <a:lnRef idx="1">
+            <a:schemeClr val="accent1"/>
+          </a:lnRef>
+          <a:fillRef idx="0">
+            <a:schemeClr val="accent1"/>
+          </a:fillRef>
+          <a:effectRef idx="0">
+            <a:schemeClr val="accent1"/>
+          </a:effectRef>
+          <a:fontRef idx="minor">
+            <a:schemeClr val="tx1"/>
+          </a:fontRef>
+        </p:style>
+      </p:cxnSp>
+      <p:cxnSp>
+        <p:nvCxnSpPr>
+          <p:cNvPr id="154" name="直線矢印コネクタ 153">
+            <a:extLst>
+              <a:ext uri="{FF2B5EF4-FFF2-40B4-BE49-F238E27FC236}">
+                <a16:creationId xmlns:a16="http://schemas.microsoft.com/office/drawing/2014/main" id="{C2CD2E99-C2FC-4417-A1D0-03BCCAEAAA95}"/>
+              </a:ext>
+            </a:extLst>
+          </p:cNvPr>
+          <p:cNvCxnSpPr>
+            <a:cxnSpLocks/>
+          </p:cNvCxnSpPr>
+          <p:nvPr/>
+        </p:nvCxnSpPr>
+        <p:spPr>
+          <a:xfrm flipV="1">
+            <a:off x="5300407" y="5411138"/>
+            <a:ext cx="3766874" cy="24651"/>
+          </a:xfrm>
+          <a:prstGeom prst="straightConnector1">
+            <a:avLst/>
+          </a:prstGeom>
+          <a:ln>
+            <a:tailEnd type="triangle"/>
+          </a:ln>
+        </p:spPr>
+        <p:style>
+          <a:lnRef idx="1">
+            <a:schemeClr val="accent1"/>
+          </a:lnRef>
+          <a:fillRef idx="0">
+            <a:schemeClr val="accent1"/>
+          </a:fillRef>
+          <a:effectRef idx="0">
+            <a:schemeClr val="accent1"/>
+          </a:effectRef>
+          <a:fontRef idx="minor">
+            <a:schemeClr val="tx1"/>
+          </a:fontRef>
+        </p:style>
+      </p:cxnSp>
+      <p:sp>
+        <p:nvSpPr>
+          <p:cNvPr id="10" name="吹き出し: 四角形 9">
+            <a:extLst>
+              <a:ext uri="{FF2B5EF4-FFF2-40B4-BE49-F238E27FC236}">
+                <a16:creationId xmlns:a16="http://schemas.microsoft.com/office/drawing/2014/main" id="{F740706E-3653-4E9C-AC37-82FF9642D590}"/>
+              </a:ext>
+            </a:extLst>
+          </p:cNvPr>
+          <p:cNvSpPr/>
+          <p:nvPr/>
+        </p:nvSpPr>
+        <p:spPr>
+          <a:xfrm>
+            <a:off x="161331" y="2945746"/>
+            <a:ext cx="1755513" cy="981140"/>
+          </a:xfrm>
+          <a:prstGeom prst="wedgeRectCallout">
+            <a:avLst/>
+          </a:prstGeom>
+        </p:spPr>
+        <p:style>
+          <a:lnRef idx="2">
+            <a:schemeClr val="accent1">
+              <a:shade val="50000"/>
+            </a:schemeClr>
+          </a:lnRef>
+          <a:fillRef idx="1">
+            <a:schemeClr val="accent1"/>
+          </a:fillRef>
+          <a:effectRef idx="0">
+            <a:schemeClr val="accent1"/>
+          </a:effectRef>
+          <a:fontRef idx="minor">
+            <a:schemeClr val="lt1"/>
+          </a:fontRef>
+        </p:style>
+        <p:txBody>
+          <a:bodyPr rtlCol="0" anchor="ctr"/>
+          <a:lstStyle/>
+          <a:p>
+            <a:pPr algn="ctr"/>
+            <a:r>
               <a:rPr lang="ja-JP" altLang="en-US" dirty="0"/>
-              <a:t>得点</a:t>
+              <a:t>メモリアドレスはオフセット</a:t>
             </a:r>
             <a:r>
               <a:rPr lang="en-US" altLang="ja-JP" dirty="0"/>
-              <a:t>(7×2bit)</a:t>
-            </a:r>
-            <a:endParaRPr lang="en-US" dirty="0"/>
+              <a:t>0x0000 3000</a:t>
+            </a:r>
           </a:p>
         </p:txBody>
       </p:sp>
@@ -7479,10 +7305,10 @@
       </p:grpSpPr>
       <p:sp>
         <p:nvSpPr>
-          <p:cNvPr id="4" name="タイトル 3">
-            <a:extLst>
-              <a:ext uri="{FF2B5EF4-FFF2-40B4-BE49-F238E27FC236}">
-                <a16:creationId xmlns:a16="http://schemas.microsoft.com/office/drawing/2014/main" id="{2B4A595B-F80A-9A4D-89FB-BE466475F360}"/>
+          <p:cNvPr id="2" name="タイトル 1">
+            <a:extLst>
+              <a:ext uri="{FF2B5EF4-FFF2-40B4-BE49-F238E27FC236}">
+                <a16:creationId xmlns:a16="http://schemas.microsoft.com/office/drawing/2014/main" id="{A83130C4-5E85-4DE0-B539-B66467EEAF6D}"/>
               </a:ext>
             </a:extLst>
           </p:cNvPr>
@@ -7490,7 +7316,7 @@
             <a:spLocks noGrp="1"/>
           </p:cNvSpPr>
           <p:nvPr>
-            <p:ph type="ctrTitle"/>
+            <p:ph type="title"/>
           </p:nvPr>
         </p:nvSpPr>
         <p:spPr/>
@@ -7499,16 +7325,601 @@
           <a:lstStyle/>
           <a:p>
             <a:r>
-              <a:rPr kumimoji="1" lang="ja-JP" altLang="en-US"/>
-              <a:t>実機デモ</a:t>
-            </a:r>
+              <a:rPr lang="en-US" dirty="0" err="1"/>
+              <a:t>pattern_manager.v</a:t>
+            </a:r>
+            <a:endParaRPr lang="en-US" dirty="0"/>
+          </a:p>
+        </p:txBody>
+      </p:sp>
+      <p:sp>
+        <p:nvSpPr>
+          <p:cNvPr id="6" name="正方形/長方形 5">
+            <a:extLst>
+              <a:ext uri="{FF2B5EF4-FFF2-40B4-BE49-F238E27FC236}">
+                <a16:creationId xmlns:a16="http://schemas.microsoft.com/office/drawing/2014/main" id="{D5E1FF25-26D4-48CE-973D-69932EF78AB8}"/>
+              </a:ext>
+            </a:extLst>
+          </p:cNvPr>
+          <p:cNvSpPr/>
+          <p:nvPr/>
+        </p:nvSpPr>
+        <p:spPr>
+          <a:xfrm>
+            <a:off x="429775" y="1395065"/>
+            <a:ext cx="8291593" cy="5078313"/>
+          </a:xfrm>
+          <a:prstGeom prst="rect">
+            <a:avLst/>
+          </a:prstGeom>
+        </p:spPr>
+        <p:style>
+          <a:lnRef idx="2">
+            <a:schemeClr val="dk1"/>
+          </a:lnRef>
+          <a:fillRef idx="1">
+            <a:schemeClr val="lt1"/>
+          </a:fillRef>
+          <a:effectRef idx="0">
+            <a:schemeClr val="dk1"/>
+          </a:effectRef>
+          <a:fontRef idx="minor">
+            <a:schemeClr val="dk1"/>
+          </a:fontRef>
+        </p:style>
+        <p:txBody>
+          <a:bodyPr wrap="square">
+            <a:spAutoFit/>
+          </a:bodyPr>
+          <a:lstStyle/>
+          <a:p>
+            <a:r>
+              <a:rPr lang="en-US" dirty="0">
+                <a:solidFill>
+                  <a:prstClr val="black"/>
+                </a:solidFill>
+                <a:latin typeface="MigMix 2M" panose="020B0509020203020207" pitchFamily="49" charset="-128"/>
+                <a:ea typeface="MigMix 2M" panose="020B0509020203020207" pitchFamily="49" charset="-128"/>
+              </a:rPr>
+              <a:t>module </a:t>
+            </a:r>
+            <a:r>
+              <a:rPr lang="en-US" dirty="0" err="1">
+                <a:solidFill>
+                  <a:prstClr val="black"/>
+                </a:solidFill>
+                <a:latin typeface="MigMix 2M" panose="020B0509020203020207" pitchFamily="49" charset="-128"/>
+                <a:ea typeface="MigMix 2M" panose="020B0509020203020207" pitchFamily="49" charset="-128"/>
+              </a:rPr>
+              <a:t>pattern_manager</a:t>
+            </a:r>
+            <a:r>
+              <a:rPr lang="en-US" dirty="0">
+                <a:solidFill>
+                  <a:prstClr val="black"/>
+                </a:solidFill>
+                <a:latin typeface="MigMix 2M" panose="020B0509020203020207" pitchFamily="49" charset="-128"/>
+                <a:ea typeface="MigMix 2M" panose="020B0509020203020207" pitchFamily="49" charset="-128"/>
+              </a:rPr>
+              <a:t> (</a:t>
+            </a:r>
+          </a:p>
+          <a:p>
+            <a:r>
+              <a:rPr lang="en-US" dirty="0">
+                <a:solidFill>
+                  <a:prstClr val="black"/>
+                </a:solidFill>
+                <a:latin typeface="MigMix 2M" panose="020B0509020203020207" pitchFamily="49" charset="-128"/>
+                <a:ea typeface="MigMix 2M" panose="020B0509020203020207" pitchFamily="49" charset="-128"/>
+              </a:rPr>
+              <a:t>  input CLOCK50M,</a:t>
+            </a:r>
+          </a:p>
+          <a:p>
+            <a:r>
+              <a:rPr lang="en-US" dirty="0">
+                <a:solidFill>
+                  <a:prstClr val="black"/>
+                </a:solidFill>
+                <a:latin typeface="MigMix 2M" panose="020B0509020203020207" pitchFamily="49" charset="-128"/>
+                <a:ea typeface="MigMix 2M" panose="020B0509020203020207" pitchFamily="49" charset="-128"/>
+              </a:rPr>
+              <a:t>  input write,</a:t>
+            </a:r>
+          </a:p>
+          <a:p>
+            <a:r>
+              <a:rPr lang="en-US" dirty="0">
+                <a:solidFill>
+                  <a:prstClr val="black"/>
+                </a:solidFill>
+                <a:latin typeface="MigMix 2M" panose="020B0509020203020207" pitchFamily="49" charset="-128"/>
+                <a:ea typeface="MigMix 2M" panose="020B0509020203020207" pitchFamily="49" charset="-128"/>
+              </a:rPr>
+              <a:t>  input [9:0] </a:t>
+            </a:r>
+            <a:r>
+              <a:rPr lang="en-US" dirty="0" err="1">
+                <a:solidFill>
+                  <a:prstClr val="black"/>
+                </a:solidFill>
+                <a:latin typeface="MigMix 2M" panose="020B0509020203020207" pitchFamily="49" charset="-128"/>
+                <a:ea typeface="MigMix 2M" panose="020B0509020203020207" pitchFamily="49" charset="-128"/>
+              </a:rPr>
+              <a:t>game_timer</a:t>
+            </a:r>
+            <a:r>
+              <a:rPr lang="en-US" dirty="0">
+                <a:solidFill>
+                  <a:prstClr val="black"/>
+                </a:solidFill>
+                <a:latin typeface="MigMix 2M" panose="020B0509020203020207" pitchFamily="49" charset="-128"/>
+                <a:ea typeface="MigMix 2M" panose="020B0509020203020207" pitchFamily="49" charset="-128"/>
+              </a:rPr>
+              <a:t>, </a:t>
+            </a:r>
+            <a:r>
+              <a:rPr lang="en-US" dirty="0">
+                <a:solidFill>
+                  <a:srgbClr val="33CC33"/>
+                </a:solidFill>
+                <a:latin typeface="MigMix 2M" panose="020B0509020203020207" pitchFamily="49" charset="-128"/>
+                <a:ea typeface="MigMix 2M" panose="020B0509020203020207" pitchFamily="49" charset="-128"/>
+              </a:rPr>
+              <a:t>//</a:t>
+            </a:r>
+            <a:r>
+              <a:rPr lang="ja-JP" altLang="en-US" dirty="0">
+                <a:solidFill>
+                  <a:srgbClr val="33CC33"/>
+                </a:solidFill>
+                <a:latin typeface="MigMix 2M" panose="020B0509020203020207" pitchFamily="49" charset="-128"/>
+                <a:ea typeface="MigMix 2M" panose="020B0509020203020207" pitchFamily="49" charset="-128"/>
+              </a:rPr>
+              <a:t>ゲーム内時刻</a:t>
+            </a:r>
+            <a:endParaRPr lang="en-US" dirty="0">
+              <a:solidFill>
+                <a:srgbClr val="33CC33"/>
+              </a:solidFill>
+              <a:latin typeface="MigMix 2M" panose="020B0509020203020207" pitchFamily="49" charset="-128"/>
+              <a:ea typeface="MigMix 2M" panose="020B0509020203020207" pitchFamily="49" charset="-128"/>
+            </a:endParaRPr>
+          </a:p>
+          <a:p>
+            <a:r>
+              <a:rPr lang="en-US" dirty="0">
+                <a:solidFill>
+                  <a:prstClr val="black"/>
+                </a:solidFill>
+                <a:latin typeface="MigMix 2M" panose="020B0509020203020207" pitchFamily="49" charset="-128"/>
+                <a:ea typeface="MigMix 2M" panose="020B0509020203020207" pitchFamily="49" charset="-128"/>
+              </a:rPr>
+              <a:t>  input [17:0] </a:t>
+            </a:r>
+            <a:r>
+              <a:rPr lang="en-US" dirty="0" err="1">
+                <a:solidFill>
+                  <a:prstClr val="black"/>
+                </a:solidFill>
+                <a:latin typeface="MigMix 2M" panose="020B0509020203020207" pitchFamily="49" charset="-128"/>
+                <a:ea typeface="MigMix 2M" panose="020B0509020203020207" pitchFamily="49" charset="-128"/>
+              </a:rPr>
+              <a:t>pattern_timestamp</a:t>
+            </a:r>
+            <a:r>
+              <a:rPr lang="en-US" dirty="0">
+                <a:solidFill>
+                  <a:prstClr val="black"/>
+                </a:solidFill>
+                <a:latin typeface="MigMix 2M" panose="020B0509020203020207" pitchFamily="49" charset="-128"/>
+                <a:ea typeface="MigMix 2M" panose="020B0509020203020207" pitchFamily="49" charset="-128"/>
+              </a:rPr>
+              <a:t>, </a:t>
+            </a:r>
+            <a:r>
+              <a:rPr lang="en-US" dirty="0">
+                <a:solidFill>
+                  <a:srgbClr val="33CC33"/>
+                </a:solidFill>
+                <a:latin typeface="MigMix 2M" panose="020B0509020203020207" pitchFamily="49" charset="-128"/>
+                <a:ea typeface="MigMix 2M" panose="020B0509020203020207" pitchFamily="49" charset="-128"/>
+              </a:rPr>
+              <a:t>//</a:t>
+            </a:r>
+            <a:r>
+              <a:rPr lang="ja-JP" altLang="en-US" dirty="0">
+                <a:solidFill>
+                  <a:srgbClr val="33CC33"/>
+                </a:solidFill>
+                <a:latin typeface="MigMix 2M" panose="020B0509020203020207" pitchFamily="49" charset="-128"/>
+                <a:ea typeface="MigMix 2M" panose="020B0509020203020207" pitchFamily="49" charset="-128"/>
+              </a:rPr>
+              <a:t>ユーザーのキー入力</a:t>
+            </a:r>
+            <a:endParaRPr lang="en-US" dirty="0">
+              <a:solidFill>
+                <a:srgbClr val="33CC33"/>
+              </a:solidFill>
+              <a:latin typeface="MigMix 2M" panose="020B0509020203020207" pitchFamily="49" charset="-128"/>
+              <a:ea typeface="MigMix 2M" panose="020B0509020203020207" pitchFamily="49" charset="-128"/>
+            </a:endParaRPr>
+          </a:p>
+          <a:p>
+            <a:r>
+              <a:rPr lang="en-US" dirty="0">
+                <a:solidFill>
+                  <a:prstClr val="black"/>
+                </a:solidFill>
+                <a:latin typeface="MigMix 2M" panose="020B0509020203020207" pitchFamily="49" charset="-128"/>
+                <a:ea typeface="MigMix 2M" panose="020B0509020203020207" pitchFamily="49" charset="-128"/>
+              </a:rPr>
+              <a:t>  output [7:0] </a:t>
+            </a:r>
+            <a:r>
+              <a:rPr lang="en-US" dirty="0" err="1">
+                <a:solidFill>
+                  <a:prstClr val="black"/>
+                </a:solidFill>
+                <a:latin typeface="MigMix 2M" panose="020B0509020203020207" pitchFamily="49" charset="-128"/>
+                <a:ea typeface="MigMix 2M" panose="020B0509020203020207" pitchFamily="49" charset="-128"/>
+              </a:rPr>
+              <a:t>pattern_out</a:t>
+            </a:r>
+            <a:r>
+              <a:rPr lang="en-US" dirty="0">
+                <a:solidFill>
+                  <a:prstClr val="black"/>
+                </a:solidFill>
+                <a:latin typeface="MigMix 2M" panose="020B0509020203020207" pitchFamily="49" charset="-128"/>
+                <a:ea typeface="MigMix 2M" panose="020B0509020203020207" pitchFamily="49" charset="-128"/>
+              </a:rPr>
+              <a:t> </a:t>
+            </a:r>
+            <a:r>
+              <a:rPr lang="en-US" dirty="0">
+                <a:solidFill>
+                  <a:srgbClr val="33CC33"/>
+                </a:solidFill>
+                <a:latin typeface="MigMix 2M" panose="020B0509020203020207" pitchFamily="49" charset="-128"/>
+                <a:ea typeface="MigMix 2M" panose="020B0509020203020207" pitchFamily="49" charset="-128"/>
+              </a:rPr>
+              <a:t>//</a:t>
+            </a:r>
+            <a:r>
+              <a:rPr lang="ja-JP" altLang="en-US" dirty="0">
+                <a:solidFill>
+                  <a:srgbClr val="33CC33"/>
+                </a:solidFill>
+                <a:latin typeface="MigMix 2M" panose="020B0509020203020207" pitchFamily="49" charset="-128"/>
+                <a:ea typeface="MigMix 2M" panose="020B0509020203020207" pitchFamily="49" charset="-128"/>
+              </a:rPr>
+              <a:t>現在時刻のパターン</a:t>
+            </a:r>
+            <a:endParaRPr lang="en-US" dirty="0">
+              <a:solidFill>
+                <a:srgbClr val="33CC33"/>
+              </a:solidFill>
+              <a:latin typeface="MigMix 2M" panose="020B0509020203020207" pitchFamily="49" charset="-128"/>
+              <a:ea typeface="MigMix 2M" panose="020B0509020203020207" pitchFamily="49" charset="-128"/>
+            </a:endParaRPr>
+          </a:p>
+          <a:p>
+            <a:r>
+              <a:rPr lang="en-US" dirty="0">
+                <a:solidFill>
+                  <a:prstClr val="black"/>
+                </a:solidFill>
+                <a:latin typeface="MigMix 2M" panose="020B0509020203020207" pitchFamily="49" charset="-128"/>
+                <a:ea typeface="MigMix 2M" panose="020B0509020203020207" pitchFamily="49" charset="-128"/>
+              </a:rPr>
+              <a:t>);</a:t>
+            </a:r>
+          </a:p>
+          <a:p>
+            <a:r>
+              <a:rPr lang="en-US" dirty="0">
+                <a:solidFill>
+                  <a:prstClr val="black"/>
+                </a:solidFill>
+                <a:latin typeface="MigMix 2M" panose="020B0509020203020207" pitchFamily="49" charset="-128"/>
+                <a:ea typeface="MigMix 2M" panose="020B0509020203020207" pitchFamily="49" charset="-128"/>
+              </a:rPr>
+              <a:t>  </a:t>
+            </a:r>
+            <a:r>
+              <a:rPr lang="en-US" dirty="0" err="1">
+                <a:solidFill>
+                  <a:prstClr val="black"/>
+                </a:solidFill>
+                <a:latin typeface="MigMix 2M" panose="020B0509020203020207" pitchFamily="49" charset="-128"/>
+                <a:ea typeface="MigMix 2M" panose="020B0509020203020207" pitchFamily="49" charset="-128"/>
+              </a:rPr>
+              <a:t>reg</a:t>
+            </a:r>
+            <a:r>
+              <a:rPr lang="en-US" dirty="0">
+                <a:solidFill>
+                  <a:prstClr val="black"/>
+                </a:solidFill>
+                <a:latin typeface="MigMix 2M" panose="020B0509020203020207" pitchFamily="49" charset="-128"/>
+                <a:ea typeface="MigMix 2M" panose="020B0509020203020207" pitchFamily="49" charset="-128"/>
+              </a:rPr>
+              <a:t> [7:0] patterns [1023:0]; </a:t>
+            </a:r>
+          </a:p>
+          <a:p>
+            <a:r>
+              <a:rPr lang="ja-JP" altLang="en-US" dirty="0">
+                <a:solidFill>
+                  <a:prstClr val="black"/>
+                </a:solidFill>
+                <a:latin typeface="MigMix 2M" panose="020B0509020203020207" pitchFamily="49" charset="-128"/>
+                <a:ea typeface="MigMix 2M" panose="020B0509020203020207" pitchFamily="49" charset="-128"/>
+              </a:rPr>
+              <a:t>　　　　　　</a:t>
+            </a:r>
+            <a:r>
+              <a:rPr lang="en-US" dirty="0">
+                <a:solidFill>
+                  <a:srgbClr val="33CC33"/>
+                </a:solidFill>
+                <a:latin typeface="MigMix 2M" panose="020B0509020203020207" pitchFamily="49" charset="-128"/>
+                <a:ea typeface="MigMix 2M" panose="020B0509020203020207" pitchFamily="49" charset="-128"/>
+              </a:rPr>
+              <a:t>//pattern[</a:t>
+            </a:r>
+            <a:r>
+              <a:rPr lang="ja-JP" altLang="en-US" dirty="0">
+                <a:solidFill>
+                  <a:srgbClr val="33CC33"/>
+                </a:solidFill>
+                <a:latin typeface="MigMix 2M" panose="020B0509020203020207" pitchFamily="49" charset="-128"/>
+                <a:ea typeface="MigMix 2M" panose="020B0509020203020207" pitchFamily="49" charset="-128"/>
+              </a:rPr>
+              <a:t>時刻</a:t>
+            </a:r>
+            <a:r>
+              <a:rPr lang="en-US" altLang="ja-JP" dirty="0">
+                <a:solidFill>
+                  <a:srgbClr val="33CC33"/>
+                </a:solidFill>
+                <a:latin typeface="MigMix 2M" panose="020B0509020203020207" pitchFamily="49" charset="-128"/>
+                <a:ea typeface="MigMix 2M" panose="020B0509020203020207" pitchFamily="49" charset="-128"/>
+              </a:rPr>
+              <a:t>] </a:t>
+            </a:r>
+            <a:r>
+              <a:rPr lang="ja-JP" altLang="en-US" dirty="0">
+                <a:solidFill>
+                  <a:srgbClr val="33CC33"/>
+                </a:solidFill>
+                <a:latin typeface="MigMix 2M" panose="020B0509020203020207" pitchFamily="49" charset="-128"/>
+                <a:ea typeface="MigMix 2M" panose="020B0509020203020207" pitchFamily="49" charset="-128"/>
+              </a:rPr>
+              <a:t>で、その時刻のパターンを取り出す</a:t>
+            </a:r>
+            <a:endParaRPr lang="en-US" dirty="0">
+              <a:solidFill>
+                <a:srgbClr val="33CC33"/>
+              </a:solidFill>
+              <a:latin typeface="MigMix 2M" panose="020B0509020203020207" pitchFamily="49" charset="-128"/>
+              <a:ea typeface="MigMix 2M" panose="020B0509020203020207" pitchFamily="49" charset="-128"/>
+            </a:endParaRPr>
+          </a:p>
+          <a:p>
+            <a:endParaRPr lang="en-US" dirty="0">
+              <a:solidFill>
+                <a:prstClr val="black"/>
+              </a:solidFill>
+              <a:latin typeface="MigMix 2M" panose="020B0509020203020207" pitchFamily="49" charset="-128"/>
+              <a:ea typeface="MigMix 2M" panose="020B0509020203020207" pitchFamily="49" charset="-128"/>
+            </a:endParaRPr>
+          </a:p>
+          <a:p>
+            <a:r>
+              <a:rPr lang="en-US" dirty="0">
+                <a:solidFill>
+                  <a:prstClr val="black"/>
+                </a:solidFill>
+                <a:latin typeface="MigMix 2M" panose="020B0509020203020207" pitchFamily="49" charset="-128"/>
+                <a:ea typeface="MigMix 2M" panose="020B0509020203020207" pitchFamily="49" charset="-128"/>
+              </a:rPr>
+              <a:t>  always @ (</a:t>
+            </a:r>
+            <a:r>
+              <a:rPr lang="en-US" dirty="0" err="1">
+                <a:solidFill>
+                  <a:prstClr val="black"/>
+                </a:solidFill>
+                <a:latin typeface="MigMix 2M" panose="020B0509020203020207" pitchFamily="49" charset="-128"/>
+                <a:ea typeface="MigMix 2M" panose="020B0509020203020207" pitchFamily="49" charset="-128"/>
+              </a:rPr>
+              <a:t>posedge</a:t>
+            </a:r>
+            <a:r>
+              <a:rPr lang="en-US" dirty="0">
+                <a:solidFill>
+                  <a:prstClr val="black"/>
+                </a:solidFill>
+                <a:latin typeface="MigMix 2M" panose="020B0509020203020207" pitchFamily="49" charset="-128"/>
+                <a:ea typeface="MigMix 2M" panose="020B0509020203020207" pitchFamily="49" charset="-128"/>
+              </a:rPr>
+              <a:t> CLOCK50M) begin</a:t>
+            </a:r>
+          </a:p>
+          <a:p>
+            <a:r>
+              <a:rPr lang="en-US" dirty="0">
+                <a:solidFill>
+                  <a:prstClr val="black"/>
+                </a:solidFill>
+                <a:latin typeface="MigMix 2M" panose="020B0509020203020207" pitchFamily="49" charset="-128"/>
+                <a:ea typeface="MigMix 2M" panose="020B0509020203020207" pitchFamily="49" charset="-128"/>
+              </a:rPr>
+              <a:t>    if(write) begin</a:t>
+            </a:r>
+          </a:p>
+          <a:p>
+            <a:r>
+              <a:rPr lang="en-US" dirty="0">
+                <a:solidFill>
+                  <a:prstClr val="black"/>
+                </a:solidFill>
+                <a:latin typeface="MigMix 2M" panose="020B0509020203020207" pitchFamily="49" charset="-128"/>
+                <a:ea typeface="MigMix 2M" panose="020B0509020203020207" pitchFamily="49" charset="-128"/>
+              </a:rPr>
+              <a:t>      patterns[</a:t>
+            </a:r>
+            <a:r>
+              <a:rPr lang="en-US" dirty="0" err="1">
+                <a:solidFill>
+                  <a:prstClr val="black"/>
+                </a:solidFill>
+                <a:latin typeface="MigMix 2M" panose="020B0509020203020207" pitchFamily="49" charset="-128"/>
+                <a:ea typeface="MigMix 2M" panose="020B0509020203020207" pitchFamily="49" charset="-128"/>
+              </a:rPr>
+              <a:t>pattern_timestamp</a:t>
+            </a:r>
+            <a:r>
+              <a:rPr lang="en-US" dirty="0">
+                <a:solidFill>
+                  <a:prstClr val="black"/>
+                </a:solidFill>
+                <a:latin typeface="MigMix 2M" panose="020B0509020203020207" pitchFamily="49" charset="-128"/>
+                <a:ea typeface="MigMix 2M" panose="020B0509020203020207" pitchFamily="49" charset="-128"/>
+              </a:rPr>
+              <a:t>[17:8]] &lt;= </a:t>
+            </a:r>
+            <a:r>
+              <a:rPr lang="en-US" dirty="0" err="1">
+                <a:solidFill>
+                  <a:prstClr val="black"/>
+                </a:solidFill>
+                <a:latin typeface="MigMix 2M" panose="020B0509020203020207" pitchFamily="49" charset="-128"/>
+                <a:ea typeface="MigMix 2M" panose="020B0509020203020207" pitchFamily="49" charset="-128"/>
+              </a:rPr>
+              <a:t>pattern_timestamp</a:t>
+            </a:r>
+            <a:r>
+              <a:rPr lang="en-US" dirty="0">
+                <a:solidFill>
+                  <a:prstClr val="black"/>
+                </a:solidFill>
+                <a:latin typeface="MigMix 2M" panose="020B0509020203020207" pitchFamily="49" charset="-128"/>
+                <a:ea typeface="MigMix 2M" panose="020B0509020203020207" pitchFamily="49" charset="-128"/>
+              </a:rPr>
+              <a:t>[7:0];</a:t>
+            </a:r>
+          </a:p>
+          <a:p>
+            <a:r>
+              <a:rPr lang="en-US" dirty="0">
+                <a:solidFill>
+                  <a:prstClr val="black"/>
+                </a:solidFill>
+                <a:latin typeface="MigMix 2M" panose="020B0509020203020207" pitchFamily="49" charset="-128"/>
+                <a:ea typeface="MigMix 2M" panose="020B0509020203020207" pitchFamily="49" charset="-128"/>
+              </a:rPr>
+              <a:t>    end</a:t>
+            </a:r>
+          </a:p>
+          <a:p>
+            <a:r>
+              <a:rPr lang="en-US" dirty="0">
+                <a:solidFill>
+                  <a:prstClr val="black"/>
+                </a:solidFill>
+                <a:latin typeface="MigMix 2M" panose="020B0509020203020207" pitchFamily="49" charset="-128"/>
+                <a:ea typeface="MigMix 2M" panose="020B0509020203020207" pitchFamily="49" charset="-128"/>
+              </a:rPr>
+              <a:t>  end</a:t>
+            </a:r>
+          </a:p>
+          <a:p>
+            <a:endParaRPr lang="en-US" dirty="0">
+              <a:solidFill>
+                <a:prstClr val="black"/>
+              </a:solidFill>
+              <a:latin typeface="MigMix 2M" panose="020B0509020203020207" pitchFamily="49" charset="-128"/>
+              <a:ea typeface="MigMix 2M" panose="020B0509020203020207" pitchFamily="49" charset="-128"/>
+            </a:endParaRPr>
+          </a:p>
+          <a:p>
+            <a:r>
+              <a:rPr lang="en-US" dirty="0">
+                <a:solidFill>
+                  <a:prstClr val="black"/>
+                </a:solidFill>
+                <a:latin typeface="MigMix 2M" panose="020B0509020203020207" pitchFamily="49" charset="-128"/>
+                <a:ea typeface="MigMix 2M" panose="020B0509020203020207" pitchFamily="49" charset="-128"/>
+              </a:rPr>
+              <a:t>  assign </a:t>
+            </a:r>
+            <a:r>
+              <a:rPr lang="en-US" dirty="0" err="1">
+                <a:solidFill>
+                  <a:prstClr val="black"/>
+                </a:solidFill>
+                <a:latin typeface="MigMix 2M" panose="020B0509020203020207" pitchFamily="49" charset="-128"/>
+                <a:ea typeface="MigMix 2M" panose="020B0509020203020207" pitchFamily="49" charset="-128"/>
+              </a:rPr>
+              <a:t>pattern_out</a:t>
+            </a:r>
+            <a:r>
+              <a:rPr lang="en-US" dirty="0">
+                <a:solidFill>
+                  <a:prstClr val="black"/>
+                </a:solidFill>
+                <a:latin typeface="MigMix 2M" panose="020B0509020203020207" pitchFamily="49" charset="-128"/>
+                <a:ea typeface="MigMix 2M" panose="020B0509020203020207" pitchFamily="49" charset="-128"/>
+              </a:rPr>
+              <a:t> = patterns[</a:t>
+            </a:r>
+            <a:r>
+              <a:rPr lang="en-US" dirty="0" err="1">
+                <a:solidFill>
+                  <a:prstClr val="black"/>
+                </a:solidFill>
+                <a:latin typeface="MigMix 2M" panose="020B0509020203020207" pitchFamily="49" charset="-128"/>
+                <a:ea typeface="MigMix 2M" panose="020B0509020203020207" pitchFamily="49" charset="-128"/>
+              </a:rPr>
+              <a:t>game_timer</a:t>
+            </a:r>
+            <a:r>
+              <a:rPr lang="en-US" dirty="0">
+                <a:solidFill>
+                  <a:prstClr val="black"/>
+                </a:solidFill>
+                <a:latin typeface="MigMix 2M" panose="020B0509020203020207" pitchFamily="49" charset="-128"/>
+                <a:ea typeface="MigMix 2M" panose="020B0509020203020207" pitchFamily="49" charset="-128"/>
+              </a:rPr>
+              <a:t>[9:0]];</a:t>
+            </a:r>
+          </a:p>
+          <a:p>
+            <a:r>
+              <a:rPr lang="en-US" dirty="0" err="1">
+                <a:solidFill>
+                  <a:prstClr val="black"/>
+                </a:solidFill>
+                <a:latin typeface="MigMix 2M" panose="020B0509020203020207" pitchFamily="49" charset="-128"/>
+                <a:ea typeface="MigMix 2M" panose="020B0509020203020207" pitchFamily="49" charset="-128"/>
+              </a:rPr>
+              <a:t>endmodule</a:t>
+            </a:r>
+            <a:endParaRPr lang="en-US" dirty="0">
+              <a:latin typeface="MigMix 2M" panose="020B0509020203020207" pitchFamily="49" charset="-128"/>
+              <a:ea typeface="MigMix 2M" panose="020B0509020203020207" pitchFamily="49" charset="-128"/>
+            </a:endParaRPr>
           </a:p>
         </p:txBody>
       </p:sp>
     </p:spTree>
     <p:extLst>
       <p:ext uri="{BB962C8B-B14F-4D97-AF65-F5344CB8AC3E}">
-        <p14:creationId xmlns:p14="http://schemas.microsoft.com/office/powerpoint/2010/main" val="4125491544"/>
+        <p14:creationId xmlns:p14="http://schemas.microsoft.com/office/powerpoint/2010/main" val="1335561070"/>
       </p:ext>
     </p:extLst>
   </p:cSld>
@@ -7540,7 +7951,7 @@
           <p:cNvPr id="2" name="タイトル 1">
             <a:extLst>
               <a:ext uri="{FF2B5EF4-FFF2-40B4-BE49-F238E27FC236}">
-                <a16:creationId xmlns:a16="http://schemas.microsoft.com/office/drawing/2014/main" id="{8D184852-E06A-47B3-A427-25E221C6E556}"/>
+                <a16:creationId xmlns:a16="http://schemas.microsoft.com/office/drawing/2014/main" id="{A83130C4-5E85-4DE0-B539-B66467EEAF6D}"/>
               </a:ext>
             </a:extLst>
           </p:cNvPr>
@@ -7557,8 +7968,937 @@
           <a:lstStyle/>
           <a:p>
             <a:r>
+              <a:rPr lang="en-US" dirty="0" err="1"/>
+              <a:t>score_calculator.v</a:t>
+            </a:r>
+            <a:r>
+              <a:rPr lang="en-US" dirty="0"/>
+              <a:t> (always</a:t>
+            </a:r>
+            <a:r>
               <a:rPr lang="ja-JP" altLang="en-US" dirty="0"/>
-              <a:t>その他</a:t>
+              <a:t>を抜粋</a:t>
+            </a:r>
+            <a:r>
+              <a:rPr lang="en-US" dirty="0"/>
+              <a:t>)</a:t>
+            </a:r>
+          </a:p>
+        </p:txBody>
+      </p:sp>
+      <p:sp>
+        <p:nvSpPr>
+          <p:cNvPr id="6" name="正方形/長方形 5">
+            <a:extLst>
+              <a:ext uri="{FF2B5EF4-FFF2-40B4-BE49-F238E27FC236}">
+                <a16:creationId xmlns:a16="http://schemas.microsoft.com/office/drawing/2014/main" id="{D5E1FF25-26D4-48CE-973D-69932EF78AB8}"/>
+              </a:ext>
+            </a:extLst>
+          </p:cNvPr>
+          <p:cNvSpPr/>
+          <p:nvPr/>
+        </p:nvSpPr>
+        <p:spPr>
+          <a:xfrm>
+            <a:off x="429775" y="1395065"/>
+            <a:ext cx="8291593" cy="5262979"/>
+          </a:xfrm>
+          <a:prstGeom prst="rect">
+            <a:avLst/>
+          </a:prstGeom>
+        </p:spPr>
+        <p:style>
+          <a:lnRef idx="2">
+            <a:schemeClr val="dk1"/>
+          </a:lnRef>
+          <a:fillRef idx="1">
+            <a:schemeClr val="lt1"/>
+          </a:fillRef>
+          <a:effectRef idx="0">
+            <a:schemeClr val="dk1"/>
+          </a:effectRef>
+          <a:fontRef idx="minor">
+            <a:schemeClr val="dk1"/>
+          </a:fontRef>
+        </p:style>
+        <p:txBody>
+          <a:bodyPr wrap="square">
+            <a:spAutoFit/>
+          </a:bodyPr>
+          <a:lstStyle/>
+          <a:p>
+            <a:r>
+              <a:rPr lang="en-US" sz="1600" dirty="0">
+                <a:solidFill>
+                  <a:srgbClr val="33CC33"/>
+                </a:solidFill>
+                <a:latin typeface="MigMix 2M" panose="020B0509020203020207" pitchFamily="49" charset="-128"/>
+                <a:ea typeface="MigMix 2M" panose="020B0509020203020207" pitchFamily="49" charset="-128"/>
+              </a:rPr>
+              <a:t>// </a:t>
+            </a:r>
+            <a:r>
+              <a:rPr lang="ja-JP" altLang="en-US" sz="1600" dirty="0">
+                <a:solidFill>
+                  <a:srgbClr val="33CC33"/>
+                </a:solidFill>
+                <a:latin typeface="MigMix 2M" panose="020B0509020203020207" pitchFamily="49" charset="-128"/>
+                <a:ea typeface="MigMix 2M" panose="020B0509020203020207" pitchFamily="49" charset="-128"/>
+              </a:rPr>
+              <a:t>入力</a:t>
+            </a:r>
+            <a:r>
+              <a:rPr lang="en-US" altLang="ja-JP" sz="1600" dirty="0">
+                <a:solidFill>
+                  <a:srgbClr val="33CC33"/>
+                </a:solidFill>
+                <a:latin typeface="MigMix 2M" panose="020B0509020203020207" pitchFamily="49" charset="-128"/>
+                <a:ea typeface="MigMix 2M" panose="020B0509020203020207" pitchFamily="49" charset="-128"/>
+              </a:rPr>
+              <a:t>: </a:t>
+            </a:r>
+            <a:r>
+              <a:rPr lang="ja-JP" altLang="en-US" sz="1600" dirty="0">
+                <a:solidFill>
+                  <a:srgbClr val="33CC33"/>
+                </a:solidFill>
+                <a:latin typeface="MigMix 2M" panose="020B0509020203020207" pitchFamily="49" charset="-128"/>
+                <a:ea typeface="MigMix 2M" panose="020B0509020203020207" pitchFamily="49" charset="-128"/>
+              </a:rPr>
+              <a:t>キー入力</a:t>
+            </a:r>
+            <a:r>
+              <a:rPr lang="en-US" altLang="ja-JP" sz="1600" dirty="0">
+                <a:solidFill>
+                  <a:srgbClr val="33CC33"/>
+                </a:solidFill>
+                <a:latin typeface="MigMix 2M" panose="020B0509020203020207" pitchFamily="49" charset="-128"/>
+                <a:ea typeface="MigMix 2M" panose="020B0509020203020207" pitchFamily="49" charset="-128"/>
+              </a:rPr>
+              <a:t>, </a:t>
+            </a:r>
+            <a:r>
+              <a:rPr lang="ja-JP" altLang="en-US" sz="1600" dirty="0">
+                <a:solidFill>
+                  <a:srgbClr val="33CC33"/>
+                </a:solidFill>
+                <a:latin typeface="MigMix 2M" panose="020B0509020203020207" pitchFamily="49" charset="-128"/>
+                <a:ea typeface="MigMix 2M" panose="020B0509020203020207" pitchFamily="49" charset="-128"/>
+              </a:rPr>
+              <a:t>パターン等</a:t>
+            </a:r>
+            <a:endParaRPr lang="en-US" altLang="ja-JP" sz="1600" dirty="0">
+              <a:solidFill>
+                <a:srgbClr val="33CC33"/>
+              </a:solidFill>
+              <a:latin typeface="MigMix 2M" panose="020B0509020203020207" pitchFamily="49" charset="-128"/>
+              <a:ea typeface="MigMix 2M" panose="020B0509020203020207" pitchFamily="49" charset="-128"/>
+            </a:endParaRPr>
+          </a:p>
+          <a:p>
+            <a:r>
+              <a:rPr lang="en-US" sz="1600" dirty="0">
+                <a:solidFill>
+                  <a:srgbClr val="33CC33"/>
+                </a:solidFill>
+                <a:latin typeface="MigMix 2M" panose="020B0509020203020207" pitchFamily="49" charset="-128"/>
+                <a:ea typeface="MigMix 2M" panose="020B0509020203020207" pitchFamily="49" charset="-128"/>
+              </a:rPr>
+              <a:t>// </a:t>
+            </a:r>
+            <a:r>
+              <a:rPr lang="ja-JP" altLang="en-US" sz="1600" dirty="0">
+                <a:solidFill>
+                  <a:srgbClr val="33CC33"/>
+                </a:solidFill>
+                <a:latin typeface="MigMix 2M" panose="020B0509020203020207" pitchFamily="49" charset="-128"/>
+                <a:ea typeface="MigMix 2M" panose="020B0509020203020207" pitchFamily="49" charset="-128"/>
+              </a:rPr>
+              <a:t>出力</a:t>
+            </a:r>
+            <a:r>
+              <a:rPr lang="en-US" altLang="ja-JP" sz="1600" dirty="0">
+                <a:solidFill>
+                  <a:srgbClr val="33CC33"/>
+                </a:solidFill>
+                <a:latin typeface="MigMix 2M" panose="020B0509020203020207" pitchFamily="49" charset="-128"/>
+                <a:ea typeface="MigMix 2M" panose="020B0509020203020207" pitchFamily="49" charset="-128"/>
+              </a:rPr>
+              <a:t>: </a:t>
+            </a:r>
+            <a:r>
+              <a:rPr lang="ja-JP" altLang="en-US" sz="1600" dirty="0">
+                <a:solidFill>
+                  <a:srgbClr val="33CC33"/>
+                </a:solidFill>
+                <a:latin typeface="MigMix 2M" panose="020B0509020203020207" pitchFamily="49" charset="-128"/>
+                <a:ea typeface="MigMix 2M" panose="020B0509020203020207" pitchFamily="49" charset="-128"/>
+              </a:rPr>
+              <a:t>グローバルスコア</a:t>
+            </a:r>
+            <a:r>
+              <a:rPr lang="en-US" altLang="ja-JP" sz="1600" dirty="0">
+                <a:solidFill>
+                  <a:srgbClr val="33CC33"/>
+                </a:solidFill>
+                <a:latin typeface="MigMix 2M" panose="020B0509020203020207" pitchFamily="49" charset="-128"/>
+                <a:ea typeface="MigMix 2M" panose="020B0509020203020207" pitchFamily="49" charset="-128"/>
+              </a:rPr>
+              <a:t>, </a:t>
+            </a:r>
+            <a:r>
+              <a:rPr lang="ja-JP" altLang="en-US" sz="1600" dirty="0">
+                <a:solidFill>
+                  <a:srgbClr val="33CC33"/>
+                </a:solidFill>
+                <a:latin typeface="MigMix 2M" panose="020B0509020203020207" pitchFamily="49" charset="-128"/>
+                <a:ea typeface="MigMix 2M" panose="020B0509020203020207" pitchFamily="49" charset="-128"/>
+              </a:rPr>
+              <a:t>出力</a:t>
+            </a:r>
+            <a:r>
+              <a:rPr lang="en-US" altLang="ja-JP" sz="1600" dirty="0">
+                <a:solidFill>
+                  <a:srgbClr val="33CC33"/>
+                </a:solidFill>
+                <a:latin typeface="MigMix 2M" panose="020B0509020203020207" pitchFamily="49" charset="-128"/>
+                <a:ea typeface="MigMix 2M" panose="020B0509020203020207" pitchFamily="49" charset="-128"/>
+              </a:rPr>
+              <a:t>LED</a:t>
+            </a:r>
+            <a:r>
+              <a:rPr lang="ja-JP" altLang="en-US" sz="1600" dirty="0">
+                <a:solidFill>
+                  <a:srgbClr val="33CC33"/>
+                </a:solidFill>
+                <a:latin typeface="MigMix 2M" panose="020B0509020203020207" pitchFamily="49" charset="-128"/>
+                <a:ea typeface="MigMix 2M" panose="020B0509020203020207" pitchFamily="49" charset="-128"/>
+              </a:rPr>
+              <a:t>パターン</a:t>
+            </a:r>
+            <a:endParaRPr lang="en-US" altLang="ja-JP" sz="1600" dirty="0">
+              <a:solidFill>
+                <a:srgbClr val="33CC33"/>
+              </a:solidFill>
+              <a:latin typeface="MigMix 2M" panose="020B0509020203020207" pitchFamily="49" charset="-128"/>
+              <a:ea typeface="MigMix 2M" panose="020B0509020203020207" pitchFamily="49" charset="-128"/>
+            </a:endParaRPr>
+          </a:p>
+          <a:p>
+            <a:r>
+              <a:rPr lang="en-US" sz="1600" dirty="0">
+                <a:solidFill>
+                  <a:srgbClr val="33CC33"/>
+                </a:solidFill>
+                <a:latin typeface="MigMix 2M" panose="020B0509020203020207" pitchFamily="49" charset="-128"/>
+                <a:ea typeface="MigMix 2M" panose="020B0509020203020207" pitchFamily="49" charset="-128"/>
+              </a:rPr>
+              <a:t>// </a:t>
+            </a:r>
+            <a:r>
+              <a:rPr lang="ja-JP" altLang="en-US" sz="1600" dirty="0">
+                <a:solidFill>
+                  <a:srgbClr val="33CC33"/>
+                </a:solidFill>
+                <a:latin typeface="MigMix 2M" panose="020B0509020203020207" pitchFamily="49" charset="-128"/>
+                <a:ea typeface="MigMix 2M" panose="020B0509020203020207" pitchFamily="49" charset="-128"/>
+              </a:rPr>
+              <a:t>レジスタ</a:t>
+            </a:r>
+            <a:r>
+              <a:rPr lang="en-US" altLang="ja-JP" sz="1600" dirty="0">
+                <a:solidFill>
+                  <a:srgbClr val="33CC33"/>
+                </a:solidFill>
+                <a:latin typeface="MigMix 2M" panose="020B0509020203020207" pitchFamily="49" charset="-128"/>
+                <a:ea typeface="MigMix 2M" panose="020B0509020203020207" pitchFamily="49" charset="-128"/>
+              </a:rPr>
+              <a:t>: </a:t>
+            </a:r>
+            <a:r>
+              <a:rPr lang="ja-JP" altLang="en-US" sz="1600" dirty="0">
+                <a:solidFill>
+                  <a:srgbClr val="33CC33"/>
+                </a:solidFill>
+                <a:latin typeface="MigMix 2M" panose="020B0509020203020207" pitchFamily="49" charset="-128"/>
+                <a:ea typeface="MigMix 2M" panose="020B0509020203020207" pitchFamily="49" charset="-128"/>
+              </a:rPr>
+              <a:t>グローバルスコア</a:t>
+            </a:r>
+            <a:r>
+              <a:rPr lang="en-US" altLang="ja-JP" sz="1600" dirty="0">
+                <a:solidFill>
+                  <a:srgbClr val="33CC33"/>
+                </a:solidFill>
+                <a:latin typeface="MigMix 2M" panose="020B0509020203020207" pitchFamily="49" charset="-128"/>
+                <a:ea typeface="MigMix 2M" panose="020B0509020203020207" pitchFamily="49" charset="-128"/>
+              </a:rPr>
+              <a:t>(</a:t>
+            </a:r>
+            <a:r>
+              <a:rPr lang="ja-JP" altLang="en-US" sz="1600" dirty="0">
+                <a:solidFill>
+                  <a:srgbClr val="33CC33"/>
+                </a:solidFill>
+                <a:latin typeface="MigMix 2M" panose="020B0509020203020207" pitchFamily="49" charset="-128"/>
+                <a:ea typeface="MigMix 2M" panose="020B0509020203020207" pitchFamily="49" charset="-128"/>
+              </a:rPr>
+              <a:t>累積</a:t>
+            </a:r>
+            <a:r>
+              <a:rPr lang="en-US" altLang="ja-JP" sz="1600" dirty="0">
+                <a:solidFill>
+                  <a:srgbClr val="33CC33"/>
+                </a:solidFill>
+                <a:latin typeface="MigMix 2M" panose="020B0509020203020207" pitchFamily="49" charset="-128"/>
+                <a:ea typeface="MigMix 2M" panose="020B0509020203020207" pitchFamily="49" charset="-128"/>
+              </a:rPr>
+              <a:t>), </a:t>
+            </a:r>
+            <a:r>
+              <a:rPr lang="ja-JP" altLang="en-US" sz="1600" dirty="0">
+                <a:solidFill>
+                  <a:srgbClr val="33CC33"/>
+                </a:solidFill>
+                <a:latin typeface="MigMix 2M" panose="020B0509020203020207" pitchFamily="49" charset="-128"/>
+                <a:ea typeface="MigMix 2M" panose="020B0509020203020207" pitchFamily="49" charset="-128"/>
+              </a:rPr>
+              <a:t>現在パターンのスコア</a:t>
+            </a:r>
+            <a:r>
+              <a:rPr lang="en-US" altLang="ja-JP" sz="1600" dirty="0">
+                <a:solidFill>
+                  <a:srgbClr val="33CC33"/>
+                </a:solidFill>
+                <a:latin typeface="MigMix 2M" panose="020B0509020203020207" pitchFamily="49" charset="-128"/>
+                <a:ea typeface="MigMix 2M" panose="020B0509020203020207" pitchFamily="49" charset="-128"/>
+              </a:rPr>
+              <a:t>,</a:t>
+            </a:r>
+            <a:r>
+              <a:rPr lang="ja-JP" altLang="en-US" sz="1600" dirty="0">
+                <a:solidFill>
+                  <a:srgbClr val="33CC33"/>
+                </a:solidFill>
+                <a:latin typeface="MigMix 2M" panose="020B0509020203020207" pitchFamily="49" charset="-128"/>
+                <a:ea typeface="MigMix 2M" panose="020B0509020203020207" pitchFamily="49" charset="-128"/>
+              </a:rPr>
+              <a:t> 現在パターン</a:t>
+            </a:r>
+            <a:r>
+              <a:rPr lang="en-US" altLang="ja-JP" sz="1600" dirty="0">
+                <a:solidFill>
+                  <a:srgbClr val="33CC33"/>
+                </a:solidFill>
+                <a:latin typeface="MigMix 2M" panose="020B0509020203020207" pitchFamily="49" charset="-128"/>
+                <a:ea typeface="MigMix 2M" panose="020B0509020203020207" pitchFamily="49" charset="-128"/>
+              </a:rPr>
+              <a:t> </a:t>
+            </a:r>
+            <a:endParaRPr lang="en-US" sz="1600" dirty="0">
+              <a:solidFill>
+                <a:srgbClr val="33CC33"/>
+              </a:solidFill>
+              <a:latin typeface="MigMix 2M" panose="020B0509020203020207" pitchFamily="49" charset="-128"/>
+              <a:ea typeface="MigMix 2M" panose="020B0509020203020207" pitchFamily="49" charset="-128"/>
+            </a:endParaRPr>
+          </a:p>
+          <a:p>
+            <a:r>
+              <a:rPr lang="en-US" sz="1600" dirty="0">
+                <a:latin typeface="MigMix 2M" panose="020B0509020203020207" pitchFamily="49" charset="-128"/>
+                <a:ea typeface="MigMix 2M" panose="020B0509020203020207" pitchFamily="49" charset="-128"/>
+              </a:rPr>
+              <a:t>always @ (</a:t>
+            </a:r>
+            <a:r>
+              <a:rPr lang="en-US" sz="1600" dirty="0" err="1">
+                <a:latin typeface="MigMix 2M" panose="020B0509020203020207" pitchFamily="49" charset="-128"/>
+                <a:ea typeface="MigMix 2M" panose="020B0509020203020207" pitchFamily="49" charset="-128"/>
+              </a:rPr>
+              <a:t>posedge</a:t>
+            </a:r>
+            <a:r>
+              <a:rPr lang="en-US" sz="1600" dirty="0">
+                <a:latin typeface="MigMix 2M" panose="020B0509020203020207" pitchFamily="49" charset="-128"/>
+                <a:ea typeface="MigMix 2M" panose="020B0509020203020207" pitchFamily="49" charset="-128"/>
+              </a:rPr>
+              <a:t> CLOCK50M, </a:t>
+            </a:r>
+            <a:r>
+              <a:rPr lang="en-US" sz="1600" dirty="0" err="1">
+                <a:latin typeface="MigMix 2M" panose="020B0509020203020207" pitchFamily="49" charset="-128"/>
+                <a:ea typeface="MigMix 2M" panose="020B0509020203020207" pitchFamily="49" charset="-128"/>
+              </a:rPr>
+              <a:t>posedge</a:t>
+            </a:r>
+            <a:r>
+              <a:rPr lang="en-US" sz="1600" dirty="0">
+                <a:latin typeface="MigMix 2M" panose="020B0509020203020207" pitchFamily="49" charset="-128"/>
+                <a:ea typeface="MigMix 2M" panose="020B0509020203020207" pitchFamily="49" charset="-128"/>
+              </a:rPr>
+              <a:t> reset, </a:t>
+            </a:r>
+            <a:r>
+              <a:rPr lang="en-US" sz="1600" dirty="0" err="1">
+                <a:latin typeface="MigMix 2M" panose="020B0509020203020207" pitchFamily="49" charset="-128"/>
+                <a:ea typeface="MigMix 2M" panose="020B0509020203020207" pitchFamily="49" charset="-128"/>
+              </a:rPr>
+              <a:t>posedge</a:t>
+            </a:r>
+            <a:r>
+              <a:rPr lang="en-US" sz="1600" dirty="0">
+                <a:latin typeface="MigMix 2M" panose="020B0509020203020207" pitchFamily="49" charset="-128"/>
+                <a:ea typeface="MigMix 2M" panose="020B0509020203020207" pitchFamily="49" charset="-128"/>
+              </a:rPr>
+              <a:t> </a:t>
+            </a:r>
+            <a:r>
+              <a:rPr lang="en-US" sz="1600" dirty="0" err="1">
+                <a:latin typeface="MigMix 2M" panose="020B0509020203020207" pitchFamily="49" charset="-128"/>
+                <a:ea typeface="MigMix 2M" panose="020B0509020203020207" pitchFamily="49" charset="-128"/>
+              </a:rPr>
+              <a:t>game_clk</a:t>
+            </a:r>
+            <a:r>
+              <a:rPr lang="en-US" sz="1600" dirty="0">
+                <a:latin typeface="MigMix 2M" panose="020B0509020203020207" pitchFamily="49" charset="-128"/>
+                <a:ea typeface="MigMix 2M" panose="020B0509020203020207" pitchFamily="49" charset="-128"/>
+              </a:rPr>
+              <a:t>) begin</a:t>
+            </a:r>
+          </a:p>
+          <a:p>
+            <a:r>
+              <a:rPr lang="en-US" sz="1600" dirty="0">
+                <a:latin typeface="MigMix 2M" panose="020B0509020203020207" pitchFamily="49" charset="-128"/>
+                <a:ea typeface="MigMix 2M" panose="020B0509020203020207" pitchFamily="49" charset="-128"/>
+              </a:rPr>
+              <a:t>    if (reset) begin</a:t>
+            </a:r>
+          </a:p>
+          <a:p>
+            <a:r>
+              <a:rPr lang="en-US" sz="1600" dirty="0">
+                <a:latin typeface="MigMix 2M" panose="020B0509020203020207" pitchFamily="49" charset="-128"/>
+                <a:ea typeface="MigMix 2M" panose="020B0509020203020207" pitchFamily="49" charset="-128"/>
+              </a:rPr>
+              <a:t>      </a:t>
+            </a:r>
+            <a:r>
+              <a:rPr lang="en-US" sz="1600" dirty="0">
+                <a:solidFill>
+                  <a:srgbClr val="33CC33"/>
+                </a:solidFill>
+                <a:latin typeface="MigMix 2M" panose="020B0509020203020207" pitchFamily="49" charset="-128"/>
+                <a:ea typeface="MigMix 2M" panose="020B0509020203020207" pitchFamily="49" charset="-128"/>
+              </a:rPr>
+              <a:t>//</a:t>
+            </a:r>
+            <a:r>
+              <a:rPr lang="ja-JP" altLang="en-US" sz="1600" dirty="0">
+                <a:solidFill>
+                  <a:srgbClr val="33CC33"/>
+                </a:solidFill>
+                <a:latin typeface="MigMix 2M" panose="020B0509020203020207" pitchFamily="49" charset="-128"/>
+                <a:ea typeface="MigMix 2M" panose="020B0509020203020207" pitchFamily="49" charset="-128"/>
+              </a:rPr>
+              <a:t>初期化</a:t>
+            </a:r>
+            <a:r>
+              <a:rPr lang="en-US" altLang="ja-JP" sz="1600" dirty="0">
+                <a:solidFill>
+                  <a:srgbClr val="33CC33"/>
+                </a:solidFill>
+                <a:latin typeface="MigMix 2M" panose="020B0509020203020207" pitchFamily="49" charset="-128"/>
+                <a:ea typeface="MigMix 2M" panose="020B0509020203020207" pitchFamily="49" charset="-128"/>
+              </a:rPr>
+              <a:t>(</a:t>
+            </a:r>
+            <a:r>
+              <a:rPr lang="ja-JP" altLang="en-US" sz="1600" dirty="0">
+                <a:solidFill>
+                  <a:srgbClr val="33CC33"/>
+                </a:solidFill>
+                <a:latin typeface="MigMix 2M" panose="020B0509020203020207" pitchFamily="49" charset="-128"/>
+                <a:ea typeface="MigMix 2M" panose="020B0509020203020207" pitchFamily="49" charset="-128"/>
+              </a:rPr>
+              <a:t>省略</a:t>
+            </a:r>
+            <a:r>
+              <a:rPr lang="en-US" altLang="ja-JP" sz="1600" dirty="0">
+                <a:solidFill>
+                  <a:srgbClr val="33CC33"/>
+                </a:solidFill>
+                <a:latin typeface="MigMix 2M" panose="020B0509020203020207" pitchFamily="49" charset="-128"/>
+                <a:ea typeface="MigMix 2M" panose="020B0509020203020207" pitchFamily="49" charset="-128"/>
+              </a:rPr>
+              <a:t>)</a:t>
+            </a:r>
+            <a:endParaRPr lang="en-US" sz="1600" dirty="0">
+              <a:solidFill>
+                <a:srgbClr val="33CC33"/>
+              </a:solidFill>
+              <a:latin typeface="MigMix 2M" panose="020B0509020203020207" pitchFamily="49" charset="-128"/>
+              <a:ea typeface="MigMix 2M" panose="020B0509020203020207" pitchFamily="49" charset="-128"/>
+            </a:endParaRPr>
+          </a:p>
+          <a:p>
+            <a:r>
+              <a:rPr lang="en-US" sz="1600" dirty="0">
+                <a:latin typeface="MigMix 2M" panose="020B0509020203020207" pitchFamily="49" charset="-128"/>
+                <a:ea typeface="MigMix 2M" panose="020B0509020203020207" pitchFamily="49" charset="-128"/>
+              </a:rPr>
+              <a:t>    end else if (</a:t>
+            </a:r>
+            <a:r>
+              <a:rPr lang="en-US" sz="1600" dirty="0" err="1">
+                <a:latin typeface="MigMix 2M" panose="020B0509020203020207" pitchFamily="49" charset="-128"/>
+                <a:ea typeface="MigMix 2M" panose="020B0509020203020207" pitchFamily="49" charset="-128"/>
+              </a:rPr>
+              <a:t>game_clk</a:t>
+            </a:r>
+            <a:r>
+              <a:rPr lang="en-US" sz="1600" dirty="0">
+                <a:latin typeface="MigMix 2M" panose="020B0509020203020207" pitchFamily="49" charset="-128"/>
+                <a:ea typeface="MigMix 2M" panose="020B0509020203020207" pitchFamily="49" charset="-128"/>
+              </a:rPr>
+              <a:t>) begin</a:t>
+            </a:r>
+          </a:p>
+          <a:p>
+            <a:r>
+              <a:rPr lang="en-US" sz="1600" dirty="0">
+                <a:latin typeface="MigMix 2M" panose="020B0509020203020207" pitchFamily="49" charset="-128"/>
+                <a:ea typeface="MigMix 2M" panose="020B0509020203020207" pitchFamily="49" charset="-128"/>
+              </a:rPr>
+              <a:t>      if (pattern == 8’b00000000) begin</a:t>
+            </a:r>
+          </a:p>
+          <a:p>
+            <a:r>
+              <a:rPr lang="fr-FR" sz="1600" dirty="0">
+                <a:latin typeface="MigMix 2M" panose="020B0509020203020207" pitchFamily="49" charset="-128"/>
+                <a:ea typeface="MigMix 2M" panose="020B0509020203020207" pitchFamily="49" charset="-128"/>
+              </a:rPr>
+              <a:t>       </a:t>
+            </a:r>
+            <a:r>
+              <a:rPr lang="ja-JP" altLang="en-US" sz="1600" dirty="0">
+                <a:latin typeface="MigMix 2M" panose="020B0509020203020207" pitchFamily="49" charset="-128"/>
+                <a:ea typeface="MigMix 2M" panose="020B0509020203020207" pitchFamily="49" charset="-128"/>
+              </a:rPr>
+              <a:t> </a:t>
+            </a:r>
+            <a:r>
+              <a:rPr lang="fr-FR" sz="1600" dirty="0">
+                <a:latin typeface="MigMix 2M" panose="020B0509020203020207" pitchFamily="49" charset="-128"/>
+                <a:ea typeface="MigMix 2M" panose="020B0509020203020207" pitchFamily="49" charset="-128"/>
+              </a:rPr>
+              <a:t>current_score &lt;= (current_score == 0 ? 0 : current_score - 1);</a:t>
+            </a:r>
+          </a:p>
+          <a:p>
+            <a:r>
+              <a:rPr lang="en-US" sz="1600" dirty="0">
+                <a:latin typeface="MigMix 2M" panose="020B0509020203020207" pitchFamily="49" charset="-128"/>
+                <a:ea typeface="MigMix 2M" panose="020B0509020203020207" pitchFamily="49" charset="-128"/>
+              </a:rPr>
+              <a:t>      end else begin</a:t>
+            </a:r>
+          </a:p>
+          <a:p>
+            <a:r>
+              <a:rPr lang="en-US" sz="1600" dirty="0">
+                <a:latin typeface="MigMix 2M" panose="020B0509020203020207" pitchFamily="49" charset="-128"/>
+                <a:ea typeface="MigMix 2M" panose="020B0509020203020207" pitchFamily="49" charset="-128"/>
+              </a:rPr>
+              <a:t>        </a:t>
+            </a:r>
+            <a:r>
+              <a:rPr lang="en-US" sz="1600" dirty="0" err="1">
+                <a:latin typeface="MigMix 2M" panose="020B0509020203020207" pitchFamily="49" charset="-128"/>
+                <a:ea typeface="MigMix 2M" panose="020B0509020203020207" pitchFamily="49" charset="-128"/>
+              </a:rPr>
+              <a:t>current_pattern</a:t>
+            </a:r>
+            <a:r>
+              <a:rPr lang="en-US" sz="1600" dirty="0">
+                <a:latin typeface="MigMix 2M" panose="020B0509020203020207" pitchFamily="49" charset="-128"/>
+                <a:ea typeface="MigMix 2M" panose="020B0509020203020207" pitchFamily="49" charset="-128"/>
+              </a:rPr>
+              <a:t> &lt;= pattern;</a:t>
+            </a:r>
+          </a:p>
+          <a:p>
+            <a:r>
+              <a:rPr lang="en-US" sz="1600" dirty="0">
+                <a:latin typeface="MigMix 2M" panose="020B0509020203020207" pitchFamily="49" charset="-128"/>
+                <a:ea typeface="MigMix 2M" panose="020B0509020203020207" pitchFamily="49" charset="-128"/>
+              </a:rPr>
+              <a:t>        </a:t>
+            </a:r>
+            <a:r>
+              <a:rPr lang="en-US" sz="1600" dirty="0" err="1">
+                <a:latin typeface="MigMix 2M" panose="020B0509020203020207" pitchFamily="49" charset="-128"/>
+                <a:ea typeface="MigMix 2M" panose="020B0509020203020207" pitchFamily="49" charset="-128"/>
+              </a:rPr>
+              <a:t>current_score</a:t>
+            </a:r>
+            <a:r>
+              <a:rPr lang="en-US" sz="1600" dirty="0">
+                <a:latin typeface="MigMix 2M" panose="020B0509020203020207" pitchFamily="49" charset="-128"/>
+                <a:ea typeface="MigMix 2M" panose="020B0509020203020207" pitchFamily="49" charset="-128"/>
+              </a:rPr>
+              <a:t> &lt;= 4'd10;</a:t>
+            </a:r>
+          </a:p>
+          <a:p>
+            <a:r>
+              <a:rPr lang="en-US" sz="1600" dirty="0">
+                <a:latin typeface="MigMix 2M" panose="020B0509020203020207" pitchFamily="49" charset="-128"/>
+                <a:ea typeface="MigMix 2M" panose="020B0509020203020207" pitchFamily="49" charset="-128"/>
+              </a:rPr>
+              <a:t>      end</a:t>
+            </a:r>
+          </a:p>
+          <a:p>
+            <a:r>
+              <a:rPr lang="en-US" sz="1600" dirty="0">
+                <a:latin typeface="MigMix 2M" panose="020B0509020203020207" pitchFamily="49" charset="-128"/>
+                <a:ea typeface="MigMix 2M" panose="020B0509020203020207" pitchFamily="49" charset="-128"/>
+              </a:rPr>
+              <a:t>    end else begin</a:t>
+            </a:r>
+          </a:p>
+          <a:p>
+            <a:r>
+              <a:rPr lang="en-US" sz="1600" dirty="0">
+                <a:latin typeface="MigMix 2M" panose="020B0509020203020207" pitchFamily="49" charset="-128"/>
+                <a:ea typeface="MigMix 2M" panose="020B0509020203020207" pitchFamily="49" charset="-128"/>
+              </a:rPr>
+              <a:t>      </a:t>
+            </a:r>
+            <a:r>
+              <a:rPr lang="en-US" sz="1600" dirty="0">
+                <a:solidFill>
+                  <a:srgbClr val="33CC33"/>
+                </a:solidFill>
+                <a:latin typeface="MigMix 2M" panose="020B0509020203020207" pitchFamily="49" charset="-128"/>
+                <a:ea typeface="MigMix 2M" panose="020B0509020203020207" pitchFamily="49" charset="-128"/>
+              </a:rPr>
+              <a:t>//</a:t>
+            </a:r>
+            <a:r>
+              <a:rPr lang="ja-JP" altLang="en-US" sz="1600" dirty="0">
+                <a:solidFill>
+                  <a:srgbClr val="33CC33"/>
+                </a:solidFill>
+                <a:latin typeface="MigMix 2M" panose="020B0509020203020207" pitchFamily="49" charset="-128"/>
+                <a:ea typeface="MigMix 2M" panose="020B0509020203020207" pitchFamily="49" charset="-128"/>
+              </a:rPr>
+              <a:t>キー入力は、</a:t>
+            </a:r>
+            <a:r>
+              <a:rPr lang="en-US" altLang="ja-JP" sz="1600" dirty="0">
+                <a:solidFill>
+                  <a:srgbClr val="33CC33"/>
+                </a:solidFill>
+                <a:latin typeface="MigMix 2M" panose="020B0509020203020207" pitchFamily="49" charset="-128"/>
+                <a:ea typeface="MigMix 2M" panose="020B0509020203020207" pitchFamily="49" charset="-128"/>
+              </a:rPr>
+              <a:t>(</a:t>
+            </a:r>
+            <a:r>
+              <a:rPr lang="ja-JP" altLang="en-US" sz="1600" dirty="0">
+                <a:solidFill>
+                  <a:srgbClr val="33CC33"/>
+                </a:solidFill>
+                <a:latin typeface="MigMix 2M" panose="020B0509020203020207" pitchFamily="49" charset="-128"/>
+                <a:ea typeface="MigMix 2M" panose="020B0509020203020207" pitchFamily="49" charset="-128"/>
+              </a:rPr>
+              <a:t>ゲーム内クロックから見たら</a:t>
+            </a:r>
+            <a:r>
+              <a:rPr lang="en-US" altLang="ja-JP" sz="1600" dirty="0">
+                <a:solidFill>
+                  <a:srgbClr val="33CC33"/>
+                </a:solidFill>
+                <a:latin typeface="MigMix 2M" panose="020B0509020203020207" pitchFamily="49" charset="-128"/>
+                <a:ea typeface="MigMix 2M" panose="020B0509020203020207" pitchFamily="49" charset="-128"/>
+              </a:rPr>
+              <a:t>)</a:t>
+            </a:r>
+            <a:r>
+              <a:rPr lang="ja-JP" altLang="en-US" sz="1600" dirty="0">
+                <a:solidFill>
+                  <a:srgbClr val="33CC33"/>
+                </a:solidFill>
+                <a:latin typeface="MigMix 2M" panose="020B0509020203020207" pitchFamily="49" charset="-128"/>
+                <a:ea typeface="MigMix 2M" panose="020B0509020203020207" pitchFamily="49" charset="-128"/>
+              </a:rPr>
+              <a:t>非同期で</a:t>
+            </a:r>
+            <a:endParaRPr lang="en-US" sz="1600" dirty="0">
+              <a:solidFill>
+                <a:srgbClr val="33CC33"/>
+              </a:solidFill>
+              <a:latin typeface="MigMix 2M" panose="020B0509020203020207" pitchFamily="49" charset="-128"/>
+              <a:ea typeface="MigMix 2M" panose="020B0509020203020207" pitchFamily="49" charset="-128"/>
+            </a:endParaRPr>
+          </a:p>
+          <a:p>
+            <a:r>
+              <a:rPr lang="en-US" sz="1600" dirty="0">
+                <a:latin typeface="MigMix 2M" panose="020B0509020203020207" pitchFamily="49" charset="-128"/>
+                <a:ea typeface="MigMix 2M" panose="020B0509020203020207" pitchFamily="49" charset="-128"/>
+              </a:rPr>
+              <a:t>      if (write &amp; </a:t>
+            </a:r>
+            <a:r>
+              <a:rPr lang="en-US" sz="1600" dirty="0" err="1">
+                <a:latin typeface="MigMix 2M" panose="020B0509020203020207" pitchFamily="49" charset="-128"/>
+                <a:ea typeface="MigMix 2M" panose="020B0509020203020207" pitchFamily="49" charset="-128"/>
+              </a:rPr>
+              <a:t>user_input</a:t>
+            </a:r>
+            <a:r>
+              <a:rPr lang="en-US" sz="1600" dirty="0">
+                <a:latin typeface="MigMix 2M" panose="020B0509020203020207" pitchFamily="49" charset="-128"/>
+                <a:ea typeface="MigMix 2M" panose="020B0509020203020207" pitchFamily="49" charset="-128"/>
+              </a:rPr>
+              <a:t> == </a:t>
+            </a:r>
+            <a:r>
+              <a:rPr lang="en-US" sz="1600" dirty="0" err="1">
+                <a:latin typeface="MigMix 2M" panose="020B0509020203020207" pitchFamily="49" charset="-128"/>
+                <a:ea typeface="MigMix 2M" panose="020B0509020203020207" pitchFamily="49" charset="-128"/>
+              </a:rPr>
+              <a:t>current_pattern</a:t>
+            </a:r>
+            <a:r>
+              <a:rPr lang="en-US" sz="1600" dirty="0">
+                <a:latin typeface="MigMix 2M" panose="020B0509020203020207" pitchFamily="49" charset="-128"/>
+                <a:ea typeface="MigMix 2M" panose="020B0509020203020207" pitchFamily="49" charset="-128"/>
+              </a:rPr>
+              <a:t>) begin</a:t>
+            </a:r>
+          </a:p>
+          <a:p>
+            <a:r>
+              <a:rPr lang="en-US" sz="1600" dirty="0">
+                <a:latin typeface="MigMix 2M" panose="020B0509020203020207" pitchFamily="49" charset="-128"/>
+                <a:ea typeface="MigMix 2M" panose="020B0509020203020207" pitchFamily="49" charset="-128"/>
+              </a:rPr>
+              <a:t>        </a:t>
+            </a:r>
+            <a:r>
+              <a:rPr lang="en-US" sz="1600" dirty="0" err="1">
+                <a:latin typeface="MigMix 2M" panose="020B0509020203020207" pitchFamily="49" charset="-128"/>
+                <a:ea typeface="MigMix 2M" panose="020B0509020203020207" pitchFamily="49" charset="-128"/>
+              </a:rPr>
+              <a:t>global_score</a:t>
+            </a:r>
+            <a:r>
+              <a:rPr lang="en-US" sz="1600" dirty="0">
+                <a:latin typeface="MigMix 2M" panose="020B0509020203020207" pitchFamily="49" charset="-128"/>
+                <a:ea typeface="MigMix 2M" panose="020B0509020203020207" pitchFamily="49" charset="-128"/>
+              </a:rPr>
+              <a:t> &lt;= </a:t>
+            </a:r>
+            <a:r>
+              <a:rPr lang="en-US" sz="1600" dirty="0" err="1">
+                <a:latin typeface="MigMix 2M" panose="020B0509020203020207" pitchFamily="49" charset="-128"/>
+                <a:ea typeface="MigMix 2M" panose="020B0509020203020207" pitchFamily="49" charset="-128"/>
+              </a:rPr>
+              <a:t>global_score</a:t>
+            </a:r>
+            <a:r>
+              <a:rPr lang="en-US" sz="1600" dirty="0">
+                <a:latin typeface="MigMix 2M" panose="020B0509020203020207" pitchFamily="49" charset="-128"/>
+                <a:ea typeface="MigMix 2M" panose="020B0509020203020207" pitchFamily="49" charset="-128"/>
+              </a:rPr>
+              <a:t> + </a:t>
+            </a:r>
+            <a:r>
+              <a:rPr lang="en-US" sz="1600" dirty="0" err="1">
+                <a:latin typeface="MigMix 2M" panose="020B0509020203020207" pitchFamily="49" charset="-128"/>
+                <a:ea typeface="MigMix 2M" panose="020B0509020203020207" pitchFamily="49" charset="-128"/>
+              </a:rPr>
+              <a:t>current_score</a:t>
+            </a:r>
+            <a:r>
+              <a:rPr lang="en-US" sz="1600" dirty="0">
+                <a:latin typeface="MigMix 2M" panose="020B0509020203020207" pitchFamily="49" charset="-128"/>
+                <a:ea typeface="MigMix 2M" panose="020B0509020203020207" pitchFamily="49" charset="-128"/>
+              </a:rPr>
+              <a:t>;</a:t>
+            </a:r>
+          </a:p>
+          <a:p>
+            <a:r>
+              <a:rPr lang="en-US" sz="1600" dirty="0">
+                <a:latin typeface="MigMix 2M" panose="020B0509020203020207" pitchFamily="49" charset="-128"/>
+                <a:ea typeface="MigMix 2M" panose="020B0509020203020207" pitchFamily="49" charset="-128"/>
+              </a:rPr>
+              <a:t>        </a:t>
+            </a:r>
+            <a:r>
+              <a:rPr lang="en-US" sz="1600" dirty="0" err="1">
+                <a:latin typeface="MigMix 2M" panose="020B0509020203020207" pitchFamily="49" charset="-128"/>
+                <a:ea typeface="MigMix 2M" panose="020B0509020203020207" pitchFamily="49" charset="-128"/>
+              </a:rPr>
+              <a:t>current_score</a:t>
+            </a:r>
+            <a:r>
+              <a:rPr lang="en-US" sz="1600" dirty="0">
+                <a:latin typeface="MigMix 2M" panose="020B0509020203020207" pitchFamily="49" charset="-128"/>
+                <a:ea typeface="MigMix 2M" panose="020B0509020203020207" pitchFamily="49" charset="-128"/>
+              </a:rPr>
+              <a:t> &lt;= 3’o0;</a:t>
+            </a:r>
+          </a:p>
+          <a:p>
+            <a:r>
+              <a:rPr lang="en-US" sz="1600" dirty="0">
+                <a:latin typeface="MigMix 2M" panose="020B0509020203020207" pitchFamily="49" charset="-128"/>
+                <a:ea typeface="MigMix 2M" panose="020B0509020203020207" pitchFamily="49" charset="-128"/>
+              </a:rPr>
+              <a:t>      end</a:t>
+            </a:r>
+          </a:p>
+          <a:p>
+            <a:r>
+              <a:rPr lang="en-US" sz="1600" dirty="0">
+                <a:latin typeface="MigMix 2M" panose="020B0509020203020207" pitchFamily="49" charset="-128"/>
+                <a:ea typeface="MigMix 2M" panose="020B0509020203020207" pitchFamily="49" charset="-128"/>
+              </a:rPr>
+              <a:t>    end</a:t>
+            </a:r>
+          </a:p>
+          <a:p>
+            <a:r>
+              <a:rPr lang="en-US" sz="1600" dirty="0">
+                <a:latin typeface="MigMix 2M" panose="020B0509020203020207" pitchFamily="49" charset="-128"/>
+                <a:ea typeface="MigMix 2M" panose="020B0509020203020207" pitchFamily="49" charset="-128"/>
+              </a:rPr>
+              <a:t>  end</a:t>
+            </a:r>
+          </a:p>
+        </p:txBody>
+      </p:sp>
+    </p:spTree>
+    <p:extLst>
+      <p:ext uri="{BB962C8B-B14F-4D97-AF65-F5344CB8AC3E}">
+        <p14:creationId xmlns:p14="http://schemas.microsoft.com/office/powerpoint/2010/main" val="463230893"/>
+      </p:ext>
+    </p:extLst>
+  </p:cSld>
+  <p:clrMapOvr>
+    <a:masterClrMapping/>
+  </p:clrMapOvr>
+</p:sld>
+</file>
+
+<file path=ppt/slides/slide8.xml><?xml version="1.0" encoding="utf-8"?>
+<p:sld xmlns:a="http://schemas.openxmlformats.org/drawingml/2006/main" xmlns:r="http://schemas.openxmlformats.org/officeDocument/2006/relationships" xmlns:p="http://schemas.openxmlformats.org/presentationml/2006/main">
+  <p:cSld>
+    <p:spTree>
+      <p:nvGrpSpPr>
+        <p:cNvPr id="1" name=""/>
+        <p:cNvGrpSpPr/>
+        <p:nvPr/>
+      </p:nvGrpSpPr>
+      <p:grpSpPr>
+        <a:xfrm>
+          <a:off x="0" y="0"/>
+          <a:ext cx="0" cy="0"/>
+          <a:chOff x="0" y="0"/>
+          <a:chExt cx="0" cy="0"/>
+        </a:xfrm>
+      </p:grpSpPr>
+      <p:sp>
+        <p:nvSpPr>
+          <p:cNvPr id="4" name="タイトル 3">
+            <a:extLst>
+              <a:ext uri="{FF2B5EF4-FFF2-40B4-BE49-F238E27FC236}">
+                <a16:creationId xmlns:a16="http://schemas.microsoft.com/office/drawing/2014/main" id="{2B4A595B-F80A-9A4D-89FB-BE466475F360}"/>
+              </a:ext>
+            </a:extLst>
+          </p:cNvPr>
+          <p:cNvSpPr>
+            <a:spLocks noGrp="1"/>
+          </p:cNvSpPr>
+          <p:nvPr>
+            <p:ph type="ctrTitle"/>
+          </p:nvPr>
+        </p:nvSpPr>
+        <p:spPr/>
+        <p:txBody>
+          <a:bodyPr/>
+          <a:lstStyle/>
+          <a:p>
+            <a:r>
+              <a:rPr kumimoji="1" lang="ja-JP" altLang="en-US" dirty="0"/>
+              <a:t>実機デモ</a:t>
+            </a:r>
+          </a:p>
+        </p:txBody>
+      </p:sp>
+    </p:spTree>
+    <p:extLst>
+      <p:ext uri="{BB962C8B-B14F-4D97-AF65-F5344CB8AC3E}">
+        <p14:creationId xmlns:p14="http://schemas.microsoft.com/office/powerpoint/2010/main" val="4125491544"/>
+      </p:ext>
+    </p:extLst>
+  </p:cSld>
+  <p:clrMapOvr>
+    <a:masterClrMapping/>
+  </p:clrMapOvr>
+</p:sld>
+</file>
+
+<file path=ppt/slides/slide9.xml><?xml version="1.0" encoding="utf-8"?>
+<p:sld xmlns:a="http://schemas.openxmlformats.org/drawingml/2006/main" xmlns:r="http://schemas.openxmlformats.org/officeDocument/2006/relationships" xmlns:p="http://schemas.openxmlformats.org/presentationml/2006/main">
+  <p:cSld>
+    <p:spTree>
+      <p:nvGrpSpPr>
+        <p:cNvPr id="1" name=""/>
+        <p:cNvGrpSpPr/>
+        <p:nvPr/>
+      </p:nvGrpSpPr>
+      <p:grpSpPr>
+        <a:xfrm>
+          <a:off x="0" y="0"/>
+          <a:ext cx="0" cy="0"/>
+          <a:chOff x="0" y="0"/>
+          <a:chExt cx="0" cy="0"/>
+        </a:xfrm>
+      </p:grpSpPr>
+      <p:sp>
+        <p:nvSpPr>
+          <p:cNvPr id="2" name="タイトル 1">
+            <a:extLst>
+              <a:ext uri="{FF2B5EF4-FFF2-40B4-BE49-F238E27FC236}">
+                <a16:creationId xmlns:a16="http://schemas.microsoft.com/office/drawing/2014/main" id="{8D184852-E06A-47B3-A427-25E221C6E556}"/>
+              </a:ext>
+            </a:extLst>
+          </p:cNvPr>
+          <p:cNvSpPr>
+            <a:spLocks noGrp="1"/>
+          </p:cNvSpPr>
+          <p:nvPr>
+            <p:ph type="title"/>
+          </p:nvPr>
+        </p:nvSpPr>
+        <p:spPr/>
+        <p:txBody>
+          <a:bodyPr/>
+          <a:lstStyle/>
+          <a:p>
+            <a:r>
+              <a:rPr lang="ja-JP" altLang="en-US" dirty="0"/>
+              <a:t>当初のスケージュール</a:t>
             </a:r>
             <a:endParaRPr lang="en-US" dirty="0"/>
           </a:p>
@@ -7640,7 +8980,7 @@
             </a:pPr>
             <a:r>
               <a:rPr lang="ja-JP" altLang="en-US" dirty="0"/>
-              <a:t>ソフトの単体は、</a:t>
+              <a:t>ソフトは、</a:t>
             </a:r>
             <a:r>
               <a:rPr lang="en-US" altLang="ja-JP" dirty="0" err="1"/>
@@ -7677,47 +9017,30 @@
             <a:endParaRPr lang="en-US" altLang="ja-JP" dirty="0"/>
           </a:p>
           <a:p>
-            <a:r>
-              <a:rPr lang="ja-JP" altLang="en-US" dirty="0"/>
-              <a:t>電子工作</a:t>
-            </a:r>
-            <a:endParaRPr lang="en-US" altLang="ja-JP" dirty="0"/>
-          </a:p>
-          <a:p>
-            <a:pPr marL="457200" lvl="1" indent="0">
-              <a:buNone/>
-            </a:pPr>
-            <a:r>
-              <a:rPr lang="ja-JP" altLang="en-US" dirty="0"/>
-              <a:t>コンデンサなど使って</a:t>
-            </a:r>
-            <a:r>
-              <a:rPr lang="en-US" altLang="ja-JP" dirty="0"/>
-              <a:t>LED</a:t>
-            </a:r>
-            <a:r>
-              <a:rPr lang="ja-JP" altLang="en-US" dirty="0" err="1"/>
-              <a:t>を遅</a:t>
-            </a:r>
-            <a:r>
-              <a:rPr lang="ja-JP" altLang="en-US" dirty="0"/>
-              <a:t>延して光らせることができたら面白い</a:t>
-            </a:r>
-            <a:endParaRPr lang="en-US" altLang="ja-JP" dirty="0"/>
-          </a:p>
-          <a:p>
-            <a:pPr lvl="1"/>
-            <a:r>
-              <a:rPr lang="ja-JP" altLang="en-US" dirty="0"/>
-              <a:t>タイミングの管理が難しいので、余裕があれば</a:t>
-            </a:r>
-            <a:endParaRPr lang="en-US" altLang="ja-JP" dirty="0"/>
-          </a:p>
-          <a:p>
             <a:pPr marL="0" indent="0">
               <a:buNone/>
             </a:pPr>
-            <a:endParaRPr lang="en-US" dirty="0"/>
+            <a:endParaRPr lang="en-US" altLang="ja-JP" dirty="0"/>
+          </a:p>
+          <a:p>
+            <a:pPr marL="0" indent="0">
+              <a:buNone/>
+            </a:pPr>
+            <a:r>
+              <a:rPr lang="ja-JP" altLang="en-US" dirty="0"/>
+              <a:t>基本的には、予定通りに進めることができた。</a:t>
+            </a:r>
+            <a:endParaRPr lang="en-US" altLang="ja-JP" dirty="0"/>
+          </a:p>
+          <a:p>
+            <a:pPr marL="0" indent="0">
+              <a:buNone/>
+            </a:pPr>
+            <a:r>
+              <a:rPr lang="ja-JP" altLang="en-US" dirty="0"/>
+              <a:t>バグ取りが間に合わなかったので、最後は持ち帰って作業をした。</a:t>
+            </a:r>
+            <a:endParaRPr lang="en-US" altLang="ja-JP" dirty="0"/>
           </a:p>
         </p:txBody>
       </p:sp>
@@ -7993,4 +9316,299 @@
     </a:ext>
   </a:extLst>
 </a:theme>
+</file>
+
+<file path=ppt/theme/theme2.xml><?xml version="1.0" encoding="utf-8"?>
+<a:theme xmlns:a="http://schemas.openxmlformats.org/drawingml/2006/main" name="Office テーマ">
+  <a:themeElements>
+    <a:clrScheme name="Office">
+      <a:dk1>
+        <a:sysClr val="windowText" lastClr="000000"/>
+      </a:dk1>
+      <a:lt1>
+        <a:sysClr val="window" lastClr="FFFFFF"/>
+      </a:lt1>
+      <a:dk2>
+        <a:srgbClr val="44546A"/>
+      </a:dk2>
+      <a:lt2>
+        <a:srgbClr val="E7E6E6"/>
+      </a:lt2>
+      <a:accent1>
+        <a:srgbClr val="4472C4"/>
+      </a:accent1>
+      <a:accent2>
+        <a:srgbClr val="ED7D31"/>
+      </a:accent2>
+      <a:accent3>
+        <a:srgbClr val="A5A5A5"/>
+      </a:accent3>
+      <a:accent4>
+        <a:srgbClr val="FFC000"/>
+      </a:accent4>
+      <a:accent5>
+        <a:srgbClr val="5B9BD5"/>
+      </a:accent5>
+      <a:accent6>
+        <a:srgbClr val="70AD47"/>
+      </a:accent6>
+      <a:hlink>
+        <a:srgbClr val="0563C1"/>
+      </a:hlink>
+      <a:folHlink>
+        <a:srgbClr val="954F72"/>
+      </a:folHlink>
+    </a:clrScheme>
+    <a:fontScheme name="Office">
+      <a:majorFont>
+        <a:latin typeface="Calibri Light" panose="020F0302020204030204"/>
+        <a:ea typeface=""/>
+        <a:cs typeface=""/>
+        <a:font script="Jpan" typeface="游ゴシック Light"/>
+        <a:font script="Hang" typeface="맑은 고딕"/>
+        <a:font script="Hans" typeface="等线 Light"/>
+        <a:font script="Hant" typeface="新細明體"/>
+        <a:font script="Arab" typeface="Times New Roman"/>
+        <a:font script="Hebr" typeface="Times New Roman"/>
+        <a:font script="Thai" typeface="Angsana New"/>
+        <a:font script="Ethi" typeface="Nyala"/>
+        <a:font script="Beng" typeface="Vrinda"/>
+        <a:font script="Gujr" typeface="Shruti"/>
+        <a:font script="Khmr" typeface="MoolBoran"/>
+        <a:font script="Knda" typeface="Tunga"/>
+        <a:font script="Guru" typeface="Raavi"/>
+        <a:font script="Cans" typeface="Euphemia"/>
+        <a:font script="Cher" typeface="Plantagenet Cherokee"/>
+        <a:font script="Yiii" typeface="Microsoft Yi Baiti"/>
+        <a:font script="Tibt" typeface="Microsoft Himalaya"/>
+        <a:font script="Thaa" typeface="MV Boli"/>
+        <a:font script="Deva" typeface="Mangal"/>
+        <a:font script="Telu" typeface="Gautami"/>
+        <a:font script="Taml" typeface="Latha"/>
+        <a:font script="Syrc" typeface="Estrangelo Edessa"/>
+        <a:font script="Orya" typeface="Kalinga"/>
+        <a:font script="Mlym" typeface="Kartika"/>
+        <a:font script="Laoo" typeface="DokChampa"/>
+        <a:font script="Sinh" typeface="Iskoola Pota"/>
+        <a:font script="Mong" typeface="Mongolian Baiti"/>
+        <a:font script="Viet" typeface="Times New Roman"/>
+        <a:font script="Uigh" typeface="Microsoft Uighur"/>
+        <a:font script="Geor" typeface="Sylfaen"/>
+        <a:font script="Armn" typeface="Arial"/>
+        <a:font script="Bugi" typeface="Leelawadee UI"/>
+        <a:font script="Bopo" typeface="Microsoft JhengHei"/>
+        <a:font script="Java" typeface="Javanese Text"/>
+        <a:font script="Lisu" typeface="Segoe UI"/>
+        <a:font script="Mymr" typeface="Myanmar Text"/>
+        <a:font script="Nkoo" typeface="Ebrima"/>
+        <a:font script="Olck" typeface="Nirmala UI"/>
+        <a:font script="Osma" typeface="Ebrima"/>
+        <a:font script="Phag" typeface="Phagspa"/>
+        <a:font script="Syrn" typeface="Estrangelo Edessa"/>
+        <a:font script="Syrj" typeface="Estrangelo Edessa"/>
+        <a:font script="Syre" typeface="Estrangelo Edessa"/>
+        <a:font script="Sora" typeface="Nirmala UI"/>
+        <a:font script="Tale" typeface="Microsoft Tai Le"/>
+        <a:font script="Talu" typeface="Microsoft New Tai Lue"/>
+        <a:font script="Tfng" typeface="Ebrima"/>
+      </a:majorFont>
+      <a:minorFont>
+        <a:latin typeface="Calibri" panose="020F0502020204030204"/>
+        <a:ea typeface=""/>
+        <a:cs typeface=""/>
+        <a:font script="Jpan" typeface="游ゴシック"/>
+        <a:font script="Hang" typeface="맑은 고딕"/>
+        <a:font script="Hans" typeface="等线"/>
+        <a:font script="Hant" typeface="新細明體"/>
+        <a:font script="Arab" typeface="Arial"/>
+        <a:font script="Hebr" typeface="Arial"/>
+        <a:font script="Thai" typeface="Cordia New"/>
+        <a:font script="Ethi" typeface="Nyala"/>
+        <a:font script="Beng" typeface="Vrinda"/>
+        <a:font script="Gujr" typeface="Shruti"/>
+        <a:font script="Khmr" typeface="DaunPenh"/>
+        <a:font script="Knda" typeface="Tunga"/>
+        <a:font script="Guru" typeface="Raavi"/>
+        <a:font script="Cans" typeface="Euphemia"/>
+        <a:font script="Cher" typeface="Plantagenet Cherokee"/>
+        <a:font script="Yiii" typeface="Microsoft Yi Baiti"/>
+        <a:font script="Tibt" typeface="Microsoft Himalaya"/>
+        <a:font script="Thaa" typeface="MV Boli"/>
+        <a:font script="Deva" typeface="Mangal"/>
+        <a:font script="Telu" typeface="Gautami"/>
+        <a:font script="Taml" typeface="Latha"/>
+        <a:font script="Syrc" typeface="Estrangelo Edessa"/>
+        <a:font script="Orya" typeface="Kalinga"/>
+        <a:font script="Mlym" typeface="Kartika"/>
+        <a:font script="Laoo" typeface="DokChampa"/>
+        <a:font script="Sinh" typeface="Iskoola Pota"/>
+        <a:font script="Mong" typeface="Mongolian Baiti"/>
+        <a:font script="Viet" typeface="Arial"/>
+        <a:font script="Uigh" typeface="Microsoft Uighur"/>
+        <a:font script="Geor" typeface="Sylfaen"/>
+        <a:font script="Armn" typeface="Arial"/>
+        <a:font script="Bugi" typeface="Leelawadee UI"/>
+        <a:font script="Bopo" typeface="Microsoft JhengHei"/>
+        <a:font script="Java" typeface="Javanese Text"/>
+        <a:font script="Lisu" typeface="Segoe UI"/>
+        <a:font script="Mymr" typeface="Myanmar Text"/>
+        <a:font script="Nkoo" typeface="Ebrima"/>
+        <a:font script="Olck" typeface="Nirmala UI"/>
+        <a:font script="Osma" typeface="Ebrima"/>
+        <a:font script="Phag" typeface="Phagspa"/>
+        <a:font script="Syrn" typeface="Estrangelo Edessa"/>
+        <a:font script="Syrj" typeface="Estrangelo Edessa"/>
+        <a:font script="Syre" typeface="Estrangelo Edessa"/>
+        <a:font script="Sora" typeface="Nirmala UI"/>
+        <a:font script="Tale" typeface="Microsoft Tai Le"/>
+        <a:font script="Talu" typeface="Microsoft New Tai Lue"/>
+        <a:font script="Tfng" typeface="Ebrima"/>
+      </a:minorFont>
+    </a:fontScheme>
+    <a:fmtScheme name="Office">
+      <a:fillStyleLst>
+        <a:solidFill>
+          <a:schemeClr val="phClr"/>
+        </a:solidFill>
+        <a:gradFill rotWithShape="1">
+          <a:gsLst>
+            <a:gs pos="0">
+              <a:schemeClr val="phClr">
+                <a:lumMod val="110000"/>
+                <a:satMod val="105000"/>
+                <a:tint val="67000"/>
+              </a:schemeClr>
+            </a:gs>
+            <a:gs pos="50000">
+              <a:schemeClr val="phClr">
+                <a:lumMod val="105000"/>
+                <a:satMod val="103000"/>
+                <a:tint val="73000"/>
+              </a:schemeClr>
+            </a:gs>
+            <a:gs pos="100000">
+              <a:schemeClr val="phClr">
+                <a:lumMod val="105000"/>
+                <a:satMod val="109000"/>
+                <a:tint val="81000"/>
+              </a:schemeClr>
+            </a:gs>
+          </a:gsLst>
+          <a:lin ang="5400000" scaled="0"/>
+        </a:gradFill>
+        <a:gradFill rotWithShape="1">
+          <a:gsLst>
+            <a:gs pos="0">
+              <a:schemeClr val="phClr">
+                <a:satMod val="103000"/>
+                <a:lumMod val="102000"/>
+                <a:tint val="94000"/>
+              </a:schemeClr>
+            </a:gs>
+            <a:gs pos="50000">
+              <a:schemeClr val="phClr">
+                <a:satMod val="110000"/>
+                <a:lumMod val="100000"/>
+                <a:shade val="100000"/>
+              </a:schemeClr>
+            </a:gs>
+            <a:gs pos="100000">
+              <a:schemeClr val="phClr">
+                <a:lumMod val="99000"/>
+                <a:satMod val="120000"/>
+                <a:shade val="78000"/>
+              </a:schemeClr>
+            </a:gs>
+          </a:gsLst>
+          <a:lin ang="5400000" scaled="0"/>
+        </a:gradFill>
+      </a:fillStyleLst>
+      <a:lnStyleLst>
+        <a:ln w="6350" cap="flat" cmpd="sng" algn="ctr">
+          <a:solidFill>
+            <a:schemeClr val="phClr"/>
+          </a:solidFill>
+          <a:prstDash val="solid"/>
+          <a:miter lim="800000"/>
+        </a:ln>
+        <a:ln w="12700" cap="flat" cmpd="sng" algn="ctr">
+          <a:solidFill>
+            <a:schemeClr val="phClr"/>
+          </a:solidFill>
+          <a:prstDash val="solid"/>
+          <a:miter lim="800000"/>
+        </a:ln>
+        <a:ln w="19050" cap="flat" cmpd="sng" algn="ctr">
+          <a:solidFill>
+            <a:schemeClr val="phClr"/>
+          </a:solidFill>
+          <a:prstDash val="solid"/>
+          <a:miter lim="800000"/>
+        </a:ln>
+      </a:lnStyleLst>
+      <a:effectStyleLst>
+        <a:effectStyle>
+          <a:effectLst/>
+        </a:effectStyle>
+        <a:effectStyle>
+          <a:effectLst/>
+        </a:effectStyle>
+        <a:effectStyle>
+          <a:effectLst>
+            <a:outerShdw blurRad="57150" dist="19050" dir="5400000" algn="ctr" rotWithShape="0">
+              <a:srgbClr val="000000">
+                <a:alpha val="63000"/>
+              </a:srgbClr>
+            </a:outerShdw>
+          </a:effectLst>
+        </a:effectStyle>
+      </a:effectStyleLst>
+      <a:bgFillStyleLst>
+        <a:solidFill>
+          <a:schemeClr val="phClr"/>
+        </a:solidFill>
+        <a:solidFill>
+          <a:schemeClr val="phClr">
+            <a:tint val="95000"/>
+            <a:satMod val="170000"/>
+          </a:schemeClr>
+        </a:solidFill>
+        <a:gradFill rotWithShape="1">
+          <a:gsLst>
+            <a:gs pos="0">
+              <a:schemeClr val="phClr">
+                <a:tint val="93000"/>
+                <a:satMod val="150000"/>
+                <a:shade val="98000"/>
+                <a:lumMod val="102000"/>
+              </a:schemeClr>
+            </a:gs>
+            <a:gs pos="50000">
+              <a:schemeClr val="phClr">
+                <a:tint val="98000"/>
+                <a:satMod val="130000"/>
+                <a:shade val="90000"/>
+                <a:lumMod val="103000"/>
+              </a:schemeClr>
+            </a:gs>
+            <a:gs pos="100000">
+              <a:schemeClr val="phClr">
+                <a:shade val="63000"/>
+                <a:satMod val="120000"/>
+              </a:schemeClr>
+            </a:gs>
+          </a:gsLst>
+          <a:lin ang="5400000" scaled="0"/>
+        </a:gradFill>
+      </a:bgFillStyleLst>
+    </a:fmtScheme>
+  </a:themeElements>
+  <a:objectDefaults/>
+  <a:extraClrSchemeLst/>
+  <a:extLst>
+    <a:ext uri="{05A4C25C-085E-4340-85A3-A5531E510DB2}">
+      <thm15:themeFamily xmlns:thm15="http://schemas.microsoft.com/office/thememl/2012/main" name="Office Theme" id="{62F939B6-93AF-4DB8-9C6B-D6C7DFDC589F}" vid="{4A3C46E8-61CC-4603-A589-7422A47A8E4A}"/>
+    </a:ext>
+  </a:extLst>
+</a:theme>
 </file>